--- a/presentation.pptx
+++ b/presentation.pptx
@@ -4,18 +4,38 @@
   <p:sldMasterIdLst>
     <p:sldMasterId id="2147483648" r:id="rId1"/>
   </p:sldMasterIdLst>
+  <p:notesMasterIdLst>
+    <p:notesMasterId r:id="rId30"/>
+  </p:notesMasterIdLst>
   <p:sldIdLst>
     <p:sldId id="256" r:id="rId2"/>
     <p:sldId id="257" r:id="rId3"/>
-    <p:sldId id="258" r:id="rId4"/>
-    <p:sldId id="259" r:id="rId5"/>
-    <p:sldId id="260" r:id="rId6"/>
-    <p:sldId id="261" r:id="rId7"/>
-    <p:sldId id="262" r:id="rId8"/>
-    <p:sldId id="263" r:id="rId9"/>
-    <p:sldId id="264" r:id="rId10"/>
-    <p:sldId id="265" r:id="rId11"/>
-    <p:sldId id="266" r:id="rId12"/>
+    <p:sldId id="277" r:id="rId4"/>
+    <p:sldId id="281" r:id="rId5"/>
+    <p:sldId id="278" r:id="rId6"/>
+    <p:sldId id="296" r:id="rId7"/>
+    <p:sldId id="279" r:id="rId8"/>
+    <p:sldId id="260" r:id="rId9"/>
+    <p:sldId id="282" r:id="rId10"/>
+    <p:sldId id="262" r:id="rId11"/>
+    <p:sldId id="283" r:id="rId12"/>
+    <p:sldId id="265" r:id="rId13"/>
+    <p:sldId id="286" r:id="rId14"/>
+    <p:sldId id="267" r:id="rId15"/>
+    <p:sldId id="284" r:id="rId16"/>
+    <p:sldId id="266" r:id="rId17"/>
+    <p:sldId id="285" r:id="rId18"/>
+    <p:sldId id="268" r:id="rId19"/>
+    <p:sldId id="290" r:id="rId20"/>
+    <p:sldId id="269" r:id="rId21"/>
+    <p:sldId id="291" r:id="rId22"/>
+    <p:sldId id="272" r:id="rId23"/>
+    <p:sldId id="293" r:id="rId24"/>
+    <p:sldId id="270" r:id="rId25"/>
+    <p:sldId id="292" r:id="rId26"/>
+    <p:sldId id="273" r:id="rId27"/>
+    <p:sldId id="294" r:id="rId28"/>
+    <p:sldId id="276" r:id="rId29"/>
   </p:sldIdLst>
   <p:sldSz cx="12192000" cy="6858000"/>
   <p:notesSz cx="6858000" cy="9144000"/>
@@ -122,6 +142,356 @@
 </p:presentation>
 </file>
 
+<file path=ppt/notesMasters/notesMaster1.xml><?xml version="1.0" encoding="utf-8"?>
+<p:notesMaster xmlns:a="http://schemas.openxmlformats.org/drawingml/2006/main" xmlns:r="http://schemas.openxmlformats.org/officeDocument/2006/relationships" xmlns:p="http://schemas.openxmlformats.org/presentationml/2006/main">
+  <p:cSld>
+    <p:bg>
+      <p:bgRef idx="1001">
+        <a:schemeClr val="bg1"/>
+      </p:bgRef>
+    </p:bg>
+    <p:spTree>
+      <p:nvGrpSpPr>
+        <p:cNvPr id="1" name=""/>
+        <p:cNvGrpSpPr/>
+        <p:nvPr/>
+      </p:nvGrpSpPr>
+      <p:grpSpPr>
+        <a:xfrm>
+          <a:off x="0" y="0"/>
+          <a:ext cx="0" cy="0"/>
+          <a:chOff x="0" y="0"/>
+          <a:chExt cx="0" cy="0"/>
+        </a:xfrm>
+      </p:grpSpPr>
+      <p:sp>
+        <p:nvSpPr>
+          <p:cNvPr id="2" name="Верхний колонтитул 1"/>
+          <p:cNvSpPr>
+            <a:spLocks noGrp="1"/>
+          </p:cNvSpPr>
+          <p:nvPr>
+            <p:ph type="hdr" sz="quarter"/>
+          </p:nvPr>
+        </p:nvSpPr>
+        <p:spPr>
+          <a:xfrm>
+            <a:off x="0" y="0"/>
+            <a:ext cx="2971800" cy="458788"/>
+          </a:xfrm>
+          <a:prstGeom prst="rect">
+            <a:avLst/>
+          </a:prstGeom>
+        </p:spPr>
+        <p:txBody>
+          <a:bodyPr vert="horz" lIns="91440" tIns="45720" rIns="91440" bIns="45720" rtlCol="0"/>
+          <a:lstStyle>
+            <a:lvl1pPr algn="l">
+              <a:defRPr sz="1200"/>
+            </a:lvl1pPr>
+          </a:lstStyle>
+          <a:p>
+            <a:endParaRPr lang="ru-RU"/>
+          </a:p>
+        </p:txBody>
+      </p:sp>
+      <p:sp>
+        <p:nvSpPr>
+          <p:cNvPr id="3" name="Дата 2"/>
+          <p:cNvSpPr>
+            <a:spLocks noGrp="1"/>
+          </p:cNvSpPr>
+          <p:nvPr>
+            <p:ph type="dt" idx="1"/>
+          </p:nvPr>
+        </p:nvSpPr>
+        <p:spPr>
+          <a:xfrm>
+            <a:off x="3884613" y="0"/>
+            <a:ext cx="2971800" cy="458788"/>
+          </a:xfrm>
+          <a:prstGeom prst="rect">
+            <a:avLst/>
+          </a:prstGeom>
+        </p:spPr>
+        <p:txBody>
+          <a:bodyPr vert="horz" lIns="91440" tIns="45720" rIns="91440" bIns="45720" rtlCol="0"/>
+          <a:lstStyle>
+            <a:lvl1pPr algn="r">
+              <a:defRPr sz="1200"/>
+            </a:lvl1pPr>
+          </a:lstStyle>
+          <a:p>
+            <a:fld id="{CEAC5680-7320-4B3D-B1C0-6DEFBB9A6859}" type="datetimeFigureOut">
+              <a:rPr lang="ru-RU" smtClean="0"/>
+              <a:t>23.04.2023</a:t>
+            </a:fld>
+            <a:endParaRPr lang="ru-RU"/>
+          </a:p>
+        </p:txBody>
+      </p:sp>
+      <p:sp>
+        <p:nvSpPr>
+          <p:cNvPr id="4" name="Образ слайда 3"/>
+          <p:cNvSpPr>
+            <a:spLocks noGrp="1" noRot="1" noChangeAspect="1"/>
+          </p:cNvSpPr>
+          <p:nvPr>
+            <p:ph type="sldImg" idx="2"/>
+          </p:nvPr>
+        </p:nvSpPr>
+        <p:spPr>
+          <a:xfrm>
+            <a:off x="685800" y="1143000"/>
+            <a:ext cx="5486400" cy="3086100"/>
+          </a:xfrm>
+          <a:prstGeom prst="rect">
+            <a:avLst/>
+          </a:prstGeom>
+          <a:noFill/>
+          <a:ln w="12700">
+            <a:solidFill>
+              <a:prstClr val="black"/>
+            </a:solidFill>
+          </a:ln>
+        </p:spPr>
+        <p:txBody>
+          <a:bodyPr vert="horz" lIns="91440" tIns="45720" rIns="91440" bIns="45720" rtlCol="0" anchor="ctr"/>
+          <a:lstStyle/>
+          <a:p>
+            <a:endParaRPr lang="ru-RU"/>
+          </a:p>
+        </p:txBody>
+      </p:sp>
+      <p:sp>
+        <p:nvSpPr>
+          <p:cNvPr id="5" name="Заметки 4"/>
+          <p:cNvSpPr>
+            <a:spLocks noGrp="1"/>
+          </p:cNvSpPr>
+          <p:nvPr>
+            <p:ph type="body" sz="quarter" idx="3"/>
+          </p:nvPr>
+        </p:nvSpPr>
+        <p:spPr>
+          <a:xfrm>
+            <a:off x="685800" y="4400550"/>
+            <a:ext cx="5486400" cy="3600450"/>
+          </a:xfrm>
+          <a:prstGeom prst="rect">
+            <a:avLst/>
+          </a:prstGeom>
+        </p:spPr>
+        <p:txBody>
+          <a:bodyPr vert="horz" lIns="91440" tIns="45720" rIns="91440" bIns="45720" rtlCol="0"/>
+          <a:lstStyle/>
+          <a:p>
+            <a:pPr lvl="0"/>
+            <a:r>
+              <a:rPr lang="ru-RU" smtClean="0"/>
+              <a:t>Образец текста</a:t>
+            </a:r>
+          </a:p>
+          <a:p>
+            <a:pPr lvl="1"/>
+            <a:r>
+              <a:rPr lang="ru-RU" smtClean="0"/>
+              <a:t>Второй уровень</a:t>
+            </a:r>
+          </a:p>
+          <a:p>
+            <a:pPr lvl="2"/>
+            <a:r>
+              <a:rPr lang="ru-RU" smtClean="0"/>
+              <a:t>Третий уровень</a:t>
+            </a:r>
+          </a:p>
+          <a:p>
+            <a:pPr lvl="3"/>
+            <a:r>
+              <a:rPr lang="ru-RU" smtClean="0"/>
+              <a:t>Четвертый уровень</a:t>
+            </a:r>
+          </a:p>
+          <a:p>
+            <a:pPr lvl="4"/>
+            <a:r>
+              <a:rPr lang="ru-RU" smtClean="0"/>
+              <a:t>Пятый уровень</a:t>
+            </a:r>
+            <a:endParaRPr lang="ru-RU"/>
+          </a:p>
+        </p:txBody>
+      </p:sp>
+      <p:sp>
+        <p:nvSpPr>
+          <p:cNvPr id="6" name="Нижний колонтитул 5"/>
+          <p:cNvSpPr>
+            <a:spLocks noGrp="1"/>
+          </p:cNvSpPr>
+          <p:nvPr>
+            <p:ph type="ftr" sz="quarter" idx="4"/>
+          </p:nvPr>
+        </p:nvSpPr>
+        <p:spPr>
+          <a:xfrm>
+            <a:off x="0" y="8685213"/>
+            <a:ext cx="2971800" cy="458787"/>
+          </a:xfrm>
+          <a:prstGeom prst="rect">
+            <a:avLst/>
+          </a:prstGeom>
+        </p:spPr>
+        <p:txBody>
+          <a:bodyPr vert="horz" lIns="91440" tIns="45720" rIns="91440" bIns="45720" rtlCol="0" anchor="b"/>
+          <a:lstStyle>
+            <a:lvl1pPr algn="l">
+              <a:defRPr sz="1200"/>
+            </a:lvl1pPr>
+          </a:lstStyle>
+          <a:p>
+            <a:endParaRPr lang="ru-RU"/>
+          </a:p>
+        </p:txBody>
+      </p:sp>
+      <p:sp>
+        <p:nvSpPr>
+          <p:cNvPr id="7" name="Номер слайда 6"/>
+          <p:cNvSpPr>
+            <a:spLocks noGrp="1"/>
+          </p:cNvSpPr>
+          <p:nvPr>
+            <p:ph type="sldNum" sz="quarter" idx="5"/>
+          </p:nvPr>
+        </p:nvSpPr>
+        <p:spPr>
+          <a:xfrm>
+            <a:off x="3884613" y="8685213"/>
+            <a:ext cx="2971800" cy="458787"/>
+          </a:xfrm>
+          <a:prstGeom prst="rect">
+            <a:avLst/>
+          </a:prstGeom>
+        </p:spPr>
+        <p:txBody>
+          <a:bodyPr vert="horz" lIns="91440" tIns="45720" rIns="91440" bIns="45720" rtlCol="0" anchor="b"/>
+          <a:lstStyle>
+            <a:lvl1pPr algn="r">
+              <a:defRPr sz="1200"/>
+            </a:lvl1pPr>
+          </a:lstStyle>
+          <a:p>
+            <a:fld id="{8C83D46D-38BD-4F2F-B092-E226AD21DEA7}" type="slidenum">
+              <a:rPr lang="ru-RU" smtClean="0"/>
+              <a:t>‹#›</a:t>
+            </a:fld>
+            <a:endParaRPr lang="ru-RU"/>
+          </a:p>
+        </p:txBody>
+      </p:sp>
+    </p:spTree>
+    <p:extLst>
+      <p:ext uri="{BB962C8B-B14F-4D97-AF65-F5344CB8AC3E}">
+        <p14:creationId xmlns:p14="http://schemas.microsoft.com/office/powerpoint/2010/main" val="3521427464"/>
+      </p:ext>
+    </p:extLst>
+  </p:cSld>
+  <p:clrMap bg1="lt1" tx1="dk1" bg2="lt2" tx2="dk2" accent1="accent1" accent2="accent2" accent3="accent3" accent4="accent4" accent5="accent5" accent6="accent6" hlink="hlink" folHlink="folHlink"/>
+  <p:notesStyle>
+    <a:lvl1pPr marL="0" algn="l" defTabSz="914400" rtl="0" eaLnBrk="1" latinLnBrk="0" hangingPunct="1">
+      <a:defRPr sz="1200" kern="1200">
+        <a:solidFill>
+          <a:schemeClr val="tx1"/>
+        </a:solidFill>
+        <a:latin typeface="+mn-lt"/>
+        <a:ea typeface="+mn-ea"/>
+        <a:cs typeface="+mn-cs"/>
+      </a:defRPr>
+    </a:lvl1pPr>
+    <a:lvl2pPr marL="457200" algn="l" defTabSz="914400" rtl="0" eaLnBrk="1" latinLnBrk="0" hangingPunct="1">
+      <a:defRPr sz="1200" kern="1200">
+        <a:solidFill>
+          <a:schemeClr val="tx1"/>
+        </a:solidFill>
+        <a:latin typeface="+mn-lt"/>
+        <a:ea typeface="+mn-ea"/>
+        <a:cs typeface="+mn-cs"/>
+      </a:defRPr>
+    </a:lvl2pPr>
+    <a:lvl3pPr marL="914400" algn="l" defTabSz="914400" rtl="0" eaLnBrk="1" latinLnBrk="0" hangingPunct="1">
+      <a:defRPr sz="1200" kern="1200">
+        <a:solidFill>
+          <a:schemeClr val="tx1"/>
+        </a:solidFill>
+        <a:latin typeface="+mn-lt"/>
+        <a:ea typeface="+mn-ea"/>
+        <a:cs typeface="+mn-cs"/>
+      </a:defRPr>
+    </a:lvl3pPr>
+    <a:lvl4pPr marL="1371600" algn="l" defTabSz="914400" rtl="0" eaLnBrk="1" latinLnBrk="0" hangingPunct="1">
+      <a:defRPr sz="1200" kern="1200">
+        <a:solidFill>
+          <a:schemeClr val="tx1"/>
+        </a:solidFill>
+        <a:latin typeface="+mn-lt"/>
+        <a:ea typeface="+mn-ea"/>
+        <a:cs typeface="+mn-cs"/>
+      </a:defRPr>
+    </a:lvl4pPr>
+    <a:lvl5pPr marL="1828800" algn="l" defTabSz="914400" rtl="0" eaLnBrk="1" latinLnBrk="0" hangingPunct="1">
+      <a:defRPr sz="1200" kern="1200">
+        <a:solidFill>
+          <a:schemeClr val="tx1"/>
+        </a:solidFill>
+        <a:latin typeface="+mn-lt"/>
+        <a:ea typeface="+mn-ea"/>
+        <a:cs typeface="+mn-cs"/>
+      </a:defRPr>
+    </a:lvl5pPr>
+    <a:lvl6pPr marL="2286000" algn="l" defTabSz="914400" rtl="0" eaLnBrk="1" latinLnBrk="0" hangingPunct="1">
+      <a:defRPr sz="1200" kern="1200">
+        <a:solidFill>
+          <a:schemeClr val="tx1"/>
+        </a:solidFill>
+        <a:latin typeface="+mn-lt"/>
+        <a:ea typeface="+mn-ea"/>
+        <a:cs typeface="+mn-cs"/>
+      </a:defRPr>
+    </a:lvl6pPr>
+    <a:lvl7pPr marL="2743200" algn="l" defTabSz="914400" rtl="0" eaLnBrk="1" latinLnBrk="0" hangingPunct="1">
+      <a:defRPr sz="1200" kern="1200">
+        <a:solidFill>
+          <a:schemeClr val="tx1"/>
+        </a:solidFill>
+        <a:latin typeface="+mn-lt"/>
+        <a:ea typeface="+mn-ea"/>
+        <a:cs typeface="+mn-cs"/>
+      </a:defRPr>
+    </a:lvl7pPr>
+    <a:lvl8pPr marL="3200400" algn="l" defTabSz="914400" rtl="0" eaLnBrk="1" latinLnBrk="0" hangingPunct="1">
+      <a:defRPr sz="1200" kern="1200">
+        <a:solidFill>
+          <a:schemeClr val="tx1"/>
+        </a:solidFill>
+        <a:latin typeface="+mn-lt"/>
+        <a:ea typeface="+mn-ea"/>
+        <a:cs typeface="+mn-cs"/>
+      </a:defRPr>
+    </a:lvl8pPr>
+    <a:lvl9pPr marL="3657600" algn="l" defTabSz="914400" rtl="0" eaLnBrk="1" latinLnBrk="0" hangingPunct="1">
+      <a:defRPr sz="1200" kern="1200">
+        <a:solidFill>
+          <a:schemeClr val="tx1"/>
+        </a:solidFill>
+        <a:latin typeface="+mn-lt"/>
+        <a:ea typeface="+mn-ea"/>
+        <a:cs typeface="+mn-cs"/>
+      </a:defRPr>
+    </a:lvl9pPr>
+  </p:notesStyle>
+</p:notesMaster>
+</file>
+
 <file path=ppt/slideLayouts/slideLayout1.xml><?xml version="1.0" encoding="utf-8"?>
 <p:sldLayout xmlns:a="http://schemas.openxmlformats.org/drawingml/2006/main" xmlns:r="http://schemas.openxmlformats.org/officeDocument/2006/relationships" xmlns:p="http://schemas.openxmlformats.org/presentationml/2006/main" type="title" preserve="1">
   <p:cSld name="Титульный слайд">
@@ -251,9 +621,9 @@
           <a:bodyPr/>
           <a:lstStyle/>
           <a:p>
-            <a:fld id="{85194B20-D3E0-4F77-BB2A-5D6FB0574FD7}" type="datetimeFigureOut">
-              <a:rPr lang="ru-RU" smtClean="0"/>
-              <a:t>17.11.2022</a:t>
+            <a:fld id="{4187294C-119F-40EA-87AB-CF7D278963B6}" type="datetime1">
+              <a:rPr lang="ru-RU" smtClean="0"/>
+              <a:t>23.04.2023</a:t>
             </a:fld>
             <a:endParaRPr lang="ru-RU"/>
           </a:p>
@@ -421,9 +791,9 @@
           <a:bodyPr/>
           <a:lstStyle/>
           <a:p>
-            <a:fld id="{85194B20-D3E0-4F77-BB2A-5D6FB0574FD7}" type="datetimeFigureOut">
-              <a:rPr lang="ru-RU" smtClean="0"/>
-              <a:t>17.11.2022</a:t>
+            <a:fld id="{5736076A-7FD0-46B1-BE23-50B13CFE9A92}" type="datetime1">
+              <a:rPr lang="ru-RU" smtClean="0"/>
+              <a:t>23.04.2023</a:t>
             </a:fld>
             <a:endParaRPr lang="ru-RU"/>
           </a:p>
@@ -601,9 +971,9 @@
           <a:bodyPr/>
           <a:lstStyle/>
           <a:p>
-            <a:fld id="{85194B20-D3E0-4F77-BB2A-5D6FB0574FD7}" type="datetimeFigureOut">
-              <a:rPr lang="ru-RU" smtClean="0"/>
-              <a:t>17.11.2022</a:t>
+            <a:fld id="{C90C7343-44F7-47C0-BD4C-17809CEE27CB}" type="datetime1">
+              <a:rPr lang="ru-RU" smtClean="0"/>
+              <a:t>23.04.2023</a:t>
             </a:fld>
             <a:endParaRPr lang="ru-RU"/>
           </a:p>
@@ -771,9 +1141,9 @@
           <a:bodyPr/>
           <a:lstStyle/>
           <a:p>
-            <a:fld id="{85194B20-D3E0-4F77-BB2A-5D6FB0574FD7}" type="datetimeFigureOut">
-              <a:rPr lang="ru-RU" smtClean="0"/>
-              <a:t>17.11.2022</a:t>
+            <a:fld id="{7A005B3C-28E3-4751-871F-56916BA3A27C}" type="datetime1">
+              <a:rPr lang="ru-RU" smtClean="0"/>
+              <a:t>23.04.2023</a:t>
             </a:fld>
             <a:endParaRPr lang="ru-RU"/>
           </a:p>
@@ -811,13 +1181,22 @@
         <p:spPr/>
         <p:txBody>
           <a:bodyPr/>
-          <a:lstStyle/>
+          <a:lstStyle>
+            <a:lvl1pPr>
+              <a:defRPr sz="2400" b="1">
+                <a:solidFill>
+                  <a:schemeClr val="tx1"/>
+                </a:solidFill>
+              </a:defRPr>
+            </a:lvl1pPr>
+          </a:lstStyle>
           <a:p>
             <a:fld id="{93065021-1A6F-4820-BE00-705D3CC282AC}" type="slidenum">
               <a:rPr lang="ru-RU" smtClean="0"/>
+              <a:pPr/>
               <a:t>‹#›</a:t>
             </a:fld>
-            <a:endParaRPr lang="ru-RU"/>
+            <a:endParaRPr lang="ru-RU" dirty="0"/>
           </a:p>
         </p:txBody>
       </p:sp>
@@ -1017,9 +1396,9 @@
           <a:bodyPr/>
           <a:lstStyle/>
           <a:p>
-            <a:fld id="{85194B20-D3E0-4F77-BB2A-5D6FB0574FD7}" type="datetimeFigureOut">
-              <a:rPr lang="ru-RU" smtClean="0"/>
-              <a:t>17.11.2022</a:t>
+            <a:fld id="{C808CC3A-C4A0-4835-9611-BAFF56435227}" type="datetime1">
+              <a:rPr lang="ru-RU" smtClean="0"/>
+              <a:t>23.04.2023</a:t>
             </a:fld>
             <a:endParaRPr lang="ru-RU"/>
           </a:p>
@@ -1249,9 +1628,9 @@
           <a:bodyPr/>
           <a:lstStyle/>
           <a:p>
-            <a:fld id="{85194B20-D3E0-4F77-BB2A-5D6FB0574FD7}" type="datetimeFigureOut">
-              <a:rPr lang="ru-RU" smtClean="0"/>
-              <a:t>17.11.2022</a:t>
+            <a:fld id="{B99FB704-E113-4660-8198-0E058E744E1F}" type="datetime1">
+              <a:rPr lang="ru-RU" smtClean="0"/>
+              <a:t>23.04.2023</a:t>
             </a:fld>
             <a:endParaRPr lang="ru-RU"/>
           </a:p>
@@ -1616,9 +1995,9 @@
           <a:bodyPr/>
           <a:lstStyle/>
           <a:p>
-            <a:fld id="{85194B20-D3E0-4F77-BB2A-5D6FB0574FD7}" type="datetimeFigureOut">
-              <a:rPr lang="ru-RU" smtClean="0"/>
-              <a:t>17.11.2022</a:t>
+            <a:fld id="{184A109E-5BDA-4AC3-8874-63468167F22C}" type="datetime1">
+              <a:rPr lang="ru-RU" smtClean="0"/>
+              <a:t>23.04.2023</a:t>
             </a:fld>
             <a:endParaRPr lang="ru-RU"/>
           </a:p>
@@ -1734,9 +2113,9 @@
           <a:bodyPr/>
           <a:lstStyle/>
           <a:p>
-            <a:fld id="{85194B20-D3E0-4F77-BB2A-5D6FB0574FD7}" type="datetimeFigureOut">
-              <a:rPr lang="ru-RU" smtClean="0"/>
-              <a:t>17.11.2022</a:t>
+            <a:fld id="{8FCE83F7-6AEF-48D2-B114-90C401A9A52C}" type="datetime1">
+              <a:rPr lang="ru-RU" smtClean="0"/>
+              <a:t>23.04.2023</a:t>
             </a:fld>
             <a:endParaRPr lang="ru-RU"/>
           </a:p>
@@ -1829,9 +2208,9 @@
           <a:bodyPr/>
           <a:lstStyle/>
           <a:p>
-            <a:fld id="{85194B20-D3E0-4F77-BB2A-5D6FB0574FD7}" type="datetimeFigureOut">
-              <a:rPr lang="ru-RU" smtClean="0"/>
-              <a:t>17.11.2022</a:t>
+            <a:fld id="{55F5C23D-1A0F-4F43-830D-4B5B7A9D74AD}" type="datetime1">
+              <a:rPr lang="ru-RU" smtClean="0"/>
+              <a:t>23.04.2023</a:t>
             </a:fld>
             <a:endParaRPr lang="ru-RU"/>
           </a:p>
@@ -2106,9 +2485,9 @@
           <a:bodyPr/>
           <a:lstStyle/>
           <a:p>
-            <a:fld id="{85194B20-D3E0-4F77-BB2A-5D6FB0574FD7}" type="datetimeFigureOut">
-              <a:rPr lang="ru-RU" smtClean="0"/>
-              <a:t>17.11.2022</a:t>
+            <a:fld id="{17A2395C-58BA-4658-9CCB-F577F922B238}" type="datetime1">
+              <a:rPr lang="ru-RU" smtClean="0"/>
+              <a:t>23.04.2023</a:t>
             </a:fld>
             <a:endParaRPr lang="ru-RU"/>
           </a:p>
@@ -2359,9 +2738,9 @@
           <a:bodyPr/>
           <a:lstStyle/>
           <a:p>
-            <a:fld id="{85194B20-D3E0-4F77-BB2A-5D6FB0574FD7}" type="datetimeFigureOut">
-              <a:rPr lang="ru-RU" smtClean="0"/>
-              <a:t>17.11.2022</a:t>
+            <a:fld id="{79B66F76-1F3F-47C3-9848-B2F10FB919EE}" type="datetime1">
+              <a:rPr lang="ru-RU" smtClean="0"/>
+              <a:t>23.04.2023</a:t>
             </a:fld>
             <a:endParaRPr lang="ru-RU"/>
           </a:p>
@@ -2572,9 +2951,9 @@
             </a:lvl1pPr>
           </a:lstStyle>
           <a:p>
-            <a:fld id="{85194B20-D3E0-4F77-BB2A-5D6FB0574FD7}" type="datetimeFigureOut">
-              <a:rPr lang="ru-RU" smtClean="0"/>
-              <a:t>17.11.2022</a:t>
+            <a:fld id="{7EF6DAE7-0096-41FE-9D33-A3F653591F58}" type="datetime1">
+              <a:rPr lang="ru-RU" smtClean="0"/>
+              <a:t>23.04.2023</a:t>
             </a:fld>
             <a:endParaRPr lang="ru-RU"/>
           </a:p>
@@ -2640,11 +3019,9 @@
           <a:bodyPr vert="horz" lIns="91440" tIns="45720" rIns="91440" bIns="45720" rtlCol="0" anchor="ctr"/>
           <a:lstStyle>
             <a:lvl1pPr algn="r">
-              <a:defRPr sz="1200">
+              <a:defRPr sz="2800" b="1">
                 <a:solidFill>
-                  <a:schemeClr val="tx1">
-                    <a:tint val="75000"/>
-                  </a:schemeClr>
+                  <a:schemeClr val="tx1"/>
                 </a:solidFill>
               </a:defRPr>
             </a:lvl1pPr>
@@ -2652,9 +3029,10 @@
           <a:p>
             <a:fld id="{93065021-1A6F-4820-BE00-705D3CC282AC}" type="slidenum">
               <a:rPr lang="ru-RU" smtClean="0"/>
+              <a:pPr/>
               <a:t>‹#›</a:t>
             </a:fld>
-            <a:endParaRPr lang="ru-RU"/>
+            <a:endParaRPr lang="ru-RU" dirty="0"/>
           </a:p>
         </p:txBody>
       </p:sp>
@@ -2679,6 +3057,7 @@
     <p:sldLayoutId id="2147483658" r:id="rId10"/>
     <p:sldLayoutId id="2147483659" r:id="rId11"/>
   </p:sldLayoutIdLst>
+  <p:hf hdr="0" ftr="0" dt="0"/>
   <p:txStyles>
     <p:titleStyle>
       <a:lvl1pPr algn="l" defTabSz="914400" rtl="0" eaLnBrk="1" latinLnBrk="0" hangingPunct="1">
@@ -2991,21 +3370,79 @@
         </p:nvSpPr>
         <p:spPr>
           <a:xfrm>
-            <a:off x="1524000" y="808854"/>
-            <a:ext cx="9144000" cy="3797980"/>
+            <a:off x="1713470" y="2907956"/>
+            <a:ext cx="8954530" cy="1698877"/>
           </a:xfrm>
         </p:spPr>
         <p:txBody>
           <a:bodyPr>
-            <a:normAutofit/>
+            <a:noAutofit/>
           </a:bodyPr>
           <a:lstStyle/>
           <a:p>
             <a:r>
-              <a:rPr lang="ru-RU" sz="4800" dirty="0" smtClean="0"/>
+              <a:rPr lang="ru-RU" sz="1800" dirty="0"/>
+              <a:t>Московский государственный университет имени М.В. Ломоносова</a:t>
+            </a:r>
+            <a:br>
+              <a:rPr lang="ru-RU" sz="1800" dirty="0"/>
+            </a:br>
+            <a:r>
+              <a:rPr lang="ru-RU" sz="1800" dirty="0"/>
+              <a:t>Факультет Вычислительной математики и </a:t>
+            </a:r>
+            <a:r>
+              <a:rPr lang="ru-RU" sz="1800" dirty="0" smtClean="0"/>
+              <a:t>кибернетики</a:t>
+            </a:r>
+            <a:r>
+              <a:rPr lang="en-US" sz="1800" dirty="0" smtClean="0"/>
+              <a:t/>
+            </a:r>
+            <a:br>
+              <a:rPr lang="en-US" sz="1800" dirty="0" smtClean="0"/>
+            </a:br>
+            <a:r>
+              <a:rPr lang="ru-RU" sz="1800" dirty="0" smtClean="0"/>
+              <a:t>Кафедра Суперкомпьютеров и Квантовой Информатики</a:t>
+            </a:r>
+            <a:r>
+              <a:rPr lang="ru-RU" sz="2400" dirty="0"/>
+              <a:t/>
+            </a:r>
+            <a:br>
+              <a:rPr lang="ru-RU" sz="2400" dirty="0"/>
+            </a:br>
+            <a:r>
+              <a:rPr lang="en-US" sz="2400" dirty="0" smtClean="0"/>
+              <a:t/>
+            </a:r>
+            <a:br>
+              <a:rPr lang="en-US" sz="2400" dirty="0" smtClean="0"/>
+            </a:br>
+            <a:r>
+              <a:rPr lang="ru-RU" sz="2400" dirty="0"/>
+              <a:t>ВЫПУСКНАЯ  КВАЛИФИКАЦИОННАЯ  РАБОТА</a:t>
+            </a:r>
+            <a:r>
+              <a:rPr lang="en-US" sz="2400" dirty="0" smtClean="0"/>
+              <a:t/>
+            </a:r>
+            <a:br>
+              <a:rPr lang="en-US" sz="2400" dirty="0" smtClean="0"/>
+            </a:br>
+            <a:r>
+              <a:rPr lang="en-US" sz="2400" dirty="0" smtClean="0"/>
+              <a:t/>
+            </a:r>
+            <a:br>
+              <a:rPr lang="en-US" sz="2400" dirty="0" smtClean="0"/>
+            </a:br>
+            <a:r>
+              <a:rPr lang="ru-RU" sz="2400" b="1" dirty="0" smtClean="0"/>
               <a:t>Исследование эффективности применения методов машинного обучения для предсказания времени выполнения задач в суперкомпьютерных системах</a:t>
             </a:r>
-            <a:endParaRPr lang="ru-RU" sz="4800" dirty="0"/>
+            <a:endParaRPr lang="ru-RU" sz="2400" b="1" dirty="0"/>
           </a:p>
         </p:txBody>
       </p:sp>
@@ -3021,125 +3458,184 @@
         </p:nvSpPr>
         <p:spPr>
           <a:xfrm>
-            <a:off x="1524000" y="4920343"/>
-            <a:ext cx="9144000" cy="1655762"/>
+            <a:off x="1524000" y="4695568"/>
+            <a:ext cx="9144000" cy="1880537"/>
           </a:xfrm>
         </p:spPr>
         <p:txBody>
           <a:bodyPr>
-            <a:normAutofit lnSpcReduction="10000"/>
+            <a:normAutofit fontScale="85000" lnSpcReduction="20000"/>
           </a:bodyPr>
           <a:lstStyle/>
           <a:p>
             <a:pPr algn="r"/>
             <a:r>
-              <a:rPr lang="en-US" dirty="0" err="1"/>
-              <a:t>Доклад</a:t>
-            </a:r>
-            <a:r>
-              <a:rPr lang="en-US" dirty="0"/>
+              <a:rPr lang="ru-RU" sz="2000" b="1" dirty="0" smtClean="0"/>
+              <a:t>Выполнил:</a:t>
+            </a:r>
+          </a:p>
+          <a:p>
+            <a:pPr algn="r"/>
+            <a:r>
+              <a:rPr lang="en-US" sz="2000" dirty="0" err="1" smtClean="0"/>
+              <a:t>студент</a:t>
+            </a:r>
+            <a:r>
+              <a:rPr lang="en-US" sz="2000" dirty="0" smtClean="0"/>
               <a:t> </a:t>
             </a:r>
             <a:r>
-              <a:rPr lang="en-US" dirty="0" err="1"/>
-              <a:t>подготовил</a:t>
-            </a:r>
-            <a:r>
-              <a:rPr lang="en-US" dirty="0"/>
-              <a:t> </a:t>
-            </a:r>
-            <a:r>
-              <a:rPr lang="en-US" dirty="0" err="1"/>
-              <a:t>студент</a:t>
-            </a:r>
-            <a:r>
-              <a:rPr lang="en-US" dirty="0"/>
-              <a:t> </a:t>
-            </a:r>
-            <a:r>
-              <a:rPr lang="ru-RU" dirty="0" smtClean="0"/>
+              <a:rPr lang="ru-RU" sz="2000" dirty="0" smtClean="0"/>
               <a:t>4</a:t>
             </a:r>
             <a:r>
-              <a:rPr lang="en-US" dirty="0" smtClean="0"/>
+              <a:rPr lang="en-US" sz="2000" dirty="0" smtClean="0"/>
               <a:t>23 </a:t>
             </a:r>
             <a:r>
-              <a:rPr lang="en-US" dirty="0" err="1"/>
+              <a:rPr lang="en-US" sz="2000" dirty="0" err="1" smtClean="0"/>
               <a:t>гр</a:t>
             </a:r>
             <a:r>
-              <a:rPr lang="en-US" dirty="0"/>
-              <a:t>. ВМК МГУ</a:t>
-            </a:r>
-            <a:endParaRPr lang="ru-RU" dirty="0" smtClean="0">
+              <a:rPr lang="ru-RU" sz="2000" dirty="0" err="1" smtClean="0"/>
+              <a:t>уппы</a:t>
+            </a:r>
+            <a:endParaRPr lang="ru-RU" sz="2000" dirty="0" smtClean="0">
               <a:cs typeface="Calibri" panose="020F0502020204030204"/>
             </a:endParaRPr>
           </a:p>
           <a:p>
             <a:pPr algn="r"/>
             <a:r>
-              <a:rPr lang="en-US" dirty="0"/>
+              <a:rPr lang="en-US" sz="2000" dirty="0"/>
               <a:t>Мещеряков Алексей </a:t>
             </a:r>
             <a:r>
-              <a:rPr lang="en-US" dirty="0" err="1"/>
+              <a:rPr lang="en-US" sz="2000" dirty="0" err="1"/>
               <a:t>Олегович</a:t>
             </a:r>
-            <a:endParaRPr lang="en-US" dirty="0">
+            <a:endParaRPr lang="en-US" sz="2000" dirty="0">
               <a:cs typeface="Calibri" panose="020F0502020204030204"/>
             </a:endParaRPr>
           </a:p>
           <a:p>
             <a:pPr algn="r"/>
             <a:r>
-              <a:rPr lang="en-US" dirty="0" err="1"/>
+              <a:rPr lang="en-US" sz="2000" b="1" dirty="0" err="1"/>
               <a:t>Научный</a:t>
             </a:r>
             <a:r>
-              <a:rPr lang="en-US" dirty="0"/>
+              <a:rPr lang="en-US" sz="2000" b="1" dirty="0"/>
               <a:t> </a:t>
             </a:r>
             <a:r>
-              <a:rPr lang="en-US" dirty="0" err="1"/>
+              <a:rPr lang="en-US" sz="2000" b="1" dirty="0" err="1" smtClean="0"/>
               <a:t>руководитель</a:t>
             </a:r>
-            <a:endParaRPr lang="en-US" dirty="0">
+            <a:r>
+              <a:rPr lang="ru-RU" sz="2000" b="1" dirty="0"/>
+              <a:t>:</a:t>
+            </a:r>
+            <a:endParaRPr lang="en-US" sz="2000" b="1" dirty="0">
               <a:cs typeface="Calibri" panose="020F0502020204030204"/>
             </a:endParaRPr>
           </a:p>
           <a:p>
             <a:pPr algn="r"/>
             <a:r>
-              <a:rPr lang="en-US" dirty="0"/>
+              <a:rPr lang="en-US" sz="2000" dirty="0"/>
               <a:t>к. ф.-м. н. </a:t>
             </a:r>
-            <a:r>
-              <a:rPr lang="en-US" dirty="0" err="1"/>
+            <a:endParaRPr lang="ru-RU" sz="2000" dirty="0" smtClean="0"/>
+          </a:p>
+          <a:p>
+            <a:pPr algn="r"/>
+            <a:r>
+              <a:rPr lang="en-US" sz="2000" dirty="0" err="1" smtClean="0"/>
               <a:t>Буряк</a:t>
             </a:r>
             <a:r>
-              <a:rPr lang="en-US" dirty="0"/>
+              <a:rPr lang="en-US" sz="2000" dirty="0" smtClean="0"/>
               <a:t> </a:t>
             </a:r>
             <a:r>
-              <a:rPr lang="en-US" dirty="0" err="1"/>
+              <a:rPr lang="en-US" sz="2000" dirty="0" err="1"/>
               <a:t>Дмитрий</a:t>
             </a:r>
             <a:r>
-              <a:rPr lang="en-US" dirty="0"/>
+              <a:rPr lang="en-US" sz="2000" dirty="0"/>
               <a:t> </a:t>
             </a:r>
             <a:r>
-              <a:rPr lang="en-US" dirty="0" err="1"/>
+              <a:rPr lang="en-US" sz="2000" dirty="0" err="1"/>
               <a:t>Юрьевич</a:t>
             </a:r>
-            <a:endParaRPr lang="en-US" dirty="0">
+            <a:endParaRPr lang="en-US" sz="2000" dirty="0">
               <a:cs typeface="Calibri" panose="020F0502020204030204"/>
             </a:endParaRPr>
           </a:p>
           <a:p>
             <a:pPr algn="r"/>
+            <a:endParaRPr lang="ru-RU" dirty="0"/>
+          </a:p>
+        </p:txBody>
+      </p:sp>
+      <p:pic>
+        <p:nvPicPr>
+          <p:cNvPr id="9" name="Picture" descr="A description..."/>
+          <p:cNvPicPr/>
+          <p:nvPr/>
+        </p:nvPicPr>
+        <p:blipFill>
+          <a:blip r:embed="rId2"/>
+          <a:srcRect/>
+          <a:stretch>
+            <a:fillRect/>
+          </a:stretch>
+        </p:blipFill>
+        <p:spPr bwMode="auto">
+          <a:xfrm>
+            <a:off x="5026059" y="529710"/>
+            <a:ext cx="2151992" cy="1159046"/>
+          </a:xfrm>
+          <a:prstGeom prst="rect">
+            <a:avLst/>
+          </a:prstGeom>
+          <a:noFill/>
+          <a:ln w="9525">
+            <a:noFill/>
+            <a:miter lim="800000"/>
+            <a:headEnd/>
+            <a:tailEnd/>
+          </a:ln>
+        </p:spPr>
+      </p:pic>
+      <p:sp>
+        <p:nvSpPr>
+          <p:cNvPr id="10" name="TextBox 9"/>
+          <p:cNvSpPr txBox="1"/>
+          <p:nvPr/>
+        </p:nvSpPr>
+        <p:spPr>
+          <a:xfrm>
+            <a:off x="5341627" y="6523930"/>
+            <a:ext cx="1508746" cy="369332"/>
+          </a:xfrm>
+          <a:prstGeom prst="rect">
+            <a:avLst/>
+          </a:prstGeom>
+          <a:noFill/>
+        </p:spPr>
+        <p:txBody>
+          <a:bodyPr wrap="none" rtlCol="0">
+            <a:spAutoFit/>
+          </a:bodyPr>
+          <a:lstStyle/>
+          <a:p>
+            <a:r>
+              <a:rPr lang="ru-RU" dirty="0" smtClean="0"/>
+              <a:t>Москва, 2023</a:t>
+            </a:r>
             <a:endParaRPr lang="ru-RU" dirty="0"/>
           </a:p>
         </p:txBody>
@@ -3198,7 +3694,7 @@
           <a:p>
             <a:r>
               <a:rPr lang="ru-RU" dirty="0" smtClean="0"/>
-              <a:t>Используемые данные</a:t>
+              <a:t>Метод прогнозирования на основе экземпляров</a:t>
             </a:r>
             <a:endParaRPr lang="ru-RU" dirty="0"/>
           </a:p>
@@ -3206,7 +3702,30 @@
       </p:sp>
       <p:sp>
         <p:nvSpPr>
-          <p:cNvPr id="3" name="Объект 2"/>
+          <p:cNvPr id="5" name="Номер слайда 4"/>
+          <p:cNvSpPr>
+            <a:spLocks noGrp="1"/>
+          </p:cNvSpPr>
+          <p:nvPr>
+            <p:ph type="sldNum" sz="quarter" idx="12"/>
+          </p:nvPr>
+        </p:nvSpPr>
+        <p:spPr/>
+        <p:txBody>
+          <a:bodyPr/>
+          <a:lstStyle/>
+          <a:p>
+            <a:fld id="{93065021-1A6F-4820-BE00-705D3CC282AC}" type="slidenum">
+              <a:rPr lang="ru-RU" smtClean="0"/>
+              <a:t>10</a:t>
+            </a:fld>
+            <a:endParaRPr lang="ru-RU"/>
+          </a:p>
+        </p:txBody>
+      </p:sp>
+      <p:sp>
+        <p:nvSpPr>
+          <p:cNvPr id="7" name="Объект 6"/>
           <p:cNvSpPr>
             <a:spLocks noGrp="1"/>
           </p:cNvSpPr>
@@ -3216,94 +3735,55 @@
         </p:nvSpPr>
         <p:spPr>
           <a:xfrm>
-            <a:off x="690880" y="1503408"/>
-            <a:ext cx="11125200" cy="2744270"/>
+            <a:off x="838200" y="1825625"/>
+            <a:ext cx="4672914" cy="4351338"/>
           </a:xfrm>
         </p:spPr>
         <p:txBody>
-          <a:bodyPr>
-            <a:normAutofit fontScale="40000" lnSpcReduction="20000"/>
-          </a:bodyPr>
-          <a:lstStyle/>
-          <a:p>
-            <a:pPr marL="0" indent="0">
-              <a:buNone/>
-            </a:pPr>
-            <a:r>
-              <a:rPr lang="ru-RU" sz="4300" dirty="0"/>
-              <a:t>Статистка запуска задач собирает следующую важную для предсказания информацию:</a:t>
-            </a:r>
-          </a:p>
-          <a:p>
-            <a:pPr lvl="0"/>
-            <a:r>
-              <a:rPr lang="ru-RU" sz="4300" dirty="0"/>
-              <a:t>Время постановки в очередь</a:t>
-            </a:r>
-          </a:p>
-          <a:p>
-            <a:pPr lvl="0"/>
-            <a:r>
-              <a:rPr lang="en-US" sz="4300" dirty="0"/>
-              <a:t>id </a:t>
-            </a:r>
-            <a:r>
-              <a:rPr lang="ru-RU" sz="4300" dirty="0"/>
-              <a:t>пользователя, его группы пользователей, его организации</a:t>
-            </a:r>
-          </a:p>
-          <a:p>
-            <a:pPr lvl="0"/>
-            <a:r>
-              <a:rPr lang="ru-RU" sz="4300" dirty="0"/>
-              <a:t>название задачи</a:t>
-            </a:r>
-          </a:p>
-          <a:p>
-            <a:pPr lvl="0"/>
-            <a:r>
-              <a:rPr lang="ru-RU" sz="4300" dirty="0"/>
-              <a:t>количество запрошенных процессов</a:t>
-            </a:r>
-          </a:p>
-          <a:p>
-            <a:pPr lvl="0"/>
-            <a:r>
-              <a:rPr lang="ru-RU" sz="4300" dirty="0"/>
-              <a:t>количество запрошенного времени</a:t>
-            </a:r>
-          </a:p>
-          <a:p>
-            <a:pPr lvl="0"/>
-            <a:r>
-              <a:rPr lang="ru-RU" sz="4300" dirty="0"/>
-              <a:t>фактическая длительность с момента запуска задачи на </a:t>
-            </a:r>
-            <a:r>
-              <a:rPr lang="ru-RU" sz="4300" dirty="0" smtClean="0"/>
-              <a:t>выполнение</a:t>
-            </a:r>
-          </a:p>
-          <a:p>
-            <a:pPr marL="0" lvl="0" indent="0">
-              <a:buNone/>
-            </a:pPr>
-            <a:r>
-              <a:rPr lang="ru-RU" sz="4300" dirty="0" smtClean="0"/>
-              <a:t>После внесения изменений в систему, она так же собирает информацию об аргументах командной строки задачи</a:t>
-            </a:r>
-          </a:p>
-          <a:p>
-            <a:pPr marL="0" lvl="0" indent="0">
-              <a:buNone/>
-            </a:pPr>
+          <a:bodyPr/>
+          <a:lstStyle/>
+          <a:p>
+            <a:r>
+              <a:rPr lang="ru-RU" dirty="0" smtClean="0"/>
+              <a:t>Поиск k наиболее похожих </a:t>
+            </a:r>
+            <a:r>
+              <a:rPr lang="ru-RU" dirty="0"/>
+              <a:t>на новое</a:t>
+            </a:r>
+            <a:r>
+              <a:rPr lang="ru-RU" dirty="0" smtClean="0"/>
+              <a:t> заданий </a:t>
+            </a:r>
+            <a:r>
+              <a:rPr lang="ru-RU" dirty="0"/>
+              <a:t>в сохраненной истории </a:t>
+            </a:r>
+            <a:r>
+              <a:rPr lang="ru-RU" dirty="0" smtClean="0"/>
+              <a:t>запусков</a:t>
+            </a:r>
+          </a:p>
+          <a:p>
+            <a:r>
+              <a:rPr lang="ru-RU" dirty="0" smtClean="0"/>
+              <a:t> Оценка времени </a:t>
+            </a:r>
+            <a:r>
+              <a:rPr lang="ru-RU" dirty="0"/>
+              <a:t>выполнения </a:t>
+            </a:r>
+            <a:r>
+              <a:rPr lang="ru-RU" dirty="0" smtClean="0"/>
+              <a:t>на основе их времен</a:t>
+            </a:r>
             <a:endParaRPr lang="ru-RU" dirty="0"/>
           </a:p>
         </p:txBody>
       </p:sp>
       <p:pic>
         <p:nvPicPr>
-          <p:cNvPr id="4" name="Рисунок 3"/>
+          <p:cNvPr id="8" name="Рисунок 7"/>
           <p:cNvPicPr>
             <a:picLocks noChangeAspect="1"/>
           </p:cNvPicPr>
@@ -3317,104 +3797,18 @@
         </p:blipFill>
         <p:spPr>
           <a:xfrm>
-            <a:off x="4513218" y="4022563"/>
-            <a:ext cx="7678782" cy="2726795"/>
+            <a:off x="6096000" y="1250422"/>
+            <a:ext cx="5526405" cy="4926541"/>
           </a:xfrm>
           <a:prstGeom prst="rect">
             <a:avLst/>
           </a:prstGeom>
         </p:spPr>
       </p:pic>
-      <p:sp>
-        <p:nvSpPr>
-          <p:cNvPr id="5" name="TextBox 4"/>
-          <p:cNvSpPr txBox="1"/>
-          <p:nvPr/>
-        </p:nvSpPr>
-        <p:spPr>
-          <a:xfrm>
-            <a:off x="217332" y="4637831"/>
-            <a:ext cx="4439920" cy="2031325"/>
-          </a:xfrm>
-          <a:prstGeom prst="rect">
-            <a:avLst/>
-          </a:prstGeom>
-          <a:noFill/>
-        </p:spPr>
-        <p:txBody>
-          <a:bodyPr wrap="square" rtlCol="0">
-            <a:spAutoFit/>
-          </a:bodyPr>
-          <a:lstStyle/>
-          <a:p>
-            <a:r>
-              <a:rPr lang="ru-RU" dirty="0" smtClean="0"/>
-              <a:t>Корреляция признаков статистики за 2021 год:</a:t>
-            </a:r>
-          </a:p>
-          <a:p>
-            <a:r>
-              <a:rPr lang="en-US" dirty="0" smtClean="0"/>
-              <a:t>Runtime – </a:t>
-            </a:r>
-            <a:r>
-              <a:rPr lang="ru-RU" dirty="0" smtClean="0"/>
-              <a:t>Реальное время выполнения</a:t>
-            </a:r>
-            <a:endParaRPr lang="en-US" dirty="0" smtClean="0"/>
-          </a:p>
-          <a:p>
-            <a:r>
-              <a:rPr lang="en-US" dirty="0" err="1" smtClean="0"/>
-              <a:t>Queuenum</a:t>
-            </a:r>
-            <a:r>
-              <a:rPr lang="en-US" dirty="0" smtClean="0"/>
-              <a:t> – </a:t>
-            </a:r>
-            <a:r>
-              <a:rPr lang="ru-RU" dirty="0" smtClean="0"/>
-              <a:t>Номер очереди в </a:t>
-            </a:r>
-            <a:r>
-              <a:rPr lang="ru-RU" dirty="0" err="1" smtClean="0"/>
-              <a:t>планеровщике</a:t>
-            </a:r>
-            <a:r>
-              <a:rPr lang="ru-RU" dirty="0" smtClean="0"/>
-              <a:t>(не используется)</a:t>
-            </a:r>
-            <a:endParaRPr lang="en-US" dirty="0" smtClean="0"/>
-          </a:p>
-          <a:p>
-            <a:pPr lvl="0"/>
-            <a:r>
-              <a:rPr lang="en-US" dirty="0" smtClean="0"/>
-              <a:t>Hour – </a:t>
-            </a:r>
-            <a:r>
-              <a:rPr lang="ru-RU" dirty="0" smtClean="0"/>
-              <a:t>Время постановки </a:t>
-            </a:r>
-            <a:r>
-              <a:rPr lang="ru-RU" dirty="0"/>
-              <a:t>в </a:t>
-            </a:r>
-            <a:r>
-              <a:rPr lang="ru-RU" dirty="0" smtClean="0"/>
-              <a:t>очередь</a:t>
-            </a:r>
-            <a:endParaRPr lang="en-US" dirty="0" smtClean="0"/>
-          </a:p>
-          <a:p>
-            <a:endParaRPr lang="ru-RU" dirty="0"/>
-          </a:p>
-        </p:txBody>
-      </p:sp>
     </p:spTree>
     <p:extLst>
       <p:ext uri="{BB962C8B-B14F-4D97-AF65-F5344CB8AC3E}">
-        <p14:creationId xmlns:p14="http://schemas.microsoft.com/office/powerpoint/2010/main" val="4192757604"/>
+        <p14:creationId xmlns:p14="http://schemas.microsoft.com/office/powerpoint/2010/main" val="549689596"/>
       </p:ext>
     </p:extLst>
   </p:cSld>
@@ -3464,8 +3858,8 @@
           <a:lstStyle/>
           <a:p>
             <a:r>
-              <a:rPr lang="ru-RU" dirty="0" smtClean="0"/>
-              <a:t>Задачи, решаемые в рамках ВКР</a:t>
+              <a:rPr lang="ru-RU" dirty="0"/>
+              <a:t>Речь</a:t>
             </a:r>
             <a:endParaRPr lang="ru-RU" dirty="0"/>
           </a:p>
@@ -3483,9 +3877,7 @@
         </p:nvSpPr>
         <p:spPr/>
         <p:txBody>
-          <a:bodyPr>
-            <a:normAutofit fontScale="92500" lnSpcReduction="10000"/>
-          </a:bodyPr>
+          <a:bodyPr/>
           <a:lstStyle/>
           <a:p>
             <a:pPr marL="0" indent="0">
@@ -3493,84 +3885,510 @@
             </a:pPr>
             <a:r>
               <a:rPr lang="ru-RU" dirty="0"/>
-              <a:t>Для проведения исследования были поставлены следующие задачи:</a:t>
-            </a:r>
-          </a:p>
+              <a:t>Данный метод </a:t>
+            </a:r>
+            <a:r>
+              <a:rPr lang="ru-RU" dirty="0" smtClean="0"/>
+              <a:t>ищет k заданий в сохраненной истории запусков программ, </a:t>
+            </a:r>
+            <a:r>
+              <a:rPr lang="ru-RU" dirty="0"/>
+              <a:t>похожих на новое прогнозируемое </a:t>
+            </a:r>
+            <a:r>
+              <a:rPr lang="ru-RU" dirty="0" smtClean="0"/>
+              <a:t>задание по характеристикам, </a:t>
+            </a:r>
+            <a:r>
+              <a:rPr lang="ru-RU" dirty="0"/>
+              <a:t>а затем на их основе оценивает время выполнения.</a:t>
+            </a:r>
+            <a:endParaRPr lang="en-US" dirty="0"/>
+          </a:p>
+          <a:p>
+            <a:pPr marL="0" indent="0">
+              <a:buNone/>
+            </a:pPr>
+            <a:r>
+              <a:rPr lang="ru-RU" dirty="0"/>
+              <a:t>Часто, подобные алгоритмы основаны на алгоритме k ближайших соседей, представляя экземпляры как точки в n - мерном </a:t>
+            </a:r>
+            <a:r>
+              <a:rPr lang="ru-RU" dirty="0" smtClean="0"/>
+              <a:t>пространстве, где </a:t>
+            </a:r>
+            <a:r>
+              <a:rPr lang="en-US" dirty="0" smtClean="0"/>
+              <a:t>n</a:t>
+            </a:r>
+            <a:r>
+              <a:rPr lang="ru-RU" dirty="0" smtClean="0"/>
+              <a:t> – количество характеристик, описывающих запуск</a:t>
+            </a:r>
+            <a:endParaRPr lang="ru-RU" dirty="0"/>
+          </a:p>
+          <a:p>
+            <a:endParaRPr lang="ru-RU" dirty="0"/>
+          </a:p>
+        </p:txBody>
+      </p:sp>
+      <p:sp>
+        <p:nvSpPr>
+          <p:cNvPr id="4" name="Номер слайда 3"/>
+          <p:cNvSpPr>
+            <a:spLocks noGrp="1"/>
+          </p:cNvSpPr>
+          <p:nvPr>
+            <p:ph type="sldNum" sz="quarter" idx="12"/>
+          </p:nvPr>
+        </p:nvSpPr>
+        <p:spPr/>
+        <p:txBody>
+          <a:bodyPr/>
+          <a:lstStyle/>
+          <a:p>
+            <a:fld id="{93065021-1A6F-4820-BE00-705D3CC282AC}" type="slidenum">
+              <a:rPr lang="ru-RU" smtClean="0"/>
+              <a:t>11</a:t>
+            </a:fld>
+            <a:endParaRPr lang="ru-RU"/>
+          </a:p>
+        </p:txBody>
+      </p:sp>
+    </p:spTree>
+    <p:extLst>
+      <p:ext uri="{BB962C8B-B14F-4D97-AF65-F5344CB8AC3E}">
+        <p14:creationId xmlns:p14="http://schemas.microsoft.com/office/powerpoint/2010/main" val="665496884"/>
+      </p:ext>
+    </p:extLst>
+  </p:cSld>
+  <p:clrMapOvr>
+    <a:masterClrMapping/>
+  </p:clrMapOvr>
+  <p:timing>
+    <p:tnLst>
+      <p:par>
+        <p:cTn id="1" dur="indefinite" restart="never" nodeType="tmRoot"/>
+      </p:par>
+    </p:tnLst>
+  </p:timing>
+</p:sld>
+</file>
+
+<file path=ppt/slides/slide12.xml><?xml version="1.0" encoding="utf-8"?>
+<p:sld xmlns:a="http://schemas.openxmlformats.org/drawingml/2006/main" xmlns:r="http://schemas.openxmlformats.org/officeDocument/2006/relationships" xmlns:p="http://schemas.openxmlformats.org/presentationml/2006/main">
+  <p:cSld>
+    <p:spTree>
+      <p:nvGrpSpPr>
+        <p:cNvPr id="1" name=""/>
+        <p:cNvGrpSpPr/>
+        <p:nvPr/>
+      </p:nvGrpSpPr>
+      <p:grpSpPr>
+        <a:xfrm>
+          <a:off x="0" y="0"/>
+          <a:ext cx="0" cy="0"/>
+          <a:chOff x="0" y="0"/>
+          <a:chExt cx="0" cy="0"/>
+        </a:xfrm>
+      </p:grpSpPr>
+      <p:sp>
+        <p:nvSpPr>
+          <p:cNvPr id="2" name="Заголовок 1"/>
+          <p:cNvSpPr>
+            <a:spLocks noGrp="1"/>
+          </p:cNvSpPr>
+          <p:nvPr>
+            <p:ph type="title"/>
+          </p:nvPr>
+        </p:nvSpPr>
+        <p:spPr/>
+        <p:txBody>
+          <a:bodyPr/>
+          <a:lstStyle/>
+          <a:p>
+            <a:r>
+              <a:rPr lang="ru-RU" dirty="0"/>
+              <a:t>Данные, </a:t>
+            </a:r>
+            <a:r>
+              <a:rPr lang="ru-RU" dirty="0" smtClean="0"/>
+              <a:t>используемые для предсказания</a:t>
+            </a:r>
+            <a:endParaRPr lang="ru-RU" dirty="0"/>
+          </a:p>
+        </p:txBody>
+      </p:sp>
+      <p:sp>
+        <p:nvSpPr>
+          <p:cNvPr id="3" name="Объект 2"/>
+          <p:cNvSpPr>
+            <a:spLocks noGrp="1"/>
+          </p:cNvSpPr>
+          <p:nvPr>
+            <p:ph idx="1"/>
+          </p:nvPr>
+        </p:nvSpPr>
+        <p:spPr>
+          <a:xfrm>
+            <a:off x="690880" y="1503408"/>
+            <a:ext cx="11125200" cy="2154192"/>
+          </a:xfrm>
+        </p:spPr>
+        <p:txBody>
+          <a:bodyPr>
+            <a:normAutofit fontScale="62500" lnSpcReduction="20000"/>
+          </a:bodyPr>
+          <a:lstStyle/>
           <a:p>
             <a:pPr lvl="0"/>
             <a:r>
-              <a:rPr lang="ru-RU" smtClean="0"/>
-              <a:t>Изменение </a:t>
-            </a:r>
-            <a:r>
-              <a:rPr lang="ru-RU" dirty="0"/>
-              <a:t>алгоритма сбора </a:t>
-            </a:r>
+              <a:rPr lang="ru-RU" sz="4400" dirty="0"/>
+              <a:t>Время постановки в очередь</a:t>
+            </a:r>
+          </a:p>
+          <a:p>
+            <a:pPr lvl="0"/>
+            <a:r>
+              <a:rPr lang="en-US" sz="4400" dirty="0"/>
+              <a:t>id </a:t>
+            </a:r>
+            <a:r>
+              <a:rPr lang="ru-RU" sz="4400" dirty="0"/>
+              <a:t>пользователя, его группы пользователей, его организации</a:t>
+            </a:r>
+          </a:p>
+          <a:p>
+            <a:pPr lvl="0"/>
+            <a:r>
+              <a:rPr lang="ru-RU" sz="4400" dirty="0"/>
+              <a:t>количество запрошенных процессов</a:t>
+            </a:r>
+          </a:p>
+          <a:p>
+            <a:pPr lvl="0"/>
+            <a:r>
+              <a:rPr lang="ru-RU" sz="4400" dirty="0"/>
+              <a:t>количество запрошенного времени</a:t>
+            </a:r>
+          </a:p>
+          <a:p>
+            <a:pPr lvl="0"/>
+            <a:r>
+              <a:rPr lang="ru-RU" sz="4400" dirty="0"/>
+              <a:t>фактическая длительность с момента запуска задачи на выполнение</a:t>
+            </a:r>
+          </a:p>
+          <a:p>
+            <a:pPr marL="0" lvl="0" indent="0">
+              <a:buNone/>
+            </a:pPr>
+            <a:endParaRPr lang="ru-RU" dirty="0"/>
+          </a:p>
+        </p:txBody>
+      </p:sp>
+      <p:pic>
+        <p:nvPicPr>
+          <p:cNvPr id="4" name="Рисунок 3"/>
+          <p:cNvPicPr>
+            <a:picLocks noChangeAspect="1"/>
+          </p:cNvPicPr>
+          <p:nvPr/>
+        </p:nvPicPr>
+        <p:blipFill>
+          <a:blip r:embed="rId2"/>
+          <a:stretch>
+            <a:fillRect/>
+          </a:stretch>
+        </p:blipFill>
+        <p:spPr>
+          <a:xfrm>
+            <a:off x="1845129" y="3763388"/>
+            <a:ext cx="8330111" cy="2958087"/>
+          </a:xfrm>
+          <a:prstGeom prst="rect">
+            <a:avLst/>
+          </a:prstGeom>
+        </p:spPr>
+      </p:pic>
+      <p:sp>
+        <p:nvSpPr>
+          <p:cNvPr id="6" name="Номер слайда 5"/>
+          <p:cNvSpPr>
+            <a:spLocks noGrp="1"/>
+          </p:cNvSpPr>
+          <p:nvPr>
+            <p:ph type="sldNum" sz="quarter" idx="12"/>
+          </p:nvPr>
+        </p:nvSpPr>
+        <p:spPr/>
+        <p:txBody>
+          <a:bodyPr/>
+          <a:lstStyle/>
+          <a:p>
+            <a:fld id="{93065021-1A6F-4820-BE00-705D3CC282AC}" type="slidenum">
+              <a:rPr lang="ru-RU" smtClean="0"/>
+              <a:t>12</a:t>
+            </a:fld>
+            <a:endParaRPr lang="ru-RU"/>
+          </a:p>
+        </p:txBody>
+      </p:sp>
+      <p:sp>
+        <p:nvSpPr>
+          <p:cNvPr id="7" name="TextBox 6"/>
+          <p:cNvSpPr txBox="1"/>
+          <p:nvPr/>
+        </p:nvSpPr>
+        <p:spPr>
+          <a:xfrm>
+            <a:off x="3585439" y="3763388"/>
+            <a:ext cx="4786054" cy="923330"/>
+          </a:xfrm>
+          <a:prstGeom prst="rect">
+            <a:avLst/>
+          </a:prstGeom>
+          <a:noFill/>
+        </p:spPr>
+        <p:txBody>
+          <a:bodyPr wrap="none" rtlCol="0">
+            <a:spAutoFit/>
+          </a:bodyPr>
+          <a:lstStyle/>
+          <a:p>
+            <a:r>
+              <a:rPr lang="ru-RU" dirty="0"/>
+              <a:t>Корреляция признаков статистики за 2021 год:</a:t>
+            </a:r>
+          </a:p>
+          <a:p>
+            <a:endParaRPr lang="ru-RU" dirty="0"/>
+          </a:p>
+          <a:p>
+            <a:endParaRPr lang="ru-RU" dirty="0"/>
+          </a:p>
+        </p:txBody>
+      </p:sp>
+    </p:spTree>
+    <p:extLst>
+      <p:ext uri="{BB962C8B-B14F-4D97-AF65-F5344CB8AC3E}">
+        <p14:creationId xmlns:p14="http://schemas.microsoft.com/office/powerpoint/2010/main" val="4192757604"/>
+      </p:ext>
+    </p:extLst>
+  </p:cSld>
+  <p:clrMapOvr>
+    <a:masterClrMapping/>
+  </p:clrMapOvr>
+  <p:timing>
+    <p:tnLst>
+      <p:par>
+        <p:cTn id="1" dur="indefinite" restart="never" nodeType="tmRoot"/>
+      </p:par>
+    </p:tnLst>
+  </p:timing>
+</p:sld>
+</file>
+
+<file path=ppt/slides/slide13.xml><?xml version="1.0" encoding="utf-8"?>
+<p:sld xmlns:a="http://schemas.openxmlformats.org/drawingml/2006/main" xmlns:r="http://schemas.openxmlformats.org/officeDocument/2006/relationships" xmlns:p="http://schemas.openxmlformats.org/presentationml/2006/main">
+  <p:cSld>
+    <p:spTree>
+      <p:nvGrpSpPr>
+        <p:cNvPr id="1" name=""/>
+        <p:cNvGrpSpPr/>
+        <p:nvPr/>
+      </p:nvGrpSpPr>
+      <p:grpSpPr>
+        <a:xfrm>
+          <a:off x="0" y="0"/>
+          <a:ext cx="0" cy="0"/>
+          <a:chOff x="0" y="0"/>
+          <a:chExt cx="0" cy="0"/>
+        </a:xfrm>
+      </p:grpSpPr>
+      <p:sp>
+        <p:nvSpPr>
+          <p:cNvPr id="2" name="Заголовок 1"/>
+          <p:cNvSpPr>
+            <a:spLocks noGrp="1"/>
+          </p:cNvSpPr>
+          <p:nvPr>
+            <p:ph type="title"/>
+          </p:nvPr>
+        </p:nvSpPr>
+        <p:spPr/>
+        <p:txBody>
+          <a:bodyPr/>
+          <a:lstStyle/>
+          <a:p>
+            <a:r>
+              <a:rPr lang="ru-RU" dirty="0"/>
+              <a:t>Речь</a:t>
+            </a:r>
+            <a:endParaRPr lang="ru-RU" dirty="0"/>
+          </a:p>
+        </p:txBody>
+      </p:sp>
+      <p:sp>
+        <p:nvSpPr>
+          <p:cNvPr id="3" name="Объект 2"/>
+          <p:cNvSpPr>
+            <a:spLocks noGrp="1"/>
+          </p:cNvSpPr>
+          <p:nvPr>
+            <p:ph idx="1"/>
+          </p:nvPr>
+        </p:nvSpPr>
+        <p:spPr/>
+        <p:txBody>
+          <a:bodyPr>
+            <a:normAutofit fontScale="92500" lnSpcReduction="20000"/>
+          </a:bodyPr>
+          <a:lstStyle/>
+          <a:p>
+            <a:pPr marL="0" indent="0">
+              <a:buNone/>
+            </a:pPr>
             <a:r>
               <a:rPr lang="ru-RU" dirty="0" smtClean="0"/>
-              <a:t>статистики СУППЗ </a:t>
-            </a:r>
-            <a:r>
-              <a:rPr lang="ru-RU" dirty="0"/>
-              <a:t>для добавления в статистику аргументов командной строки запускаемой задачи</a:t>
+              <a:t>Чаще всего для предсказания собирают </a:t>
+            </a:r>
+            <a:r>
+              <a:rPr lang="ru-RU" dirty="0"/>
+              <a:t>следующую </a:t>
+            </a:r>
+            <a:r>
+              <a:rPr lang="ru-RU" dirty="0" smtClean="0"/>
+              <a:t>информацию</a:t>
+            </a:r>
+            <a:r>
+              <a:rPr lang="ru-RU" dirty="0"/>
+              <a:t>:</a:t>
             </a:r>
           </a:p>
           <a:p>
             <a:pPr lvl="0"/>
             <a:r>
+              <a:rPr lang="ru-RU" dirty="0"/>
+              <a:t>Время постановки в очередь</a:t>
+            </a:r>
+          </a:p>
+          <a:p>
+            <a:pPr lvl="0"/>
+            <a:r>
+              <a:rPr lang="en-US" dirty="0"/>
+              <a:t>id </a:t>
+            </a:r>
+            <a:r>
+              <a:rPr lang="ru-RU" dirty="0"/>
+              <a:t>пользователя, его группы пользователей, его организации</a:t>
+            </a:r>
+          </a:p>
+          <a:p>
+            <a:pPr lvl="0"/>
+            <a:r>
+              <a:rPr lang="ru-RU" dirty="0"/>
+              <a:t>количество запрошенных процессов</a:t>
+            </a:r>
+          </a:p>
+          <a:p>
+            <a:pPr lvl="0"/>
+            <a:r>
+              <a:rPr lang="ru-RU" dirty="0"/>
+              <a:t>количество запрошенного времени</a:t>
+            </a:r>
+          </a:p>
+          <a:p>
+            <a:pPr lvl="0"/>
+            <a:r>
+              <a:rPr lang="ru-RU" dirty="0"/>
+              <a:t>фактическая длительность с момента запуска задачи на выполнение</a:t>
+            </a:r>
+          </a:p>
+          <a:p>
+            <a:pPr marL="0" indent="0">
+              <a:buNone/>
+            </a:pPr>
+            <a:r>
               <a:rPr lang="ru-RU" dirty="0" smtClean="0"/>
-              <a:t>Разработка </a:t>
-            </a:r>
-            <a:r>
-              <a:rPr lang="ru-RU" dirty="0"/>
-              <a:t>метода кодирования аргументов командной строки для их использования при построении модели прогнозирования времени работы программы.</a:t>
-            </a:r>
-          </a:p>
-          <a:p>
-            <a:pPr lvl="0"/>
+              <a:t>На </a:t>
+            </a:r>
+            <a:r>
+              <a:rPr lang="ru-RU" dirty="0"/>
+              <a:t>рисунке представлена </a:t>
+            </a:r>
             <a:r>
               <a:rPr lang="ru-RU" dirty="0" smtClean="0"/>
-              <a:t>Реализация нескольких </a:t>
-            </a:r>
-            <a:r>
-              <a:rPr lang="ru-RU" dirty="0"/>
-              <a:t>методов </a:t>
+              <a:t>корреляция </a:t>
+            </a:r>
+            <a:r>
+              <a:rPr lang="ru-RU" dirty="0"/>
+              <a:t>признаков </a:t>
             </a:r>
             <a:r>
               <a:rPr lang="ru-RU" dirty="0" smtClean="0"/>
-              <a:t>прогнозирования на основе исторической информации. </a:t>
-            </a:r>
-            <a:endParaRPr lang="ru-RU" dirty="0"/>
-          </a:p>
-          <a:p>
-            <a:pPr lvl="0"/>
+              <a:t>статистики запусков в </a:t>
+            </a:r>
+            <a:r>
+              <a:rPr lang="ru-RU" dirty="0" err="1" smtClean="0"/>
+              <a:t>мсц</a:t>
+            </a:r>
             <a:r>
               <a:rPr lang="ru-RU" dirty="0" smtClean="0"/>
-              <a:t>Проведение </a:t>
-            </a:r>
-            <a:r>
-              <a:rPr lang="ru-RU" dirty="0"/>
-              <a:t>тестирования реализованных методов прогнозирования</a:t>
-            </a:r>
-            <a:r>
-              <a:rPr lang="ru-RU" dirty="0" smtClean="0"/>
-              <a:t>.</a:t>
-            </a:r>
-          </a:p>
-          <a:p>
-            <a:r>
-              <a:rPr lang="ru-RU" dirty="0"/>
-              <a:t>Выбор лучшей модели для предсказания фактической длительности </a:t>
-            </a:r>
-            <a:r>
-              <a:rPr lang="ru-RU" dirty="0" smtClean="0"/>
-              <a:t>задачи.</a:t>
-            </a:r>
-            <a:endParaRPr lang="ru-RU" dirty="0"/>
-          </a:p>
-          <a:p>
-            <a:pPr lvl="0"/>
-            <a:endParaRPr lang="ru-RU" dirty="0"/>
+              <a:t> ран </a:t>
+            </a:r>
+            <a:r>
+              <a:rPr lang="ru-RU" dirty="0"/>
+              <a:t>за 2021 год:</a:t>
+            </a:r>
+          </a:p>
+          <a:p>
+            <a:pPr lvl="1"/>
+            <a:r>
+              <a:rPr lang="en-US" dirty="0"/>
+              <a:t>Runtime – </a:t>
+            </a:r>
+            <a:r>
+              <a:rPr lang="ru-RU" dirty="0"/>
+              <a:t>Реальное время выполнения</a:t>
+            </a:r>
+            <a:endParaRPr lang="en-US" dirty="0"/>
+          </a:p>
+          <a:p>
+            <a:pPr lvl="1"/>
+            <a:r>
+              <a:rPr lang="en-US" dirty="0" err="1"/>
+              <a:t>Queuenum</a:t>
+            </a:r>
+            <a:r>
+              <a:rPr lang="en-US" dirty="0"/>
+              <a:t> – </a:t>
+            </a:r>
+            <a:r>
+              <a:rPr lang="ru-RU" dirty="0"/>
+              <a:t>Номер очереди в </a:t>
+            </a:r>
+            <a:r>
+              <a:rPr lang="ru-RU" dirty="0" err="1"/>
+              <a:t>планеровщике</a:t>
+            </a:r>
+            <a:r>
+              <a:rPr lang="ru-RU" dirty="0"/>
+              <a:t>(не используется)</a:t>
+            </a:r>
+            <a:endParaRPr lang="en-US" dirty="0"/>
+          </a:p>
+          <a:p>
+            <a:pPr lvl="1"/>
+            <a:r>
+              <a:rPr lang="en-US" dirty="0"/>
+              <a:t>Hour – </a:t>
+            </a:r>
+            <a:r>
+              <a:rPr lang="ru-RU" dirty="0"/>
+              <a:t>Время постановки в очередь</a:t>
+            </a:r>
+            <a:endParaRPr lang="en-US" dirty="0"/>
           </a:p>
           <a:p>
             <a:pPr marL="0" indent="0">
@@ -3580,10 +4398,1211 @@
           </a:p>
         </p:txBody>
       </p:sp>
+      <p:sp>
+        <p:nvSpPr>
+          <p:cNvPr id="4" name="Номер слайда 3"/>
+          <p:cNvSpPr>
+            <a:spLocks noGrp="1"/>
+          </p:cNvSpPr>
+          <p:nvPr>
+            <p:ph type="sldNum" sz="quarter" idx="12"/>
+          </p:nvPr>
+        </p:nvSpPr>
+        <p:spPr/>
+        <p:txBody>
+          <a:bodyPr/>
+          <a:lstStyle/>
+          <a:p>
+            <a:fld id="{93065021-1A6F-4820-BE00-705D3CC282AC}" type="slidenum">
+              <a:rPr lang="ru-RU" smtClean="0"/>
+              <a:t>13</a:t>
+            </a:fld>
+            <a:endParaRPr lang="ru-RU"/>
+          </a:p>
+        </p:txBody>
+      </p:sp>
+    </p:spTree>
+    <p:extLst>
+      <p:ext uri="{BB962C8B-B14F-4D97-AF65-F5344CB8AC3E}">
+        <p14:creationId xmlns:p14="http://schemas.microsoft.com/office/powerpoint/2010/main" val="3487171887"/>
+      </p:ext>
+    </p:extLst>
+  </p:cSld>
+  <p:clrMapOvr>
+    <a:masterClrMapping/>
+  </p:clrMapOvr>
+  <p:timing>
+    <p:tnLst>
+      <p:par>
+        <p:cTn id="1" dur="indefinite" restart="never" nodeType="tmRoot"/>
+      </p:par>
+    </p:tnLst>
+  </p:timing>
+</p:sld>
+</file>
+
+<file path=ppt/slides/slide14.xml><?xml version="1.0" encoding="utf-8"?>
+<p:sld xmlns:a="http://schemas.openxmlformats.org/drawingml/2006/main" xmlns:r="http://schemas.openxmlformats.org/officeDocument/2006/relationships" xmlns:p="http://schemas.openxmlformats.org/presentationml/2006/main">
+  <p:cSld>
+    <p:spTree>
+      <p:nvGrpSpPr>
+        <p:cNvPr id="1" name=""/>
+        <p:cNvGrpSpPr/>
+        <p:nvPr/>
+      </p:nvGrpSpPr>
+      <p:grpSpPr>
+        <a:xfrm>
+          <a:off x="0" y="0"/>
+          <a:ext cx="0" cy="0"/>
+          <a:chOff x="0" y="0"/>
+          <a:chExt cx="0" cy="0"/>
+        </a:xfrm>
+      </p:grpSpPr>
+      <p:sp>
+        <p:nvSpPr>
+          <p:cNvPr id="2" name="Заголовок 1"/>
+          <p:cNvSpPr>
+            <a:spLocks noGrp="1"/>
+          </p:cNvSpPr>
+          <p:nvPr>
+            <p:ph type="title"/>
+          </p:nvPr>
+        </p:nvSpPr>
+        <p:spPr>
+          <a:xfrm>
+            <a:off x="838200" y="365125"/>
+            <a:ext cx="7147560" cy="1325563"/>
+          </a:xfrm>
+        </p:spPr>
+        <p:txBody>
+          <a:bodyPr/>
+          <a:lstStyle/>
+          <a:p>
+            <a:r>
+              <a:rPr lang="ru-RU" dirty="0" smtClean="0"/>
+              <a:t>Использование аргументов командной строки</a:t>
+            </a:r>
+            <a:endParaRPr lang="ru-RU" dirty="0"/>
+          </a:p>
+        </p:txBody>
+      </p:sp>
+      <p:sp>
+        <p:nvSpPr>
+          <p:cNvPr id="3" name="Объект 2"/>
+          <p:cNvSpPr>
+            <a:spLocks noGrp="1"/>
+          </p:cNvSpPr>
+          <p:nvPr>
+            <p:ph idx="1"/>
+          </p:nvPr>
+        </p:nvSpPr>
+        <p:spPr>
+          <a:xfrm>
+            <a:off x="838200" y="1825625"/>
+            <a:ext cx="7943538" cy="4351338"/>
+          </a:xfrm>
+        </p:spPr>
+        <p:txBody>
+          <a:bodyPr>
+            <a:normAutofit/>
+          </a:bodyPr>
+          <a:lstStyle/>
+          <a:p>
+            <a:r>
+              <a:rPr lang="ru-RU" dirty="0" smtClean="0"/>
+              <a:t>Цель – </a:t>
+            </a:r>
+            <a:r>
+              <a:rPr lang="ru-RU" dirty="0"/>
+              <a:t>повысить точность, увеличив область знаний </a:t>
+            </a:r>
+            <a:r>
+              <a:rPr lang="ru-RU" dirty="0" smtClean="0"/>
+              <a:t>модели.</a:t>
+            </a:r>
+          </a:p>
+          <a:p>
+            <a:r>
+              <a:rPr lang="ru-RU" dirty="0"/>
+              <a:t>Б</a:t>
+            </a:r>
+            <a:r>
+              <a:rPr lang="ru-RU" dirty="0" smtClean="0"/>
+              <a:t>ольшое </a:t>
+            </a:r>
+            <a:r>
+              <a:rPr lang="ru-RU" dirty="0"/>
+              <a:t>количество задач запускается с теми же аргументами, что </a:t>
+            </a:r>
+            <a:r>
+              <a:rPr lang="ru-RU" dirty="0" smtClean="0"/>
+              <a:t>уже </a:t>
+            </a:r>
+            <a:r>
+              <a:rPr lang="ru-RU" dirty="0"/>
+              <a:t>использовались. </a:t>
+            </a:r>
+            <a:endParaRPr lang="ru-RU" dirty="0" smtClean="0"/>
+          </a:p>
+          <a:p>
+            <a:r>
+              <a:rPr lang="ru-RU" dirty="0"/>
+              <a:t>Задачи с похожими параметрами имеют больший шанс на одинаковое время выполнения.</a:t>
+            </a:r>
+          </a:p>
+          <a:p>
+            <a:endParaRPr lang="ru-RU" dirty="0"/>
+          </a:p>
+          <a:p>
+            <a:endParaRPr lang="ru-RU" dirty="0"/>
+          </a:p>
+          <a:p>
+            <a:endParaRPr lang="ru-RU" dirty="0" smtClean="0"/>
+          </a:p>
+        </p:txBody>
+      </p:sp>
+      <p:pic>
+        <p:nvPicPr>
+          <p:cNvPr id="4" name="Рисунок 3"/>
+          <p:cNvPicPr>
+            <a:picLocks noChangeAspect="1"/>
+          </p:cNvPicPr>
+          <p:nvPr/>
+        </p:nvPicPr>
+        <p:blipFill>
+          <a:blip r:embed="rId2">
+            <a:extLst>
+              <a:ext uri="{28A0092B-C50C-407E-A947-70E740481C1C}">
+                <a14:useLocalDpi xmlns:a14="http://schemas.microsoft.com/office/drawing/2010/main" val="0"/>
+              </a:ext>
+            </a:extLst>
+          </a:blip>
+          <a:stretch>
+            <a:fillRect/>
+          </a:stretch>
+        </p:blipFill>
+        <p:spPr>
+          <a:xfrm>
+            <a:off x="8781738" y="0"/>
+            <a:ext cx="2953062" cy="6858000"/>
+          </a:xfrm>
+          <a:prstGeom prst="rect">
+            <a:avLst/>
+          </a:prstGeom>
+        </p:spPr>
+      </p:pic>
+      <p:sp>
+        <p:nvSpPr>
+          <p:cNvPr id="5" name="Номер слайда 4"/>
+          <p:cNvSpPr>
+            <a:spLocks noGrp="1"/>
+          </p:cNvSpPr>
+          <p:nvPr>
+            <p:ph type="sldNum" sz="quarter" idx="12"/>
+          </p:nvPr>
+        </p:nvSpPr>
+        <p:spPr/>
+        <p:txBody>
+          <a:bodyPr/>
+          <a:lstStyle/>
+          <a:p>
+            <a:fld id="{93065021-1A6F-4820-BE00-705D3CC282AC}" type="slidenum">
+              <a:rPr lang="ru-RU" smtClean="0"/>
+              <a:t>14</a:t>
+            </a:fld>
+            <a:endParaRPr lang="ru-RU"/>
+          </a:p>
+        </p:txBody>
+      </p:sp>
+    </p:spTree>
+    <p:extLst>
+      <p:ext uri="{BB962C8B-B14F-4D97-AF65-F5344CB8AC3E}">
+        <p14:creationId xmlns:p14="http://schemas.microsoft.com/office/powerpoint/2010/main" val="690638540"/>
+      </p:ext>
+    </p:extLst>
+  </p:cSld>
+  <p:clrMapOvr>
+    <a:masterClrMapping/>
+  </p:clrMapOvr>
+  <p:timing>
+    <p:tnLst>
+      <p:par>
+        <p:cTn id="1" dur="indefinite" restart="never" nodeType="tmRoot"/>
+      </p:par>
+    </p:tnLst>
+  </p:timing>
+</p:sld>
+</file>
+
+<file path=ppt/slides/slide15.xml><?xml version="1.0" encoding="utf-8"?>
+<p:sld xmlns:a="http://schemas.openxmlformats.org/drawingml/2006/main" xmlns:r="http://schemas.openxmlformats.org/officeDocument/2006/relationships" xmlns:p="http://schemas.openxmlformats.org/presentationml/2006/main">
+  <p:cSld>
+    <p:spTree>
+      <p:nvGrpSpPr>
+        <p:cNvPr id="1" name=""/>
+        <p:cNvGrpSpPr/>
+        <p:nvPr/>
+      </p:nvGrpSpPr>
+      <p:grpSpPr>
+        <a:xfrm>
+          <a:off x="0" y="0"/>
+          <a:ext cx="0" cy="0"/>
+          <a:chOff x="0" y="0"/>
+          <a:chExt cx="0" cy="0"/>
+        </a:xfrm>
+      </p:grpSpPr>
+      <p:sp>
+        <p:nvSpPr>
+          <p:cNvPr id="2" name="Заголовок 1"/>
+          <p:cNvSpPr>
+            <a:spLocks noGrp="1"/>
+          </p:cNvSpPr>
+          <p:nvPr>
+            <p:ph type="title"/>
+          </p:nvPr>
+        </p:nvSpPr>
+        <p:spPr/>
+        <p:txBody>
+          <a:bodyPr/>
+          <a:lstStyle/>
+          <a:p>
+            <a:r>
+              <a:rPr lang="ru-RU" dirty="0"/>
+              <a:t>Речь</a:t>
+            </a:r>
+            <a:endParaRPr lang="ru-RU" dirty="0"/>
+          </a:p>
+        </p:txBody>
+      </p:sp>
+      <p:sp>
+        <p:nvSpPr>
+          <p:cNvPr id="3" name="Объект 2"/>
+          <p:cNvSpPr>
+            <a:spLocks noGrp="1"/>
+          </p:cNvSpPr>
+          <p:nvPr>
+            <p:ph idx="1"/>
+          </p:nvPr>
+        </p:nvSpPr>
+        <p:spPr/>
+        <p:txBody>
+          <a:bodyPr>
+            <a:normAutofit fontScale="92500" lnSpcReduction="20000"/>
+          </a:bodyPr>
+          <a:lstStyle/>
+          <a:p>
+            <a:r>
+              <a:rPr lang="ru-RU" dirty="0" smtClean="0"/>
+              <a:t>Было решено исследовать возможность расширения собираемой в системе информации о запусках программ </a:t>
+            </a:r>
+          </a:p>
+          <a:p>
+            <a:r>
+              <a:rPr lang="ru-RU" dirty="0" smtClean="0"/>
+              <a:t>Главная </a:t>
+            </a:r>
+            <a:r>
+              <a:rPr lang="ru-RU" dirty="0"/>
+              <a:t>цель предлагаемого подхода – повысить точность, увеличив область знаний модели о прогнозируемых процессах.</a:t>
+            </a:r>
+          </a:p>
+          <a:p>
+            <a:r>
+              <a:rPr lang="ru-RU" dirty="0"/>
+              <a:t>На графиках представлено соотношение запусков задач с уникальными и с повторяющимися наборами аргументов командной строки для каждого из пользователей, отсортированные в порядке убывания общего количества задач. Команды без аргументов были исключены из рассмотрения.</a:t>
+            </a:r>
+          </a:p>
+          <a:p>
+            <a:r>
+              <a:rPr lang="ru-RU" dirty="0"/>
+              <a:t>Видно, что большое количество задач запускается с теми же аргументами, что когда-то уже использовались. </a:t>
+            </a:r>
+          </a:p>
+          <a:p>
+            <a:r>
+              <a:rPr lang="ru-RU" dirty="0"/>
+              <a:t>Задачи с похожими параметрами имеют больший шанс на одинаковое время выполнения.</a:t>
+            </a:r>
+          </a:p>
+          <a:p>
+            <a:endParaRPr lang="ru-RU" dirty="0"/>
+          </a:p>
+        </p:txBody>
+      </p:sp>
+      <p:sp>
+        <p:nvSpPr>
+          <p:cNvPr id="4" name="Номер слайда 3"/>
+          <p:cNvSpPr>
+            <a:spLocks noGrp="1"/>
+          </p:cNvSpPr>
+          <p:nvPr>
+            <p:ph type="sldNum" sz="quarter" idx="12"/>
+          </p:nvPr>
+        </p:nvSpPr>
+        <p:spPr/>
+        <p:txBody>
+          <a:bodyPr/>
+          <a:lstStyle/>
+          <a:p>
+            <a:fld id="{93065021-1A6F-4820-BE00-705D3CC282AC}" type="slidenum">
+              <a:rPr lang="ru-RU" smtClean="0"/>
+              <a:t>15</a:t>
+            </a:fld>
+            <a:endParaRPr lang="ru-RU"/>
+          </a:p>
+        </p:txBody>
+      </p:sp>
+    </p:spTree>
+    <p:extLst>
+      <p:ext uri="{BB962C8B-B14F-4D97-AF65-F5344CB8AC3E}">
+        <p14:creationId xmlns:p14="http://schemas.microsoft.com/office/powerpoint/2010/main" val="217585317"/>
+      </p:ext>
+    </p:extLst>
+  </p:cSld>
+  <p:clrMapOvr>
+    <a:masterClrMapping/>
+  </p:clrMapOvr>
+  <p:timing>
+    <p:tnLst>
+      <p:par>
+        <p:cTn id="1" dur="indefinite" restart="never" nodeType="tmRoot"/>
+      </p:par>
+    </p:tnLst>
+  </p:timing>
+</p:sld>
+</file>
+
+<file path=ppt/slides/slide16.xml><?xml version="1.0" encoding="utf-8"?>
+<p:sld xmlns:a="http://schemas.openxmlformats.org/drawingml/2006/main" xmlns:r="http://schemas.openxmlformats.org/officeDocument/2006/relationships" xmlns:p="http://schemas.openxmlformats.org/presentationml/2006/main">
+  <p:cSld>
+    <p:spTree>
+      <p:nvGrpSpPr>
+        <p:cNvPr id="1" name=""/>
+        <p:cNvGrpSpPr/>
+        <p:nvPr/>
+      </p:nvGrpSpPr>
+      <p:grpSpPr>
+        <a:xfrm>
+          <a:off x="0" y="0"/>
+          <a:ext cx="0" cy="0"/>
+          <a:chOff x="0" y="0"/>
+          <a:chExt cx="0" cy="0"/>
+        </a:xfrm>
+      </p:grpSpPr>
+      <p:sp>
+        <p:nvSpPr>
+          <p:cNvPr id="2" name="Заголовок 1"/>
+          <p:cNvSpPr>
+            <a:spLocks noGrp="1"/>
+          </p:cNvSpPr>
+          <p:nvPr>
+            <p:ph type="title"/>
+          </p:nvPr>
+        </p:nvSpPr>
+        <p:spPr/>
+        <p:txBody>
+          <a:bodyPr/>
+          <a:lstStyle/>
+          <a:p>
+            <a:r>
+              <a:rPr lang="ru-RU" dirty="0" smtClean="0"/>
+              <a:t>Задачи, решаемые в рамках ВКР</a:t>
+            </a:r>
+            <a:endParaRPr lang="ru-RU" dirty="0"/>
+          </a:p>
+        </p:txBody>
+      </p:sp>
+      <p:sp>
+        <p:nvSpPr>
+          <p:cNvPr id="3" name="Объект 2"/>
+          <p:cNvSpPr>
+            <a:spLocks noGrp="1"/>
+          </p:cNvSpPr>
+          <p:nvPr>
+            <p:ph idx="1"/>
+          </p:nvPr>
+        </p:nvSpPr>
+        <p:spPr/>
+        <p:txBody>
+          <a:bodyPr>
+            <a:normAutofit/>
+          </a:bodyPr>
+          <a:lstStyle/>
+          <a:p>
+            <a:pPr marL="514350" lvl="0" indent="-514350">
+              <a:buFont typeface="+mj-lt"/>
+              <a:buAutoNum type="arabicPeriod"/>
+            </a:pPr>
+            <a:r>
+              <a:rPr lang="ru-RU" dirty="0" smtClean="0"/>
+              <a:t>Разработка </a:t>
+            </a:r>
+            <a:r>
+              <a:rPr lang="ru-RU" dirty="0" smtClean="0"/>
+              <a:t>методов </a:t>
+            </a:r>
+            <a:r>
+              <a:rPr lang="ru-RU" dirty="0"/>
+              <a:t>кодирования аргументов командной </a:t>
+            </a:r>
+            <a:r>
+              <a:rPr lang="ru-RU" dirty="0" smtClean="0"/>
+              <a:t>строки.</a:t>
+            </a:r>
+            <a:endParaRPr lang="ru-RU" dirty="0"/>
+          </a:p>
+          <a:p>
+            <a:pPr marL="514350" lvl="0" indent="-514350">
+              <a:buFont typeface="+mj-lt"/>
+              <a:buAutoNum type="arabicPeriod"/>
+            </a:pPr>
+            <a:r>
+              <a:rPr lang="ru-RU" dirty="0" smtClean="0"/>
+              <a:t>Реализация нескольких </a:t>
+            </a:r>
+            <a:r>
+              <a:rPr lang="ru-RU" dirty="0"/>
+              <a:t>методов </a:t>
+            </a:r>
+            <a:r>
+              <a:rPr lang="ru-RU" dirty="0" smtClean="0"/>
+              <a:t>прогнозирования на основе исторической информации. </a:t>
+            </a:r>
+            <a:endParaRPr lang="ru-RU" dirty="0"/>
+          </a:p>
+          <a:p>
+            <a:pPr marL="514350" lvl="0" indent="-514350">
+              <a:buFont typeface="+mj-lt"/>
+              <a:buAutoNum type="arabicPeriod"/>
+            </a:pPr>
+            <a:r>
+              <a:rPr lang="ru-RU" dirty="0" smtClean="0"/>
+              <a:t>Проведение </a:t>
+            </a:r>
+            <a:r>
+              <a:rPr lang="ru-RU" dirty="0"/>
+              <a:t>тестирования реализованных </a:t>
+            </a:r>
+            <a:r>
+              <a:rPr lang="ru-RU" dirty="0" smtClean="0"/>
+              <a:t>методов.</a:t>
+            </a:r>
+            <a:endParaRPr lang="ru-RU" dirty="0" smtClean="0"/>
+          </a:p>
+          <a:p>
+            <a:pPr marL="514350" indent="-514350">
+              <a:buFont typeface="+mj-lt"/>
+              <a:buAutoNum type="arabicPeriod"/>
+            </a:pPr>
+            <a:r>
+              <a:rPr lang="ru-RU" dirty="0"/>
+              <a:t>Выбор лучшей модели для предсказания </a:t>
+            </a:r>
+            <a:r>
+              <a:rPr lang="ru-RU" dirty="0" smtClean="0"/>
+              <a:t>длительности </a:t>
+            </a:r>
+            <a:r>
+              <a:rPr lang="ru-RU" dirty="0" smtClean="0"/>
+              <a:t>задачи.</a:t>
+            </a:r>
+            <a:endParaRPr lang="ru-RU" dirty="0"/>
+          </a:p>
+          <a:p>
+            <a:pPr marL="514350" lvl="0" indent="-514350">
+              <a:buFont typeface="+mj-lt"/>
+              <a:buAutoNum type="arabicPeriod"/>
+            </a:pPr>
+            <a:r>
+              <a:rPr lang="ru-RU" dirty="0" smtClean="0"/>
+              <a:t>Анализ влияния на </a:t>
+            </a:r>
+            <a:r>
+              <a:rPr lang="ru-RU" dirty="0" smtClean="0"/>
+              <a:t>точность </a:t>
+            </a:r>
+            <a:r>
+              <a:rPr lang="ru-RU" dirty="0" smtClean="0"/>
+              <a:t>использования аргументов командной строки</a:t>
+            </a:r>
+            <a:endParaRPr lang="ru-RU" dirty="0"/>
+          </a:p>
+          <a:p>
+            <a:pPr marL="0" indent="0">
+              <a:buNone/>
+            </a:pPr>
+            <a:endParaRPr lang="ru-RU" dirty="0"/>
+          </a:p>
+        </p:txBody>
+      </p:sp>
+      <p:sp>
+        <p:nvSpPr>
+          <p:cNvPr id="4" name="Номер слайда 3"/>
+          <p:cNvSpPr>
+            <a:spLocks noGrp="1"/>
+          </p:cNvSpPr>
+          <p:nvPr>
+            <p:ph type="sldNum" sz="quarter" idx="12"/>
+          </p:nvPr>
+        </p:nvSpPr>
+        <p:spPr/>
+        <p:txBody>
+          <a:bodyPr/>
+          <a:lstStyle/>
+          <a:p>
+            <a:fld id="{93065021-1A6F-4820-BE00-705D3CC282AC}" type="slidenum">
+              <a:rPr lang="ru-RU" smtClean="0"/>
+              <a:t>16</a:t>
+            </a:fld>
+            <a:endParaRPr lang="ru-RU"/>
+          </a:p>
+        </p:txBody>
+      </p:sp>
     </p:spTree>
     <p:extLst>
       <p:ext uri="{BB962C8B-B14F-4D97-AF65-F5344CB8AC3E}">
         <p14:creationId xmlns:p14="http://schemas.microsoft.com/office/powerpoint/2010/main" val="3013082567"/>
+      </p:ext>
+    </p:extLst>
+  </p:cSld>
+  <p:clrMapOvr>
+    <a:masterClrMapping/>
+  </p:clrMapOvr>
+  <p:timing>
+    <p:tnLst>
+      <p:par>
+        <p:cTn id="1" dur="indefinite" restart="never" nodeType="tmRoot"/>
+      </p:par>
+    </p:tnLst>
+  </p:timing>
+</p:sld>
+</file>
+
+<file path=ppt/slides/slide17.xml><?xml version="1.0" encoding="utf-8"?>
+<p:sld xmlns:a="http://schemas.openxmlformats.org/drawingml/2006/main" xmlns:r="http://schemas.openxmlformats.org/officeDocument/2006/relationships" xmlns:p="http://schemas.openxmlformats.org/presentationml/2006/main">
+  <p:cSld>
+    <p:spTree>
+      <p:nvGrpSpPr>
+        <p:cNvPr id="1" name=""/>
+        <p:cNvGrpSpPr/>
+        <p:nvPr/>
+      </p:nvGrpSpPr>
+      <p:grpSpPr>
+        <a:xfrm>
+          <a:off x="0" y="0"/>
+          <a:ext cx="0" cy="0"/>
+          <a:chOff x="0" y="0"/>
+          <a:chExt cx="0" cy="0"/>
+        </a:xfrm>
+      </p:grpSpPr>
+      <p:sp>
+        <p:nvSpPr>
+          <p:cNvPr id="2" name="Заголовок 1"/>
+          <p:cNvSpPr>
+            <a:spLocks noGrp="1"/>
+          </p:cNvSpPr>
+          <p:nvPr>
+            <p:ph type="title"/>
+          </p:nvPr>
+        </p:nvSpPr>
+        <p:spPr/>
+        <p:txBody>
+          <a:bodyPr/>
+          <a:lstStyle/>
+          <a:p>
+            <a:r>
+              <a:rPr lang="ru-RU" dirty="0"/>
+              <a:t>Речь</a:t>
+            </a:r>
+            <a:endParaRPr lang="ru-RU" dirty="0"/>
+          </a:p>
+        </p:txBody>
+      </p:sp>
+      <p:sp>
+        <p:nvSpPr>
+          <p:cNvPr id="3" name="Объект 2"/>
+          <p:cNvSpPr>
+            <a:spLocks noGrp="1"/>
+          </p:cNvSpPr>
+          <p:nvPr>
+            <p:ph idx="1"/>
+          </p:nvPr>
+        </p:nvSpPr>
+        <p:spPr/>
+        <p:txBody>
+          <a:bodyPr>
+            <a:normAutofit fontScale="85000" lnSpcReduction="10000"/>
+          </a:bodyPr>
+          <a:lstStyle/>
+          <a:p>
+            <a:pPr marL="0" indent="0">
+              <a:buNone/>
+            </a:pPr>
+            <a:r>
+              <a:rPr lang="ru-RU" dirty="0"/>
+              <a:t>Для проведения исследования были поставлены следующие задачи:</a:t>
+            </a:r>
+          </a:p>
+          <a:p>
+            <a:pPr lvl="0"/>
+            <a:r>
+              <a:rPr lang="ru-RU" dirty="0"/>
+              <a:t>Изменение алгоритма сбора статистики СУППЗ для добавления в статистику аргументов командной строки запускаемой задачи</a:t>
+            </a:r>
+          </a:p>
+          <a:p>
+            <a:pPr lvl="0"/>
+            <a:r>
+              <a:rPr lang="ru-RU" dirty="0"/>
+              <a:t>Разработка методов кодирования аргументов командной строки для их использования при построении моделей прогнозирования времени работы программы.</a:t>
+            </a:r>
+          </a:p>
+          <a:p>
+            <a:pPr lvl="0"/>
+            <a:r>
+              <a:rPr lang="ru-RU" dirty="0"/>
+              <a:t>Реализация нескольких методов прогнозирования на основе исторической информации. </a:t>
+            </a:r>
+          </a:p>
+          <a:p>
+            <a:pPr lvl="0"/>
+            <a:r>
+              <a:rPr lang="ru-RU" dirty="0"/>
+              <a:t>Проведение тестирования реализованных методов прогнозирования.</a:t>
+            </a:r>
+          </a:p>
+          <a:p>
+            <a:r>
+              <a:rPr lang="ru-RU" dirty="0"/>
+              <a:t>Выбор лучшей модели для предсказания фактической длительности задачи</a:t>
+            </a:r>
+            <a:r>
+              <a:rPr lang="ru-RU" dirty="0" smtClean="0"/>
+              <a:t>.</a:t>
+            </a:r>
+          </a:p>
+          <a:p>
+            <a:pPr lvl="0"/>
+            <a:r>
+              <a:rPr lang="ru-RU" dirty="0"/>
+              <a:t>Анализ влияния на точность использования аргументов командной строки</a:t>
+            </a:r>
+          </a:p>
+          <a:p>
+            <a:endParaRPr lang="ru-RU" dirty="0"/>
+          </a:p>
+          <a:p>
+            <a:endParaRPr lang="ru-RU" dirty="0"/>
+          </a:p>
+        </p:txBody>
+      </p:sp>
+      <p:sp>
+        <p:nvSpPr>
+          <p:cNvPr id="4" name="Номер слайда 3"/>
+          <p:cNvSpPr>
+            <a:spLocks noGrp="1"/>
+          </p:cNvSpPr>
+          <p:nvPr>
+            <p:ph type="sldNum" sz="quarter" idx="12"/>
+          </p:nvPr>
+        </p:nvSpPr>
+        <p:spPr/>
+        <p:txBody>
+          <a:bodyPr/>
+          <a:lstStyle/>
+          <a:p>
+            <a:fld id="{93065021-1A6F-4820-BE00-705D3CC282AC}" type="slidenum">
+              <a:rPr lang="ru-RU" smtClean="0"/>
+              <a:t>17</a:t>
+            </a:fld>
+            <a:endParaRPr lang="ru-RU"/>
+          </a:p>
+        </p:txBody>
+      </p:sp>
+    </p:spTree>
+    <p:extLst>
+      <p:ext uri="{BB962C8B-B14F-4D97-AF65-F5344CB8AC3E}">
+        <p14:creationId xmlns:p14="http://schemas.microsoft.com/office/powerpoint/2010/main" val="3107356709"/>
+      </p:ext>
+    </p:extLst>
+  </p:cSld>
+  <p:clrMapOvr>
+    <a:masterClrMapping/>
+  </p:clrMapOvr>
+  <p:timing>
+    <p:tnLst>
+      <p:par>
+        <p:cTn id="1" dur="indefinite" restart="never" nodeType="tmRoot"/>
+      </p:par>
+    </p:tnLst>
+  </p:timing>
+</p:sld>
+</file>
+
+<file path=ppt/slides/slide18.xml><?xml version="1.0" encoding="utf-8"?>
+<p:sld xmlns:a="http://schemas.openxmlformats.org/drawingml/2006/main" xmlns:r="http://schemas.openxmlformats.org/officeDocument/2006/relationships" xmlns:p="http://schemas.openxmlformats.org/presentationml/2006/main">
+  <p:cSld>
+    <p:spTree>
+      <p:nvGrpSpPr>
+        <p:cNvPr id="1" name=""/>
+        <p:cNvGrpSpPr/>
+        <p:nvPr/>
+      </p:nvGrpSpPr>
+      <p:grpSpPr>
+        <a:xfrm>
+          <a:off x="0" y="0"/>
+          <a:ext cx="0" cy="0"/>
+          <a:chOff x="0" y="0"/>
+          <a:chExt cx="0" cy="0"/>
+        </a:xfrm>
+      </p:grpSpPr>
+      <p:sp>
+        <p:nvSpPr>
+          <p:cNvPr id="2" name="Заголовок 1"/>
+          <p:cNvSpPr>
+            <a:spLocks noGrp="1"/>
+          </p:cNvSpPr>
+          <p:nvPr>
+            <p:ph type="title"/>
+          </p:nvPr>
+        </p:nvSpPr>
+        <p:spPr/>
+        <p:txBody>
+          <a:bodyPr/>
+          <a:lstStyle/>
+          <a:p>
+            <a:r>
+              <a:rPr lang="ru-RU" dirty="0" smtClean="0"/>
+              <a:t>Модели для предсказания</a:t>
+            </a:r>
+            <a:endParaRPr lang="ru-RU" dirty="0"/>
+          </a:p>
+        </p:txBody>
+      </p:sp>
+      <p:sp>
+        <p:nvSpPr>
+          <p:cNvPr id="3" name="Объект 2"/>
+          <p:cNvSpPr>
+            <a:spLocks noGrp="1"/>
+          </p:cNvSpPr>
+          <p:nvPr>
+            <p:ph idx="1"/>
+          </p:nvPr>
+        </p:nvSpPr>
+        <p:spPr/>
+        <p:txBody>
+          <a:bodyPr>
+            <a:normAutofit fontScale="92500" lnSpcReduction="10000"/>
+          </a:bodyPr>
+          <a:lstStyle/>
+          <a:p>
+            <a:pPr marL="228600" lvl="1">
+              <a:spcBef>
+                <a:spcPts val="1000"/>
+              </a:spcBef>
+            </a:pPr>
+            <a:r>
+              <a:rPr lang="ru-RU" sz="2800" dirty="0"/>
+              <a:t>Задача классификации на 24 </a:t>
+            </a:r>
+            <a:r>
+              <a:rPr lang="ru-RU" sz="2800" dirty="0" smtClean="0"/>
+              <a:t>класса</a:t>
+            </a:r>
+          </a:p>
+          <a:p>
+            <a:r>
+              <a:rPr lang="ru-RU" dirty="0" smtClean="0"/>
+              <a:t>Были </a:t>
+            </a:r>
+            <a:r>
+              <a:rPr lang="ru-RU" dirty="0"/>
+              <a:t>выбраны модели:</a:t>
+            </a:r>
+          </a:p>
+          <a:p>
+            <a:pPr lvl="1"/>
+            <a:r>
+              <a:rPr lang="ru-RU" sz="2800" dirty="0"/>
+              <a:t>Дерево решений (</a:t>
+            </a:r>
+            <a:r>
+              <a:rPr lang="en-US" sz="2800" dirty="0"/>
+              <a:t>Decision Tree)</a:t>
+            </a:r>
+          </a:p>
+          <a:p>
+            <a:pPr lvl="1"/>
+            <a:r>
+              <a:rPr lang="ru-RU" sz="2800" dirty="0"/>
+              <a:t>Метод </a:t>
+            </a:r>
+            <a:r>
+              <a:rPr lang="en-US" sz="2800" dirty="0"/>
+              <a:t>k-</a:t>
+            </a:r>
+            <a:r>
+              <a:rPr lang="ru-RU" sz="2800" dirty="0"/>
+              <a:t>ближайших </a:t>
+            </a:r>
+            <a:r>
+              <a:rPr lang="en-US" sz="2800" dirty="0"/>
+              <a:t>c</a:t>
+            </a:r>
+            <a:r>
+              <a:rPr lang="ru-RU" sz="2800" dirty="0"/>
+              <a:t>о</a:t>
+            </a:r>
+            <a:r>
+              <a:rPr lang="en-US" sz="2800" dirty="0"/>
+              <a:t>c</a:t>
+            </a:r>
+            <a:r>
+              <a:rPr lang="ru-RU" sz="2800" dirty="0" err="1"/>
+              <a:t>едей</a:t>
+            </a:r>
+            <a:r>
+              <a:rPr lang="ru-RU" sz="2800" dirty="0"/>
+              <a:t> (</a:t>
+            </a:r>
+            <a:r>
+              <a:rPr lang="en-US" sz="2800" dirty="0"/>
+              <a:t>KNN)</a:t>
+            </a:r>
+          </a:p>
+          <a:p>
+            <a:pPr lvl="1"/>
+            <a:r>
+              <a:rPr lang="ru-RU" sz="2800" dirty="0"/>
+              <a:t>Гребневая классификация (</a:t>
+            </a:r>
+            <a:r>
+              <a:rPr lang="en-US" sz="2800" dirty="0"/>
+              <a:t>Ridge </a:t>
+            </a:r>
+            <a:r>
+              <a:rPr lang="ru-RU" sz="2800" dirty="0"/>
+              <a:t>с</a:t>
+            </a:r>
+            <a:r>
+              <a:rPr lang="en-US" sz="2800" dirty="0" err="1"/>
+              <a:t>lassifier</a:t>
+            </a:r>
+            <a:r>
+              <a:rPr lang="en-US" sz="2800" dirty="0"/>
+              <a:t>)</a:t>
+            </a:r>
+          </a:p>
+          <a:p>
+            <a:r>
+              <a:rPr lang="ru-RU" dirty="0"/>
+              <a:t>Также был предложен ряд улучшений</a:t>
+            </a:r>
+            <a:r>
+              <a:rPr lang="ru-RU" dirty="0" smtClean="0"/>
+              <a:t>:</a:t>
+            </a:r>
+          </a:p>
+          <a:p>
+            <a:pPr lvl="1"/>
+            <a:r>
+              <a:rPr lang="ru-RU" sz="2800" dirty="0" smtClean="0"/>
+              <a:t>Улучшение </a:t>
+            </a:r>
+            <a:r>
+              <a:rPr lang="ru-RU" sz="2800" dirty="0"/>
+              <a:t>метрики расстояния для </a:t>
+            </a:r>
+            <a:r>
+              <a:rPr lang="en-US" sz="2800" dirty="0"/>
+              <a:t>KNN </a:t>
+            </a:r>
+            <a:r>
+              <a:rPr lang="ru-RU" sz="2800" dirty="0"/>
+              <a:t>на основе аргументов командной строки</a:t>
+            </a:r>
+            <a:endParaRPr lang="en-US" sz="2800" dirty="0"/>
+          </a:p>
+          <a:p>
+            <a:pPr lvl="1"/>
+            <a:r>
+              <a:rPr lang="ru-RU" sz="2800" dirty="0"/>
+              <a:t>Введение дополнительных моделей для часто используемых программ на основе аргументов командной строки</a:t>
+            </a:r>
+          </a:p>
+          <a:p>
+            <a:pPr lvl="1"/>
+            <a:r>
+              <a:rPr lang="ru-RU" sz="2800" dirty="0"/>
+              <a:t>Иерархическая классификация</a:t>
+            </a:r>
+            <a:endParaRPr lang="en-US" sz="2800" dirty="0"/>
+          </a:p>
+          <a:p>
+            <a:pPr lvl="1"/>
+            <a:endParaRPr lang="ru-RU" dirty="0" smtClean="0"/>
+          </a:p>
+          <a:p>
+            <a:pPr lvl="1"/>
+            <a:endParaRPr lang="ru-RU" dirty="0" smtClean="0"/>
+          </a:p>
+          <a:p>
+            <a:pPr lvl="1"/>
+            <a:endParaRPr lang="ru-RU" dirty="0" smtClean="0"/>
+          </a:p>
+        </p:txBody>
+      </p:sp>
+      <p:sp>
+        <p:nvSpPr>
+          <p:cNvPr id="4" name="Номер слайда 3"/>
+          <p:cNvSpPr>
+            <a:spLocks noGrp="1"/>
+          </p:cNvSpPr>
+          <p:nvPr>
+            <p:ph type="sldNum" sz="quarter" idx="12"/>
+          </p:nvPr>
+        </p:nvSpPr>
+        <p:spPr/>
+        <p:txBody>
+          <a:bodyPr/>
+          <a:lstStyle/>
+          <a:p>
+            <a:fld id="{93065021-1A6F-4820-BE00-705D3CC282AC}" type="slidenum">
+              <a:rPr lang="ru-RU" smtClean="0"/>
+              <a:t>18</a:t>
+            </a:fld>
+            <a:endParaRPr lang="ru-RU"/>
+          </a:p>
+        </p:txBody>
+      </p:sp>
+    </p:spTree>
+    <p:extLst>
+      <p:ext uri="{BB962C8B-B14F-4D97-AF65-F5344CB8AC3E}">
+        <p14:creationId xmlns:p14="http://schemas.microsoft.com/office/powerpoint/2010/main" val="3688218435"/>
+      </p:ext>
+    </p:extLst>
+  </p:cSld>
+  <p:clrMapOvr>
+    <a:masterClrMapping/>
+  </p:clrMapOvr>
+  <p:timing>
+    <p:tnLst>
+      <p:par>
+        <p:cTn id="1" dur="indefinite" restart="never" nodeType="tmRoot"/>
+      </p:par>
+    </p:tnLst>
+  </p:timing>
+</p:sld>
+</file>
+
+<file path=ppt/slides/slide19.xml><?xml version="1.0" encoding="utf-8"?>
+<p:sld xmlns:a="http://schemas.openxmlformats.org/drawingml/2006/main" xmlns:r="http://schemas.openxmlformats.org/officeDocument/2006/relationships" xmlns:p="http://schemas.openxmlformats.org/presentationml/2006/main">
+  <p:cSld>
+    <p:spTree>
+      <p:nvGrpSpPr>
+        <p:cNvPr id="1" name=""/>
+        <p:cNvGrpSpPr/>
+        <p:nvPr/>
+      </p:nvGrpSpPr>
+      <p:grpSpPr>
+        <a:xfrm>
+          <a:off x="0" y="0"/>
+          <a:ext cx="0" cy="0"/>
+          <a:chOff x="0" y="0"/>
+          <a:chExt cx="0" cy="0"/>
+        </a:xfrm>
+      </p:grpSpPr>
+      <p:sp>
+        <p:nvSpPr>
+          <p:cNvPr id="2" name="Заголовок 1"/>
+          <p:cNvSpPr>
+            <a:spLocks noGrp="1"/>
+          </p:cNvSpPr>
+          <p:nvPr>
+            <p:ph type="title"/>
+          </p:nvPr>
+        </p:nvSpPr>
+        <p:spPr/>
+        <p:txBody>
+          <a:bodyPr/>
+          <a:lstStyle/>
+          <a:p>
+            <a:r>
+              <a:rPr lang="ru-RU" dirty="0"/>
+              <a:t>Речь</a:t>
+            </a:r>
+            <a:endParaRPr lang="ru-RU" dirty="0"/>
+          </a:p>
+        </p:txBody>
+      </p:sp>
+      <p:sp>
+        <p:nvSpPr>
+          <p:cNvPr id="3" name="Объект 2"/>
+          <p:cNvSpPr>
+            <a:spLocks noGrp="1"/>
+          </p:cNvSpPr>
+          <p:nvPr>
+            <p:ph idx="1"/>
+          </p:nvPr>
+        </p:nvSpPr>
+        <p:spPr/>
+        <p:txBody>
+          <a:bodyPr>
+            <a:normAutofit fontScale="92500" lnSpcReduction="20000"/>
+          </a:bodyPr>
+          <a:lstStyle/>
+          <a:p>
+            <a:r>
+              <a:rPr lang="ru-RU" dirty="0"/>
+              <a:t>Исследуемая задача представляется как задача классификации на 24 класса, по количеству часов работы</a:t>
+            </a:r>
+          </a:p>
+          <a:p>
+            <a:r>
+              <a:rPr lang="ru-RU" dirty="0"/>
+              <a:t>Для предсказания было выбрано несколько моделей, наиболее часто упоминаемых в работах, посвященных данной проблеме:</a:t>
+            </a:r>
+          </a:p>
+          <a:p>
+            <a:pPr lvl="1"/>
+            <a:r>
+              <a:rPr lang="ru-RU" dirty="0"/>
+              <a:t>Дерево решений</a:t>
+            </a:r>
+            <a:r>
+              <a:rPr lang="en-US" dirty="0"/>
+              <a:t> (Decision Tree)</a:t>
+            </a:r>
+            <a:endParaRPr lang="ru-RU" dirty="0"/>
+          </a:p>
+          <a:p>
+            <a:pPr lvl="1"/>
+            <a:r>
+              <a:rPr lang="ru-RU" dirty="0"/>
+              <a:t>Метод </a:t>
+            </a:r>
+            <a:r>
+              <a:rPr lang="en-US" dirty="0"/>
+              <a:t>k-</a:t>
+            </a:r>
+            <a:r>
+              <a:rPr lang="ru-RU" dirty="0"/>
+              <a:t>ближайших </a:t>
+            </a:r>
+            <a:r>
+              <a:rPr lang="en-US" dirty="0"/>
+              <a:t>c</a:t>
+            </a:r>
+            <a:r>
+              <a:rPr lang="ru-RU" dirty="0"/>
+              <a:t>о</a:t>
+            </a:r>
+            <a:r>
+              <a:rPr lang="en-US" dirty="0"/>
+              <a:t>c</a:t>
+            </a:r>
+            <a:r>
+              <a:rPr lang="ru-RU" dirty="0" err="1"/>
+              <a:t>едей</a:t>
+            </a:r>
+            <a:r>
+              <a:rPr lang="en-US" dirty="0"/>
+              <a:t> (KNN)</a:t>
+            </a:r>
+            <a:endParaRPr lang="ru-RU" dirty="0"/>
+          </a:p>
+          <a:p>
+            <a:pPr lvl="1"/>
+            <a:r>
+              <a:rPr lang="ru-RU" dirty="0"/>
+              <a:t>Гребневая классификация</a:t>
+            </a:r>
+            <a:r>
+              <a:rPr lang="en-US" dirty="0"/>
+              <a:t> (Ridge </a:t>
+            </a:r>
+            <a:r>
+              <a:rPr lang="ru-RU" dirty="0"/>
+              <a:t>с</a:t>
+            </a:r>
+            <a:r>
+              <a:rPr lang="en-US" dirty="0" err="1"/>
+              <a:t>lassifier</a:t>
+            </a:r>
+            <a:r>
+              <a:rPr lang="en-US" dirty="0"/>
+              <a:t>)</a:t>
+            </a:r>
+          </a:p>
+          <a:p>
+            <a:r>
+              <a:rPr lang="ru-RU" dirty="0"/>
+              <a:t>Также был предложен ряд улучшений:</a:t>
+            </a:r>
+          </a:p>
+          <a:p>
+            <a:pPr lvl="1"/>
+            <a:r>
+              <a:rPr lang="ru-RU" dirty="0"/>
+              <a:t>Улучшение метрики расстояния для </a:t>
+            </a:r>
+            <a:r>
+              <a:rPr lang="en-US" dirty="0"/>
+              <a:t>KNN </a:t>
+            </a:r>
+            <a:r>
+              <a:rPr lang="ru-RU" dirty="0"/>
+              <a:t>на основе аргументов командной строки</a:t>
+            </a:r>
+            <a:endParaRPr lang="en-US" dirty="0"/>
+          </a:p>
+          <a:p>
+            <a:pPr lvl="1"/>
+            <a:r>
+              <a:rPr lang="ru-RU" dirty="0"/>
+              <a:t>Введение дополнительных моделей для часто используемых программ на основе аргументов командной строки</a:t>
+            </a:r>
+          </a:p>
+          <a:p>
+            <a:pPr lvl="1"/>
+            <a:r>
+              <a:rPr lang="ru-RU" dirty="0"/>
+              <a:t>Иерархическая классификация</a:t>
+            </a:r>
+            <a:endParaRPr lang="en-US" dirty="0"/>
+          </a:p>
+          <a:p>
+            <a:endParaRPr lang="ru-RU" dirty="0"/>
+          </a:p>
+        </p:txBody>
+      </p:sp>
+      <p:sp>
+        <p:nvSpPr>
+          <p:cNvPr id="4" name="Номер слайда 3"/>
+          <p:cNvSpPr>
+            <a:spLocks noGrp="1"/>
+          </p:cNvSpPr>
+          <p:nvPr>
+            <p:ph type="sldNum" sz="quarter" idx="12"/>
+          </p:nvPr>
+        </p:nvSpPr>
+        <p:spPr/>
+        <p:txBody>
+          <a:bodyPr/>
+          <a:lstStyle/>
+          <a:p>
+            <a:fld id="{93065021-1A6F-4820-BE00-705D3CC282AC}" type="slidenum">
+              <a:rPr lang="ru-RU" smtClean="0"/>
+              <a:t>19</a:t>
+            </a:fld>
+            <a:endParaRPr lang="ru-RU"/>
+          </a:p>
+        </p:txBody>
+      </p:sp>
+    </p:spTree>
+    <p:extLst>
+      <p:ext uri="{BB962C8B-B14F-4D97-AF65-F5344CB8AC3E}">
+        <p14:creationId xmlns:p14="http://schemas.microsoft.com/office/powerpoint/2010/main" val="3317315457"/>
       </p:ext>
     </p:extLst>
   </p:cSld>
@@ -3658,62 +5677,43 @@
         </p:spPr>
         <p:txBody>
           <a:bodyPr>
-            <a:normAutofit fontScale="92500" lnSpcReduction="20000"/>
+            <a:normAutofit/>
           </a:bodyPr>
           <a:lstStyle/>
           <a:p>
-            <a:pPr marL="0" indent="0">
-              <a:buNone/>
-            </a:pPr>
-            <a:r>
-              <a:rPr lang="ru-RU" dirty="0"/>
-              <a:t>Статистика работы суперкомпьютерных систем </a:t>
-            </a:r>
             <a:r>
               <a:rPr lang="ru-RU" dirty="0" smtClean="0"/>
-              <a:t>показывает</a:t>
-            </a:r>
-            <a:r>
-              <a:rPr lang="ru-RU" dirty="0"/>
-              <a:t>, что фактическое время выполнения большинства заданий существенно расходится со временем, запрошенным </a:t>
+              <a:t>Время выполнения </a:t>
+            </a:r>
+            <a:r>
+              <a:rPr lang="ru-RU" dirty="0"/>
+              <a:t>большинства </a:t>
             </a:r>
             <a:r>
               <a:rPr lang="ru-RU" dirty="0" smtClean="0"/>
-              <a:t>пользователем. </a:t>
-            </a:r>
-          </a:p>
-          <a:p>
-            <a:pPr marL="0" indent="0">
-              <a:buNone/>
-            </a:pPr>
+              <a:t>заданий отличается от времени, запрошенного пользователем. </a:t>
+            </a:r>
+          </a:p>
+          <a:p>
             <a:r>
               <a:rPr lang="ru-RU" dirty="0" smtClean="0"/>
               <a:t>Это </a:t>
             </a:r>
             <a:r>
               <a:rPr lang="ru-RU" dirty="0"/>
-              <a:t>снижает эффективность планирования заданий, поскольку неточная оценка времени выполнения приводит к неоптимальному расписанию запусков </a:t>
+              <a:t>снижает эффективность </a:t>
             </a:r>
             <a:r>
               <a:rPr lang="ru-RU" dirty="0" smtClean="0"/>
-              <a:t>заданий. </a:t>
-            </a:r>
-          </a:p>
-          <a:p>
-            <a:pPr marL="0" indent="0">
-              <a:buNone/>
-            </a:pPr>
-            <a:r>
-              <a:rPr lang="ru-RU" dirty="0" smtClean="0"/>
-              <a:t>На рисунках представлена статистика запусков за 2021 год на одном из кластеров МСЦ РАН.</a:t>
-            </a:r>
-            <a:endParaRPr lang="ru-RU" dirty="0"/>
+              <a:t>работы планировщика заданий.</a:t>
+            </a:r>
+            <a:endParaRPr lang="ru-RU" dirty="0" smtClean="0"/>
           </a:p>
         </p:txBody>
       </p:sp>
       <p:pic>
         <p:nvPicPr>
-          <p:cNvPr id="4" name="Рисунок 3"/>
+          <p:cNvPr id="5" name="Рисунок 4"/>
           <p:cNvPicPr>
             <a:picLocks noChangeAspect="1"/>
           </p:cNvPicPr>
@@ -3733,8 +5733,1085 @@
         </p:blipFill>
         <p:spPr>
           <a:xfrm>
-            <a:off x="6379021" y="0"/>
-            <a:ext cx="5504987" cy="3405051"/>
+            <a:off x="6035041" y="1525224"/>
+            <a:ext cx="6187554" cy="3944699"/>
+          </a:xfrm>
+          <a:prstGeom prst="rect">
+            <a:avLst/>
+          </a:prstGeom>
+        </p:spPr>
+      </p:pic>
+      <p:sp>
+        <p:nvSpPr>
+          <p:cNvPr id="4" name="TextBox 3"/>
+          <p:cNvSpPr txBox="1"/>
+          <p:nvPr/>
+        </p:nvSpPr>
+        <p:spPr>
+          <a:xfrm>
+            <a:off x="6096000" y="1217446"/>
+            <a:ext cx="5890843" cy="615553"/>
+          </a:xfrm>
+          <a:prstGeom prst="rect">
+            <a:avLst/>
+          </a:prstGeom>
+          <a:noFill/>
+        </p:spPr>
+        <p:txBody>
+          <a:bodyPr wrap="none" rtlCol="0">
+            <a:spAutoFit/>
+          </a:bodyPr>
+          <a:lstStyle/>
+          <a:p>
+            <a:r>
+              <a:rPr lang="ru-RU" sz="1600" dirty="0"/>
+              <a:t>статистика запусков за 2021 год на одном из кластеров МСЦ РАН.</a:t>
+            </a:r>
+          </a:p>
+          <a:p>
+            <a:endParaRPr lang="ru-RU" dirty="0"/>
+          </a:p>
+        </p:txBody>
+      </p:sp>
+      <p:sp>
+        <p:nvSpPr>
+          <p:cNvPr id="6" name="Номер слайда 5"/>
+          <p:cNvSpPr>
+            <a:spLocks noGrp="1"/>
+          </p:cNvSpPr>
+          <p:nvPr>
+            <p:ph type="sldNum" sz="quarter" idx="12"/>
+          </p:nvPr>
+        </p:nvSpPr>
+        <p:spPr/>
+        <p:txBody>
+          <a:bodyPr/>
+          <a:lstStyle/>
+          <a:p>
+            <a:fld id="{93065021-1A6F-4820-BE00-705D3CC282AC}" type="slidenum">
+              <a:rPr lang="ru-RU" smtClean="0"/>
+              <a:t>2</a:t>
+            </a:fld>
+            <a:endParaRPr lang="ru-RU" dirty="0"/>
+          </a:p>
+        </p:txBody>
+      </p:sp>
+    </p:spTree>
+    <p:extLst>
+      <p:ext uri="{BB962C8B-B14F-4D97-AF65-F5344CB8AC3E}">
+        <p14:creationId xmlns:p14="http://schemas.microsoft.com/office/powerpoint/2010/main" val="588931202"/>
+      </p:ext>
+    </p:extLst>
+  </p:cSld>
+  <p:clrMapOvr>
+    <a:masterClrMapping/>
+  </p:clrMapOvr>
+  <p:timing>
+    <p:tnLst>
+      <p:par>
+        <p:cTn id="1" dur="indefinite" restart="never" nodeType="tmRoot"/>
+      </p:par>
+    </p:tnLst>
+  </p:timing>
+</p:sld>
+</file>
+
+<file path=ppt/slides/slide20.xml><?xml version="1.0" encoding="utf-8"?>
+<p:sld xmlns:a="http://schemas.openxmlformats.org/drawingml/2006/main" xmlns:r="http://schemas.openxmlformats.org/officeDocument/2006/relationships" xmlns:p="http://schemas.openxmlformats.org/presentationml/2006/main">
+  <p:cSld>
+    <p:spTree>
+      <p:nvGrpSpPr>
+        <p:cNvPr id="1" name=""/>
+        <p:cNvGrpSpPr/>
+        <p:nvPr/>
+      </p:nvGrpSpPr>
+      <p:grpSpPr>
+        <a:xfrm>
+          <a:off x="0" y="0"/>
+          <a:ext cx="0" cy="0"/>
+          <a:chOff x="0" y="0"/>
+          <a:chExt cx="0" cy="0"/>
+        </a:xfrm>
+      </p:grpSpPr>
+      <p:sp>
+        <p:nvSpPr>
+          <p:cNvPr id="2" name="Заголовок 1"/>
+          <p:cNvSpPr>
+            <a:spLocks noGrp="1"/>
+          </p:cNvSpPr>
+          <p:nvPr>
+            <p:ph type="title"/>
+          </p:nvPr>
+        </p:nvSpPr>
+        <p:spPr/>
+        <p:txBody>
+          <a:bodyPr/>
+          <a:lstStyle/>
+          <a:p>
+            <a:r>
+              <a:rPr lang="ru-RU" dirty="0"/>
+              <a:t>Улучшение метрики расстояния для </a:t>
+            </a:r>
+            <a:r>
+              <a:rPr lang="en-US" dirty="0"/>
+              <a:t>KNN</a:t>
+            </a:r>
+            <a:endParaRPr lang="ru-RU" dirty="0"/>
+          </a:p>
+        </p:txBody>
+      </p:sp>
+      <p:sp>
+        <p:nvSpPr>
+          <p:cNvPr id="3" name="Объект 2"/>
+          <p:cNvSpPr>
+            <a:spLocks noGrp="1"/>
+          </p:cNvSpPr>
+          <p:nvPr>
+            <p:ph idx="1"/>
+          </p:nvPr>
+        </p:nvSpPr>
+        <p:spPr/>
+        <p:txBody>
+          <a:bodyPr>
+            <a:normAutofit/>
+          </a:bodyPr>
+          <a:lstStyle/>
+          <a:p>
+            <a:r>
+              <a:rPr lang="ru-RU" dirty="0" smtClean="0"/>
+              <a:t>За основу было взято расстояние </a:t>
+            </a:r>
+            <a:r>
+              <a:rPr lang="ru-RU" dirty="0" err="1" smtClean="0"/>
+              <a:t>Минковского</a:t>
+            </a:r>
+            <a:r>
+              <a:rPr lang="en-US" dirty="0" smtClean="0"/>
+              <a:t>, </a:t>
+            </a:r>
+            <a:r>
+              <a:rPr lang="en-US" dirty="0" smtClean="0"/>
+              <a:t>p=2</a:t>
+            </a:r>
+          </a:p>
+          <a:p>
+            <a:pPr marL="0" indent="0">
+              <a:buNone/>
+            </a:pPr>
+            <a:endParaRPr lang="ru-RU" dirty="0"/>
+          </a:p>
+          <a:p>
+            <a:endParaRPr lang="ru-RU" dirty="0" smtClean="0"/>
+          </a:p>
+          <a:p>
+            <a:endParaRPr lang="ru-RU" dirty="0"/>
+          </a:p>
+          <a:p>
+            <a:endParaRPr lang="ru-RU" dirty="0"/>
+          </a:p>
+        </p:txBody>
+      </p:sp>
+      <p:sp>
+        <p:nvSpPr>
+          <p:cNvPr id="4" name="AutoShape 2" descr="{\displaystyle \rho (x,y)=\left(\sum _{i=1}^{n}|x_{i}-y_{i}|^{p}\right)^{1/p}}"/>
+          <p:cNvSpPr>
+            <a:spLocks noChangeAspect="1" noChangeArrowheads="1"/>
+          </p:cNvSpPr>
+          <p:nvPr/>
+        </p:nvSpPr>
+        <p:spPr bwMode="auto">
+          <a:xfrm>
+            <a:off x="155575" y="-144463"/>
+            <a:ext cx="304800" cy="304801"/>
+          </a:xfrm>
+          <a:prstGeom prst="rect">
+            <a:avLst/>
+          </a:prstGeom>
+          <a:noFill/>
+          <a:extLst>
+            <a:ext uri="{909E8E84-426E-40DD-AFC4-6F175D3DCCD1}">
+              <a14:hiddenFill xmlns:a14="http://schemas.microsoft.com/office/drawing/2010/main">
+                <a:solidFill>
+                  <a:srgbClr val="FFFFFF"/>
+                </a:solidFill>
+              </a14:hiddenFill>
+            </a:ext>
+          </a:extLst>
+        </p:spPr>
+        <p:txBody>
+          <a:bodyPr vert="horz" wrap="square" lIns="91440" tIns="45720" rIns="91440" bIns="45720" numCol="1" anchor="t" anchorCtr="0" compatLnSpc="1">
+            <a:prstTxWarp prst="textNoShape">
+              <a:avLst/>
+            </a:prstTxWarp>
+          </a:bodyPr>
+          <a:lstStyle/>
+          <a:p>
+            <a:endParaRPr lang="ru-RU"/>
+          </a:p>
+        </p:txBody>
+      </p:sp>
+      <p:sp>
+        <p:nvSpPr>
+          <p:cNvPr id="5" name="AutoShape 4" descr="{\displaystyle \rho (x,y)=\left(\sum _{i=1}^{n}|x_{i}-y_{i}|^{p}\right)^{1/p}}"/>
+          <p:cNvSpPr>
+            <a:spLocks noChangeAspect="1" noChangeArrowheads="1"/>
+          </p:cNvSpPr>
+          <p:nvPr/>
+        </p:nvSpPr>
+        <p:spPr bwMode="auto">
+          <a:xfrm>
+            <a:off x="307975" y="7937"/>
+            <a:ext cx="304800" cy="304801"/>
+          </a:xfrm>
+          <a:prstGeom prst="rect">
+            <a:avLst/>
+          </a:prstGeom>
+          <a:noFill/>
+          <a:extLst>
+            <a:ext uri="{909E8E84-426E-40DD-AFC4-6F175D3DCCD1}">
+              <a14:hiddenFill xmlns:a14="http://schemas.microsoft.com/office/drawing/2010/main">
+                <a:solidFill>
+                  <a:srgbClr val="FFFFFF"/>
+                </a:solidFill>
+              </a14:hiddenFill>
+            </a:ext>
+          </a:extLst>
+        </p:spPr>
+        <p:txBody>
+          <a:bodyPr vert="horz" wrap="square" lIns="91440" tIns="45720" rIns="91440" bIns="45720" numCol="1" anchor="t" anchorCtr="0" compatLnSpc="1">
+            <a:prstTxWarp prst="textNoShape">
+              <a:avLst/>
+            </a:prstTxWarp>
+          </a:bodyPr>
+          <a:lstStyle/>
+          <a:p>
+            <a:endParaRPr lang="ru-RU"/>
+          </a:p>
+        </p:txBody>
+      </p:sp>
+      <p:sp>
+        <p:nvSpPr>
+          <p:cNvPr id="6" name="Номер слайда 5"/>
+          <p:cNvSpPr>
+            <a:spLocks noGrp="1"/>
+          </p:cNvSpPr>
+          <p:nvPr>
+            <p:ph type="sldNum" sz="quarter" idx="12"/>
+          </p:nvPr>
+        </p:nvSpPr>
+        <p:spPr/>
+        <p:txBody>
+          <a:bodyPr/>
+          <a:lstStyle/>
+          <a:p>
+            <a:fld id="{93065021-1A6F-4820-BE00-705D3CC282AC}" type="slidenum">
+              <a:rPr lang="ru-RU" smtClean="0"/>
+              <a:t>20</a:t>
+            </a:fld>
+            <a:endParaRPr lang="ru-RU"/>
+          </a:p>
+        </p:txBody>
+      </p:sp>
+      <p:pic>
+        <p:nvPicPr>
+          <p:cNvPr id="11" name="Рисунок 10"/>
+          <p:cNvPicPr>
+            <a:picLocks noChangeAspect="1"/>
+          </p:cNvPicPr>
+          <p:nvPr/>
+        </p:nvPicPr>
+        <p:blipFill>
+          <a:blip r:embed="rId2"/>
+          <a:stretch>
+            <a:fillRect/>
+          </a:stretch>
+        </p:blipFill>
+        <p:spPr>
+          <a:xfrm>
+            <a:off x="1343024" y="4503500"/>
+            <a:ext cx="8201025" cy="990600"/>
+          </a:xfrm>
+          <a:prstGeom prst="rect">
+            <a:avLst/>
+          </a:prstGeom>
+        </p:spPr>
+      </p:pic>
+      <p:cxnSp>
+        <p:nvCxnSpPr>
+          <p:cNvPr id="13" name="Прямая со стрелкой 12"/>
+          <p:cNvCxnSpPr/>
+          <p:nvPr/>
+        </p:nvCxnSpPr>
+        <p:spPr>
+          <a:xfrm>
+            <a:off x="3343274" y="4001651"/>
+            <a:ext cx="0" cy="448429"/>
+          </a:xfrm>
+          <a:prstGeom prst="straightConnector1">
+            <a:avLst/>
+          </a:prstGeom>
+          <a:ln w="38100">
+            <a:solidFill>
+              <a:schemeClr val="tx1"/>
+            </a:solidFill>
+            <a:tailEnd type="triangle"/>
+          </a:ln>
+        </p:spPr>
+        <p:style>
+          <a:lnRef idx="1">
+            <a:schemeClr val="accent1"/>
+          </a:lnRef>
+          <a:fillRef idx="0">
+            <a:schemeClr val="accent1"/>
+          </a:fillRef>
+          <a:effectRef idx="0">
+            <a:schemeClr val="accent1"/>
+          </a:effectRef>
+          <a:fontRef idx="minor">
+            <a:schemeClr val="tx1"/>
+          </a:fontRef>
+        </p:style>
+      </p:cxnSp>
+      <p:sp>
+        <p:nvSpPr>
+          <p:cNvPr id="14" name="TextBox 13"/>
+          <p:cNvSpPr txBox="1"/>
+          <p:nvPr/>
+        </p:nvSpPr>
+        <p:spPr>
+          <a:xfrm>
+            <a:off x="3444240" y="4017605"/>
+            <a:ext cx="8159478" cy="369332"/>
+          </a:xfrm>
+          <a:prstGeom prst="rect">
+            <a:avLst/>
+          </a:prstGeom>
+          <a:noFill/>
+        </p:spPr>
+        <p:txBody>
+          <a:bodyPr wrap="none" rtlCol="0">
+            <a:spAutoFit/>
+          </a:bodyPr>
+          <a:lstStyle/>
+          <a:p>
+            <a:r>
+              <a:rPr lang="ru-RU" dirty="0" smtClean="0"/>
+              <a:t>Нормировка, разбиение на аргументы, присваивание уникальных </a:t>
+            </a:r>
+            <a:r>
+              <a:rPr lang="en-US" dirty="0" smtClean="0"/>
+              <a:t>id </a:t>
+            </a:r>
+            <a:r>
+              <a:rPr lang="ru-RU" dirty="0" smtClean="0"/>
+              <a:t>аргументам</a:t>
+            </a:r>
+            <a:endParaRPr lang="ru-RU" dirty="0"/>
+          </a:p>
+        </p:txBody>
+      </p:sp>
+      <p:pic>
+        <p:nvPicPr>
+          <p:cNvPr id="18" name="Рисунок 17"/>
+          <p:cNvPicPr>
+            <a:picLocks noChangeAspect="1"/>
+          </p:cNvPicPr>
+          <p:nvPr/>
+        </p:nvPicPr>
+        <p:blipFill>
+          <a:blip r:embed="rId3"/>
+          <a:stretch>
+            <a:fillRect/>
+          </a:stretch>
+        </p:blipFill>
+        <p:spPr>
+          <a:xfrm>
+            <a:off x="1343024" y="3087212"/>
+            <a:ext cx="8305800" cy="733425"/>
+          </a:xfrm>
+          <a:prstGeom prst="rect">
+            <a:avLst/>
+          </a:prstGeom>
+        </p:spPr>
+      </p:pic>
+      <p:pic>
+        <p:nvPicPr>
+          <p:cNvPr id="19" name="Рисунок 18"/>
+          <p:cNvPicPr>
+            <a:picLocks noChangeAspect="1"/>
+          </p:cNvPicPr>
+          <p:nvPr/>
+        </p:nvPicPr>
+        <p:blipFill>
+          <a:blip r:embed="rId4"/>
+          <a:stretch>
+            <a:fillRect/>
+          </a:stretch>
+        </p:blipFill>
+        <p:spPr>
+          <a:xfrm>
+            <a:off x="4097337" y="2260560"/>
+            <a:ext cx="3286125" cy="800100"/>
+          </a:xfrm>
+          <a:prstGeom prst="rect">
+            <a:avLst/>
+          </a:prstGeom>
+        </p:spPr>
+      </p:pic>
+      <p:pic>
+        <p:nvPicPr>
+          <p:cNvPr id="20" name="Рисунок 19"/>
+          <p:cNvPicPr>
+            <a:picLocks noChangeAspect="1"/>
+          </p:cNvPicPr>
+          <p:nvPr/>
+        </p:nvPicPr>
+        <p:blipFill>
+          <a:blip r:embed="rId5"/>
+          <a:stretch>
+            <a:fillRect/>
+          </a:stretch>
+        </p:blipFill>
+        <p:spPr>
+          <a:xfrm>
+            <a:off x="2306636" y="5816600"/>
+            <a:ext cx="6867525" cy="904875"/>
+          </a:xfrm>
+          <a:prstGeom prst="rect">
+            <a:avLst/>
+          </a:prstGeom>
+        </p:spPr>
+      </p:pic>
+      <p:cxnSp>
+        <p:nvCxnSpPr>
+          <p:cNvPr id="21" name="Прямая со стрелкой 20"/>
+          <p:cNvCxnSpPr/>
+          <p:nvPr/>
+        </p:nvCxnSpPr>
+        <p:spPr>
+          <a:xfrm>
+            <a:off x="3343274" y="5592385"/>
+            <a:ext cx="0" cy="448429"/>
+          </a:xfrm>
+          <a:prstGeom prst="straightConnector1">
+            <a:avLst/>
+          </a:prstGeom>
+          <a:ln w="38100">
+            <a:solidFill>
+              <a:schemeClr val="tx1"/>
+            </a:solidFill>
+            <a:tailEnd type="triangle"/>
+          </a:ln>
+        </p:spPr>
+        <p:style>
+          <a:lnRef idx="1">
+            <a:schemeClr val="accent1"/>
+          </a:lnRef>
+          <a:fillRef idx="0">
+            <a:schemeClr val="accent1"/>
+          </a:fillRef>
+          <a:effectRef idx="0">
+            <a:schemeClr val="accent1"/>
+          </a:effectRef>
+          <a:fontRef idx="minor">
+            <a:schemeClr val="tx1"/>
+          </a:fontRef>
+        </p:style>
+      </p:cxnSp>
+    </p:spTree>
+    <p:extLst>
+      <p:ext uri="{BB962C8B-B14F-4D97-AF65-F5344CB8AC3E}">
+        <p14:creationId xmlns:p14="http://schemas.microsoft.com/office/powerpoint/2010/main" val="2746517368"/>
+      </p:ext>
+    </p:extLst>
+  </p:cSld>
+  <p:clrMapOvr>
+    <a:masterClrMapping/>
+  </p:clrMapOvr>
+  <p:timing>
+    <p:tnLst>
+      <p:par>
+        <p:cTn id="1" dur="indefinite" restart="never" nodeType="tmRoot"/>
+      </p:par>
+    </p:tnLst>
+  </p:timing>
+</p:sld>
+</file>
+
+<file path=ppt/slides/slide21.xml><?xml version="1.0" encoding="utf-8"?>
+<p:sld xmlns:a="http://schemas.openxmlformats.org/drawingml/2006/main" xmlns:r="http://schemas.openxmlformats.org/officeDocument/2006/relationships" xmlns:p="http://schemas.openxmlformats.org/presentationml/2006/main">
+  <p:cSld>
+    <p:spTree>
+      <p:nvGrpSpPr>
+        <p:cNvPr id="1" name=""/>
+        <p:cNvGrpSpPr/>
+        <p:nvPr/>
+      </p:nvGrpSpPr>
+      <p:grpSpPr>
+        <a:xfrm>
+          <a:off x="0" y="0"/>
+          <a:ext cx="0" cy="0"/>
+          <a:chOff x="0" y="0"/>
+          <a:chExt cx="0" cy="0"/>
+        </a:xfrm>
+      </p:grpSpPr>
+      <p:sp>
+        <p:nvSpPr>
+          <p:cNvPr id="2" name="Заголовок 1"/>
+          <p:cNvSpPr>
+            <a:spLocks noGrp="1"/>
+          </p:cNvSpPr>
+          <p:nvPr>
+            <p:ph type="title"/>
+          </p:nvPr>
+        </p:nvSpPr>
+        <p:spPr/>
+        <p:txBody>
+          <a:bodyPr/>
+          <a:lstStyle/>
+          <a:p>
+            <a:r>
+              <a:rPr lang="ru-RU" dirty="0"/>
+              <a:t>Речь</a:t>
+            </a:r>
+            <a:endParaRPr lang="ru-RU" dirty="0"/>
+          </a:p>
+        </p:txBody>
+      </p:sp>
+      <p:sp>
+        <p:nvSpPr>
+          <p:cNvPr id="3" name="Объект 2"/>
+          <p:cNvSpPr>
+            <a:spLocks noGrp="1"/>
+          </p:cNvSpPr>
+          <p:nvPr>
+            <p:ph idx="1"/>
+          </p:nvPr>
+        </p:nvSpPr>
+        <p:spPr/>
+        <p:txBody>
+          <a:bodyPr/>
+          <a:lstStyle/>
+          <a:p>
+            <a:r>
+              <a:rPr lang="ru-RU" dirty="0"/>
+              <a:t>В сумму было добавлено слагаемое, соответствующее количеству различающихся аргументов командной </a:t>
+            </a:r>
+            <a:r>
+              <a:rPr lang="ru-RU" dirty="0" smtClean="0"/>
+              <a:t>строки</a:t>
+            </a:r>
+            <a:endParaRPr lang="en-US" dirty="0" smtClean="0"/>
+          </a:p>
+          <a:p>
+            <a:r>
+              <a:rPr lang="ru-RU" dirty="0" smtClean="0"/>
+              <a:t>Если каждая запись о запуске программы содержит в себе множество аргументов, то слагаемое равно размеру симметричной разности </a:t>
+            </a:r>
+            <a:r>
+              <a:rPr lang="ru-RU" smtClean="0"/>
+              <a:t>этих множеств</a:t>
+            </a:r>
+            <a:endParaRPr lang="ru-RU" dirty="0"/>
+          </a:p>
+          <a:p>
+            <a:r>
+              <a:rPr lang="ru-RU" dirty="0"/>
+              <a:t>Т.к. различие аргументов командной строки не имеет смысла для разных задач, слагаемое </a:t>
+            </a:r>
+            <a:r>
+              <a:rPr lang="ru-RU" dirty="0" err="1"/>
+              <a:t>домножено</a:t>
+            </a:r>
+            <a:r>
+              <a:rPr lang="ru-RU" dirty="0"/>
+              <a:t> на коэффициент, благодаря которому оно имеет значимость только при прочих равных слагаемых</a:t>
+            </a:r>
+          </a:p>
+          <a:p>
+            <a:endParaRPr lang="ru-RU" dirty="0"/>
+          </a:p>
+        </p:txBody>
+      </p:sp>
+      <p:sp>
+        <p:nvSpPr>
+          <p:cNvPr id="4" name="Номер слайда 3"/>
+          <p:cNvSpPr>
+            <a:spLocks noGrp="1"/>
+          </p:cNvSpPr>
+          <p:nvPr>
+            <p:ph type="sldNum" sz="quarter" idx="12"/>
+          </p:nvPr>
+        </p:nvSpPr>
+        <p:spPr/>
+        <p:txBody>
+          <a:bodyPr/>
+          <a:lstStyle/>
+          <a:p>
+            <a:fld id="{93065021-1A6F-4820-BE00-705D3CC282AC}" type="slidenum">
+              <a:rPr lang="ru-RU" smtClean="0"/>
+              <a:t>21</a:t>
+            </a:fld>
+            <a:endParaRPr lang="ru-RU"/>
+          </a:p>
+        </p:txBody>
+      </p:sp>
+    </p:spTree>
+    <p:extLst>
+      <p:ext uri="{BB962C8B-B14F-4D97-AF65-F5344CB8AC3E}">
+        <p14:creationId xmlns:p14="http://schemas.microsoft.com/office/powerpoint/2010/main" val="623031250"/>
+      </p:ext>
+    </p:extLst>
+  </p:cSld>
+  <p:clrMapOvr>
+    <a:masterClrMapping/>
+  </p:clrMapOvr>
+  <p:timing>
+    <p:tnLst>
+      <p:par>
+        <p:cTn id="1" dur="indefinite" restart="never" nodeType="tmRoot"/>
+      </p:par>
+    </p:tnLst>
+  </p:timing>
+</p:sld>
+</file>
+
+<file path=ppt/slides/slide22.xml><?xml version="1.0" encoding="utf-8"?>
+<p:sld xmlns:a="http://schemas.openxmlformats.org/drawingml/2006/main" xmlns:r="http://schemas.openxmlformats.org/officeDocument/2006/relationships" xmlns:p="http://schemas.openxmlformats.org/presentationml/2006/main">
+  <p:cSld>
+    <p:spTree>
+      <p:nvGrpSpPr>
+        <p:cNvPr id="1" name=""/>
+        <p:cNvGrpSpPr/>
+        <p:nvPr/>
+      </p:nvGrpSpPr>
+      <p:grpSpPr>
+        <a:xfrm>
+          <a:off x="0" y="0"/>
+          <a:ext cx="0" cy="0"/>
+          <a:chOff x="0" y="0"/>
+          <a:chExt cx="0" cy="0"/>
+        </a:xfrm>
+      </p:grpSpPr>
+      <p:sp>
+        <p:nvSpPr>
+          <p:cNvPr id="2" name="Заголовок 1"/>
+          <p:cNvSpPr>
+            <a:spLocks noGrp="1"/>
+          </p:cNvSpPr>
+          <p:nvPr>
+            <p:ph type="title"/>
+          </p:nvPr>
+        </p:nvSpPr>
+        <p:spPr>
+          <a:xfrm>
+            <a:off x="838200" y="365125"/>
+            <a:ext cx="8143240" cy="1325563"/>
+          </a:xfrm>
+        </p:spPr>
+        <p:txBody>
+          <a:bodyPr>
+            <a:noAutofit/>
+          </a:bodyPr>
+          <a:lstStyle/>
+          <a:p>
+            <a:pPr lvl="1" algn="l" rtl="0">
+              <a:lnSpc>
+                <a:spcPct val="90000"/>
+              </a:lnSpc>
+              <a:spcBef>
+                <a:spcPct val="0"/>
+              </a:spcBef>
+            </a:pPr>
+            <a:r>
+              <a:rPr lang="ru-RU" sz="3600" dirty="0" smtClean="0">
+                <a:latin typeface="+mj-lt"/>
+              </a:rPr>
+              <a:t>Введение дополнительных моделей для часто используемых программ на основе аргументов командной строки</a:t>
+            </a:r>
+          </a:p>
+        </p:txBody>
+      </p:sp>
+      <p:sp>
+        <p:nvSpPr>
+          <p:cNvPr id="3" name="Объект 2"/>
+          <p:cNvSpPr>
+            <a:spLocks noGrp="1"/>
+          </p:cNvSpPr>
+          <p:nvPr>
+            <p:ph idx="1"/>
+          </p:nvPr>
+        </p:nvSpPr>
+        <p:spPr>
+          <a:xfrm>
+            <a:off x="838200" y="2153919"/>
+            <a:ext cx="6172200" cy="4023043"/>
+          </a:xfrm>
+        </p:spPr>
+        <p:txBody>
+          <a:bodyPr/>
+          <a:lstStyle/>
+          <a:p>
+            <a:r>
+              <a:rPr lang="ru-RU" dirty="0" smtClean="0"/>
+              <a:t>Введение отдельных моделей </a:t>
+            </a:r>
+            <a:r>
+              <a:rPr lang="ru-RU" dirty="0"/>
+              <a:t>для наиболее частых </a:t>
+            </a:r>
+            <a:r>
+              <a:rPr lang="ru-RU" dirty="0" smtClean="0"/>
+              <a:t>программ</a:t>
+            </a:r>
+          </a:p>
+          <a:p>
+            <a:r>
+              <a:rPr lang="ru-RU" dirty="0" smtClean="0"/>
+              <a:t>Повышение точности прогноза путем глубокого анализа аргументов</a:t>
+            </a:r>
+            <a:endParaRPr lang="ru-RU" dirty="0"/>
+          </a:p>
+        </p:txBody>
+      </p:sp>
+      <p:pic>
+        <p:nvPicPr>
+          <p:cNvPr id="5" name="Рисунок 4"/>
+          <p:cNvPicPr>
+            <a:picLocks noChangeAspect="1"/>
+          </p:cNvPicPr>
+          <p:nvPr/>
+        </p:nvPicPr>
+        <p:blipFill>
+          <a:blip r:embed="rId2">
+            <a:extLst>
+              <a:ext uri="{28A0092B-C50C-407E-A947-70E740481C1C}">
+                <a14:useLocalDpi xmlns:a14="http://schemas.microsoft.com/office/drawing/2010/main" val="0"/>
+              </a:ext>
+            </a:extLst>
+          </a:blip>
+          <a:stretch>
+            <a:fillRect/>
+          </a:stretch>
+        </p:blipFill>
+        <p:spPr>
+          <a:xfrm>
+            <a:off x="6883897" y="1925602"/>
+            <a:ext cx="5308103" cy="4151384"/>
+          </a:xfrm>
+          <a:prstGeom prst="rect">
+            <a:avLst/>
+          </a:prstGeom>
+        </p:spPr>
+      </p:pic>
+      <p:sp>
+        <p:nvSpPr>
+          <p:cNvPr id="4" name="Номер слайда 3"/>
+          <p:cNvSpPr>
+            <a:spLocks noGrp="1"/>
+          </p:cNvSpPr>
+          <p:nvPr>
+            <p:ph type="sldNum" sz="quarter" idx="12"/>
+          </p:nvPr>
+        </p:nvSpPr>
+        <p:spPr/>
+        <p:txBody>
+          <a:bodyPr/>
+          <a:lstStyle/>
+          <a:p>
+            <a:fld id="{93065021-1A6F-4820-BE00-705D3CC282AC}" type="slidenum">
+              <a:rPr lang="ru-RU" smtClean="0"/>
+              <a:t>22</a:t>
+            </a:fld>
+            <a:endParaRPr lang="ru-RU"/>
+          </a:p>
+        </p:txBody>
+      </p:sp>
+    </p:spTree>
+    <p:extLst>
+      <p:ext uri="{BB962C8B-B14F-4D97-AF65-F5344CB8AC3E}">
+        <p14:creationId xmlns:p14="http://schemas.microsoft.com/office/powerpoint/2010/main" val="3067490263"/>
+      </p:ext>
+    </p:extLst>
+  </p:cSld>
+  <p:clrMapOvr>
+    <a:masterClrMapping/>
+  </p:clrMapOvr>
+  <p:timing>
+    <p:tnLst>
+      <p:par>
+        <p:cTn id="1" dur="indefinite" restart="never" nodeType="tmRoot"/>
+      </p:par>
+    </p:tnLst>
+  </p:timing>
+</p:sld>
+</file>
+
+<file path=ppt/slides/slide23.xml><?xml version="1.0" encoding="utf-8"?>
+<p:sld xmlns:a="http://schemas.openxmlformats.org/drawingml/2006/main" xmlns:r="http://schemas.openxmlformats.org/officeDocument/2006/relationships" xmlns:p="http://schemas.openxmlformats.org/presentationml/2006/main">
+  <p:cSld>
+    <p:spTree>
+      <p:nvGrpSpPr>
+        <p:cNvPr id="1" name=""/>
+        <p:cNvGrpSpPr/>
+        <p:nvPr/>
+      </p:nvGrpSpPr>
+      <p:grpSpPr>
+        <a:xfrm>
+          <a:off x="0" y="0"/>
+          <a:ext cx="0" cy="0"/>
+          <a:chOff x="0" y="0"/>
+          <a:chExt cx="0" cy="0"/>
+        </a:xfrm>
+      </p:grpSpPr>
+      <p:sp>
+        <p:nvSpPr>
+          <p:cNvPr id="2" name="Заголовок 1"/>
+          <p:cNvSpPr>
+            <a:spLocks noGrp="1"/>
+          </p:cNvSpPr>
+          <p:nvPr>
+            <p:ph type="title"/>
+          </p:nvPr>
+        </p:nvSpPr>
+        <p:spPr/>
+        <p:txBody>
+          <a:bodyPr/>
+          <a:lstStyle/>
+          <a:p>
+            <a:r>
+              <a:rPr lang="ru-RU" dirty="0"/>
+              <a:t>Речь</a:t>
+            </a:r>
+            <a:endParaRPr lang="ru-RU" dirty="0"/>
+          </a:p>
+        </p:txBody>
+      </p:sp>
+      <p:sp>
+        <p:nvSpPr>
+          <p:cNvPr id="3" name="Объект 2"/>
+          <p:cNvSpPr>
+            <a:spLocks noGrp="1"/>
+          </p:cNvSpPr>
+          <p:nvPr>
+            <p:ph idx="1"/>
+          </p:nvPr>
+        </p:nvSpPr>
+        <p:spPr/>
+        <p:txBody>
+          <a:bodyPr/>
+          <a:lstStyle/>
+          <a:p>
+            <a:r>
+              <a:rPr lang="ru-RU" dirty="0"/>
+              <a:t>Анализ показывает, что на каждом кластере есть по крайней мере топ-</a:t>
+            </a:r>
+            <a:r>
+              <a:rPr lang="en-US" dirty="0"/>
+              <a:t>3</a:t>
+            </a:r>
+            <a:r>
+              <a:rPr lang="ru-RU" dirty="0"/>
+              <a:t> программ, каждая из которых суммарно используется более чем в 5% всех запусков</a:t>
+            </a:r>
+          </a:p>
+          <a:p>
+            <a:r>
+              <a:rPr lang="ru-RU" dirty="0"/>
+              <a:t>Цель состоит в том, чтобы повысить вероятность точного прогноза для наиболее частых программ, создав для них отдельные модели на основе </a:t>
+            </a:r>
+            <a:r>
+              <a:rPr lang="en-US" dirty="0"/>
+              <a:t>Decision Tree</a:t>
+            </a:r>
+            <a:endParaRPr lang="ru-RU" dirty="0"/>
+          </a:p>
+          <a:p>
+            <a:endParaRPr lang="ru-RU" dirty="0"/>
+          </a:p>
+        </p:txBody>
+      </p:sp>
+      <p:sp>
+        <p:nvSpPr>
+          <p:cNvPr id="4" name="Номер слайда 3"/>
+          <p:cNvSpPr>
+            <a:spLocks noGrp="1"/>
+          </p:cNvSpPr>
+          <p:nvPr>
+            <p:ph type="sldNum" sz="quarter" idx="12"/>
+          </p:nvPr>
+        </p:nvSpPr>
+        <p:spPr/>
+        <p:txBody>
+          <a:bodyPr/>
+          <a:lstStyle/>
+          <a:p>
+            <a:fld id="{93065021-1A6F-4820-BE00-705D3CC282AC}" type="slidenum">
+              <a:rPr lang="ru-RU" smtClean="0"/>
+              <a:t>23</a:t>
+            </a:fld>
+            <a:endParaRPr lang="ru-RU"/>
+          </a:p>
+        </p:txBody>
+      </p:sp>
+    </p:spTree>
+    <p:extLst>
+      <p:ext uri="{BB962C8B-B14F-4D97-AF65-F5344CB8AC3E}">
+        <p14:creationId xmlns:p14="http://schemas.microsoft.com/office/powerpoint/2010/main" val="3970259542"/>
+      </p:ext>
+    </p:extLst>
+  </p:cSld>
+  <p:clrMapOvr>
+    <a:masterClrMapping/>
+  </p:clrMapOvr>
+  <p:timing>
+    <p:tnLst>
+      <p:par>
+        <p:cTn id="1" dur="indefinite" restart="never" nodeType="tmRoot"/>
+      </p:par>
+    </p:tnLst>
+  </p:timing>
+</p:sld>
+</file>
+
+<file path=ppt/slides/slide24.xml><?xml version="1.0" encoding="utf-8"?>
+<p:sld xmlns:a="http://schemas.openxmlformats.org/drawingml/2006/main" xmlns:r="http://schemas.openxmlformats.org/officeDocument/2006/relationships" xmlns:p="http://schemas.openxmlformats.org/presentationml/2006/main">
+  <p:cSld>
+    <p:spTree>
+      <p:nvGrpSpPr>
+        <p:cNvPr id="1" name=""/>
+        <p:cNvGrpSpPr/>
+        <p:nvPr/>
+      </p:nvGrpSpPr>
+      <p:grpSpPr>
+        <a:xfrm>
+          <a:off x="0" y="0"/>
+          <a:ext cx="0" cy="0"/>
+          <a:chOff x="0" y="0"/>
+          <a:chExt cx="0" cy="0"/>
+        </a:xfrm>
+      </p:grpSpPr>
+      <p:sp>
+        <p:nvSpPr>
+          <p:cNvPr id="2" name="Заголовок 1"/>
+          <p:cNvSpPr>
+            <a:spLocks noGrp="1"/>
+          </p:cNvSpPr>
+          <p:nvPr>
+            <p:ph type="title"/>
+          </p:nvPr>
+        </p:nvSpPr>
+        <p:spPr>
+          <a:xfrm>
+            <a:off x="838200" y="365125"/>
+            <a:ext cx="6964680" cy="1325563"/>
+          </a:xfrm>
+        </p:spPr>
+        <p:txBody>
+          <a:bodyPr>
+            <a:normAutofit/>
+          </a:bodyPr>
+          <a:lstStyle/>
+          <a:p>
+            <a:pPr lvl="1" algn="l" rtl="0">
+              <a:lnSpc>
+                <a:spcPct val="90000"/>
+              </a:lnSpc>
+              <a:spcBef>
+                <a:spcPct val="0"/>
+              </a:spcBef>
+            </a:pPr>
+            <a:r>
+              <a:rPr lang="ru-RU" sz="4400" dirty="0" smtClean="0">
+                <a:latin typeface="+mj-lt"/>
+              </a:rPr>
+              <a:t>Иерархическая</a:t>
+            </a:r>
+            <a:r>
+              <a:rPr lang="ru-RU" sz="4400" dirty="0" smtClean="0"/>
+              <a:t> </a:t>
+            </a:r>
+            <a:r>
+              <a:rPr lang="ru-RU" sz="4400" dirty="0" smtClean="0">
+                <a:latin typeface="+mj-lt"/>
+              </a:rPr>
+              <a:t>классификация</a:t>
+            </a:r>
+            <a:endParaRPr lang="ru-RU" sz="4400" dirty="0">
+              <a:latin typeface="+mj-lt"/>
+            </a:endParaRPr>
+          </a:p>
+        </p:txBody>
+      </p:sp>
+      <p:sp>
+        <p:nvSpPr>
+          <p:cNvPr id="3" name="Объект 2"/>
+          <p:cNvSpPr>
+            <a:spLocks noGrp="1"/>
+          </p:cNvSpPr>
+          <p:nvPr>
+            <p:ph idx="1"/>
+          </p:nvPr>
+        </p:nvSpPr>
+        <p:spPr>
+          <a:xfrm>
+            <a:off x="838200" y="1825624"/>
+            <a:ext cx="6212840" cy="4697095"/>
+          </a:xfrm>
+        </p:spPr>
+        <p:txBody>
+          <a:bodyPr>
+            <a:normAutofit/>
+          </a:bodyPr>
+          <a:lstStyle/>
+          <a:p>
+            <a:r>
+              <a:rPr lang="ru-RU" dirty="0" smtClean="0"/>
+              <a:t>Статистика </a:t>
+            </a:r>
+            <a:r>
+              <a:rPr lang="ru-RU" dirty="0"/>
+              <a:t>запусков на кластерах сильно </a:t>
+            </a:r>
+            <a:r>
+              <a:rPr lang="ru-RU" dirty="0" err="1" smtClean="0"/>
+              <a:t>несбалансирована</a:t>
+            </a:r>
+            <a:endParaRPr lang="en-US" dirty="0" smtClean="0"/>
+          </a:p>
+          <a:p>
+            <a:r>
+              <a:rPr lang="ru-RU" dirty="0" smtClean="0"/>
+              <a:t>Классификация с помощью дерева бинарных классификаторов</a:t>
+            </a:r>
+            <a:endParaRPr lang="en-US" dirty="0" smtClean="0"/>
+          </a:p>
+          <a:p>
+            <a:endParaRPr lang="ru-RU" dirty="0" smtClean="0"/>
+          </a:p>
+          <a:p>
+            <a:endParaRPr lang="ru-RU" dirty="0" smtClean="0"/>
+          </a:p>
+        </p:txBody>
+      </p:sp>
+      <p:pic>
+        <p:nvPicPr>
+          <p:cNvPr id="4" name="Рисунок 3"/>
+          <p:cNvPicPr>
+            <a:picLocks noChangeAspect="1"/>
+          </p:cNvPicPr>
+          <p:nvPr/>
+        </p:nvPicPr>
+        <p:blipFill>
+          <a:blip r:embed="rId2"/>
+          <a:stretch>
+            <a:fillRect/>
+          </a:stretch>
+        </p:blipFill>
+        <p:spPr>
+          <a:xfrm>
+            <a:off x="6914198" y="3501258"/>
+            <a:ext cx="5277802" cy="2855092"/>
           </a:xfrm>
           <a:prstGeom prst="rect">
             <a:avLst/>
@@ -3750,7 +6827,7 @@
           <p:nvPr/>
         </p:nvPicPr>
         <p:blipFill>
-          <a:blip r:embed="rId3" cstate="print">
+          <a:blip r:embed="rId3">
             <a:extLst>
               <a:ext uri="{28A0092B-C50C-407E-A947-70E740481C1C}">
                 <a14:useLocalDpi xmlns:a14="http://schemas.microsoft.com/office/drawing/2010/main" val="0"/>
@@ -3763,18 +6840,746 @@
         </p:blipFill>
         <p:spPr>
           <a:xfrm>
-            <a:off x="6379020" y="3405051"/>
-            <a:ext cx="5504987" cy="3509548"/>
+            <a:off x="6914198" y="0"/>
+            <a:ext cx="4775200" cy="3615407"/>
           </a:xfrm>
           <a:prstGeom prst="rect">
             <a:avLst/>
           </a:prstGeom>
         </p:spPr>
       </p:pic>
+      <p:sp>
+        <p:nvSpPr>
+          <p:cNvPr id="6" name="Номер слайда 5"/>
+          <p:cNvSpPr>
+            <a:spLocks noGrp="1"/>
+          </p:cNvSpPr>
+          <p:nvPr>
+            <p:ph type="sldNum" sz="quarter" idx="12"/>
+          </p:nvPr>
+        </p:nvSpPr>
+        <p:spPr/>
+        <p:txBody>
+          <a:bodyPr/>
+          <a:lstStyle/>
+          <a:p>
+            <a:fld id="{93065021-1A6F-4820-BE00-705D3CC282AC}" type="slidenum">
+              <a:rPr lang="ru-RU" smtClean="0"/>
+              <a:t>24</a:t>
+            </a:fld>
+            <a:endParaRPr lang="ru-RU"/>
+          </a:p>
+        </p:txBody>
+      </p:sp>
+      <p:sp>
+        <p:nvSpPr>
+          <p:cNvPr id="7" name="Прямоугольник 6"/>
+          <p:cNvSpPr/>
+          <p:nvPr/>
+        </p:nvSpPr>
+        <p:spPr>
+          <a:xfrm>
+            <a:off x="7553960" y="6215747"/>
+            <a:ext cx="4312920" cy="646331"/>
+          </a:xfrm>
+          <a:prstGeom prst="rect">
+            <a:avLst/>
+          </a:prstGeom>
+        </p:spPr>
+        <p:txBody>
+          <a:bodyPr wrap="square">
+            <a:spAutoFit/>
+          </a:bodyPr>
+          <a:lstStyle/>
+          <a:p>
+            <a:r>
+              <a:rPr lang="en-US" sz="1200" dirty="0" smtClean="0"/>
+              <a:t>“Predicting </a:t>
+            </a:r>
+            <a:r>
+              <a:rPr lang="en-US" sz="1200" dirty="0"/>
+              <a:t>job execution time on a high-performance computing cluster using a hierarchical data-driven </a:t>
+            </a:r>
+            <a:r>
+              <a:rPr lang="en-US" sz="1200" dirty="0" smtClean="0"/>
+              <a:t>methodology”</a:t>
+            </a:r>
+            <a:endParaRPr lang="en-US" sz="1200" dirty="0"/>
+          </a:p>
+          <a:p>
+            <a:r>
+              <a:rPr lang="en-US" sz="1200" dirty="0"/>
+              <a:t>P </a:t>
+            </a:r>
+            <a:r>
+              <a:rPr lang="en-US" sz="1200" dirty="0" err="1" smtClean="0"/>
+              <a:t>Bethaz</a:t>
+            </a:r>
+            <a:r>
+              <a:rPr lang="ru-RU" sz="1200" dirty="0"/>
+              <a:t> </a:t>
+            </a:r>
+            <a:r>
+              <a:rPr lang="en-US" sz="1200" dirty="0" smtClean="0"/>
+              <a:t>et al</a:t>
+            </a:r>
+            <a:r>
+              <a:rPr lang="ru-RU" sz="1200" dirty="0" smtClean="0"/>
+              <a:t>	</a:t>
+            </a:r>
+            <a:endParaRPr lang="ru-RU" sz="1200" dirty="0"/>
+          </a:p>
+        </p:txBody>
+      </p:sp>
     </p:spTree>
     <p:extLst>
       <p:ext uri="{BB962C8B-B14F-4D97-AF65-F5344CB8AC3E}">
-        <p14:creationId xmlns:p14="http://schemas.microsoft.com/office/powerpoint/2010/main" val="588931202"/>
+        <p14:creationId xmlns:p14="http://schemas.microsoft.com/office/powerpoint/2010/main" val="692223314"/>
+      </p:ext>
+    </p:extLst>
+  </p:cSld>
+  <p:clrMapOvr>
+    <a:masterClrMapping/>
+  </p:clrMapOvr>
+  <p:timing>
+    <p:tnLst>
+      <p:par>
+        <p:cTn id="1" dur="indefinite" restart="never" nodeType="tmRoot"/>
+      </p:par>
+    </p:tnLst>
+  </p:timing>
+</p:sld>
+</file>
+
+<file path=ppt/slides/slide25.xml><?xml version="1.0" encoding="utf-8"?>
+<p:sld xmlns:a="http://schemas.openxmlformats.org/drawingml/2006/main" xmlns:r="http://schemas.openxmlformats.org/officeDocument/2006/relationships" xmlns:p="http://schemas.openxmlformats.org/presentationml/2006/main">
+  <p:cSld>
+    <p:spTree>
+      <p:nvGrpSpPr>
+        <p:cNvPr id="1" name=""/>
+        <p:cNvGrpSpPr/>
+        <p:nvPr/>
+      </p:nvGrpSpPr>
+      <p:grpSpPr>
+        <a:xfrm>
+          <a:off x="0" y="0"/>
+          <a:ext cx="0" cy="0"/>
+          <a:chOff x="0" y="0"/>
+          <a:chExt cx="0" cy="0"/>
+        </a:xfrm>
+      </p:grpSpPr>
+      <p:sp>
+        <p:nvSpPr>
+          <p:cNvPr id="2" name="Заголовок 1"/>
+          <p:cNvSpPr>
+            <a:spLocks noGrp="1"/>
+          </p:cNvSpPr>
+          <p:nvPr>
+            <p:ph type="title"/>
+          </p:nvPr>
+        </p:nvSpPr>
+        <p:spPr/>
+        <p:txBody>
+          <a:bodyPr/>
+          <a:lstStyle/>
+          <a:p>
+            <a:r>
+              <a:rPr lang="ru-RU" dirty="0"/>
+              <a:t>Речь</a:t>
+            </a:r>
+            <a:endParaRPr lang="ru-RU" dirty="0"/>
+          </a:p>
+        </p:txBody>
+      </p:sp>
+      <p:sp>
+        <p:nvSpPr>
+          <p:cNvPr id="3" name="Объект 2"/>
+          <p:cNvSpPr>
+            <a:spLocks noGrp="1"/>
+          </p:cNvSpPr>
+          <p:nvPr>
+            <p:ph idx="1"/>
+          </p:nvPr>
+        </p:nvSpPr>
+        <p:spPr/>
+        <p:txBody>
+          <a:bodyPr/>
+          <a:lstStyle/>
+          <a:p>
+            <a:r>
+              <a:rPr lang="ru-RU" dirty="0"/>
+              <a:t>Т.к. статистика запусков на кластерах сильно </a:t>
+            </a:r>
+            <a:r>
+              <a:rPr lang="ru-RU" dirty="0" err="1"/>
+              <a:t>несбалансирована</a:t>
+            </a:r>
+            <a:r>
+              <a:rPr lang="ru-RU" dirty="0"/>
+              <a:t>, был использован метод иерархической классификации</a:t>
+            </a:r>
+          </a:p>
+          <a:p>
+            <a:r>
+              <a:rPr lang="ru-RU" dirty="0"/>
+              <a:t>На рисунке представлен пример из статьи «</a:t>
+            </a:r>
+            <a:r>
+              <a:rPr lang="en-US" dirty="0"/>
+              <a:t>Predicting job execution time on a high-performance Computing cluster using a hierarchical data-driven methodology</a:t>
+            </a:r>
+            <a:r>
+              <a:rPr lang="ru-RU" dirty="0"/>
+              <a:t>», где была предложена данная методика</a:t>
+            </a:r>
+          </a:p>
+          <a:p>
+            <a:r>
+              <a:rPr lang="ru-RU" dirty="0"/>
+              <a:t>Данный метод был объединен с остальными улучшениями</a:t>
+            </a:r>
+          </a:p>
+          <a:p>
+            <a:endParaRPr lang="ru-RU" dirty="0"/>
+          </a:p>
+        </p:txBody>
+      </p:sp>
+      <p:sp>
+        <p:nvSpPr>
+          <p:cNvPr id="4" name="Номер слайда 3"/>
+          <p:cNvSpPr>
+            <a:spLocks noGrp="1"/>
+          </p:cNvSpPr>
+          <p:nvPr>
+            <p:ph type="sldNum" sz="quarter" idx="12"/>
+          </p:nvPr>
+        </p:nvSpPr>
+        <p:spPr/>
+        <p:txBody>
+          <a:bodyPr/>
+          <a:lstStyle/>
+          <a:p>
+            <a:fld id="{93065021-1A6F-4820-BE00-705D3CC282AC}" type="slidenum">
+              <a:rPr lang="ru-RU" smtClean="0"/>
+              <a:t>25</a:t>
+            </a:fld>
+            <a:endParaRPr lang="ru-RU"/>
+          </a:p>
+        </p:txBody>
+      </p:sp>
+    </p:spTree>
+    <p:extLst>
+      <p:ext uri="{BB962C8B-B14F-4D97-AF65-F5344CB8AC3E}">
+        <p14:creationId xmlns:p14="http://schemas.microsoft.com/office/powerpoint/2010/main" val="3839018692"/>
+      </p:ext>
+    </p:extLst>
+  </p:cSld>
+  <p:clrMapOvr>
+    <a:masterClrMapping/>
+  </p:clrMapOvr>
+  <p:timing>
+    <p:tnLst>
+      <p:par>
+        <p:cTn id="1" dur="indefinite" restart="never" nodeType="tmRoot"/>
+      </p:par>
+    </p:tnLst>
+  </p:timing>
+</p:sld>
+</file>
+
+<file path=ppt/slides/slide26.xml><?xml version="1.0" encoding="utf-8"?>
+<p:sld xmlns:a="http://schemas.openxmlformats.org/drawingml/2006/main" xmlns:r="http://schemas.openxmlformats.org/officeDocument/2006/relationships" xmlns:p="http://schemas.openxmlformats.org/presentationml/2006/main">
+  <p:cSld>
+    <p:spTree>
+      <p:nvGrpSpPr>
+        <p:cNvPr id="1" name=""/>
+        <p:cNvGrpSpPr/>
+        <p:nvPr/>
+      </p:nvGrpSpPr>
+      <p:grpSpPr>
+        <a:xfrm>
+          <a:off x="0" y="0"/>
+          <a:ext cx="0" cy="0"/>
+          <a:chOff x="0" y="0"/>
+          <a:chExt cx="0" cy="0"/>
+        </a:xfrm>
+      </p:grpSpPr>
+      <p:sp>
+        <p:nvSpPr>
+          <p:cNvPr id="2" name="Заголовок 1"/>
+          <p:cNvSpPr>
+            <a:spLocks noGrp="1"/>
+          </p:cNvSpPr>
+          <p:nvPr>
+            <p:ph type="title"/>
+          </p:nvPr>
+        </p:nvSpPr>
+        <p:spPr/>
+        <p:txBody>
+          <a:bodyPr/>
+          <a:lstStyle/>
+          <a:p>
+            <a:r>
+              <a:rPr lang="ru-RU" dirty="0" smtClean="0"/>
+              <a:t>Результаты</a:t>
+            </a:r>
+            <a:endParaRPr lang="ru-RU" dirty="0"/>
+          </a:p>
+        </p:txBody>
+      </p:sp>
+      <p:sp>
+        <p:nvSpPr>
+          <p:cNvPr id="5" name="Объект 4"/>
+          <p:cNvSpPr>
+            <a:spLocks noGrp="1"/>
+          </p:cNvSpPr>
+          <p:nvPr>
+            <p:ph idx="1"/>
+          </p:nvPr>
+        </p:nvSpPr>
+        <p:spPr>
+          <a:xfrm>
+            <a:off x="838200" y="1690688"/>
+            <a:ext cx="4536440" cy="4861193"/>
+          </a:xfrm>
+        </p:spPr>
+        <p:txBody>
+          <a:bodyPr>
+            <a:normAutofit lnSpcReduction="10000"/>
+          </a:bodyPr>
+          <a:lstStyle/>
+          <a:p>
+            <a:r>
+              <a:rPr lang="ru-RU" dirty="0"/>
+              <a:t>Использование аргументов командной строки улучшает точность </a:t>
+            </a:r>
+            <a:r>
+              <a:rPr lang="ru-RU" dirty="0" smtClean="0"/>
+              <a:t>на </a:t>
+            </a:r>
+            <a:r>
+              <a:rPr lang="ru-RU" dirty="0"/>
+              <a:t>1 </a:t>
+            </a:r>
+            <a:r>
+              <a:rPr lang="ru-RU" dirty="0" smtClean="0"/>
+              <a:t>- </a:t>
+            </a:r>
+            <a:r>
+              <a:rPr lang="ru-RU" dirty="0"/>
+              <a:t>3%</a:t>
+            </a:r>
+          </a:p>
+          <a:p>
+            <a:r>
+              <a:rPr lang="ru-RU" dirty="0" smtClean="0"/>
+              <a:t>Наиболее эффективный алгоритм – </a:t>
+            </a:r>
+            <a:r>
+              <a:rPr lang="en-US" dirty="0" smtClean="0"/>
+              <a:t>KNN c </a:t>
+            </a:r>
+            <a:r>
+              <a:rPr lang="ru-RU" dirty="0" smtClean="0"/>
+              <a:t>использованием аргументов </a:t>
+            </a:r>
+          </a:p>
+          <a:p>
+            <a:r>
+              <a:rPr lang="ru-RU" dirty="0" smtClean="0"/>
+              <a:t>Иерархическая классификация превосходит</a:t>
+            </a:r>
+            <a:r>
+              <a:rPr lang="en-US" dirty="0" smtClean="0"/>
+              <a:t> </a:t>
+            </a:r>
+            <a:r>
+              <a:rPr lang="ru-RU" dirty="0" err="1" smtClean="0"/>
+              <a:t>многоклассовый</a:t>
+            </a:r>
+            <a:r>
+              <a:rPr lang="ru-RU" dirty="0" smtClean="0"/>
+              <a:t> </a:t>
+            </a:r>
+            <a:r>
+              <a:rPr lang="en-US" dirty="0" smtClean="0"/>
+              <a:t>Decision Tree</a:t>
+            </a:r>
+            <a:endParaRPr lang="ru-RU" dirty="0" smtClean="0"/>
+          </a:p>
+          <a:p>
+            <a:endParaRPr lang="ru-RU" dirty="0"/>
+          </a:p>
+        </p:txBody>
+      </p:sp>
+      <p:pic>
+        <p:nvPicPr>
+          <p:cNvPr id="4" name="Рисунок 3"/>
+          <p:cNvPicPr>
+            <a:picLocks noChangeAspect="1"/>
+          </p:cNvPicPr>
+          <p:nvPr/>
+        </p:nvPicPr>
+        <p:blipFill>
+          <a:blip r:embed="rId2">
+            <a:extLst>
+              <a:ext uri="{28A0092B-C50C-407E-A947-70E740481C1C}">
+                <a14:useLocalDpi xmlns:a14="http://schemas.microsoft.com/office/drawing/2010/main" val="0"/>
+              </a:ext>
+            </a:extLst>
+          </a:blip>
+          <a:stretch>
+            <a:fillRect/>
+          </a:stretch>
+        </p:blipFill>
+        <p:spPr>
+          <a:xfrm>
+            <a:off x="5588824" y="1534168"/>
+            <a:ext cx="6487846" cy="4940561"/>
+          </a:xfrm>
+          <a:prstGeom prst="rect">
+            <a:avLst/>
+          </a:prstGeom>
+        </p:spPr>
+      </p:pic>
+      <p:sp>
+        <p:nvSpPr>
+          <p:cNvPr id="3" name="Номер слайда 2"/>
+          <p:cNvSpPr>
+            <a:spLocks noGrp="1"/>
+          </p:cNvSpPr>
+          <p:nvPr>
+            <p:ph type="sldNum" sz="quarter" idx="12"/>
+          </p:nvPr>
+        </p:nvSpPr>
+        <p:spPr/>
+        <p:txBody>
+          <a:bodyPr/>
+          <a:lstStyle/>
+          <a:p>
+            <a:fld id="{93065021-1A6F-4820-BE00-705D3CC282AC}" type="slidenum">
+              <a:rPr lang="ru-RU" smtClean="0"/>
+              <a:t>26</a:t>
+            </a:fld>
+            <a:endParaRPr lang="ru-RU"/>
+          </a:p>
+        </p:txBody>
+      </p:sp>
+    </p:spTree>
+    <p:extLst>
+      <p:ext uri="{BB962C8B-B14F-4D97-AF65-F5344CB8AC3E}">
+        <p14:creationId xmlns:p14="http://schemas.microsoft.com/office/powerpoint/2010/main" val="2093039152"/>
+      </p:ext>
+    </p:extLst>
+  </p:cSld>
+  <p:clrMapOvr>
+    <a:masterClrMapping/>
+  </p:clrMapOvr>
+  <p:timing>
+    <p:tnLst>
+      <p:par>
+        <p:cTn id="1" dur="indefinite" restart="never" nodeType="tmRoot"/>
+      </p:par>
+    </p:tnLst>
+  </p:timing>
+</p:sld>
+</file>
+
+<file path=ppt/slides/slide27.xml><?xml version="1.0" encoding="utf-8"?>
+<p:sld xmlns:a="http://schemas.openxmlformats.org/drawingml/2006/main" xmlns:r="http://schemas.openxmlformats.org/officeDocument/2006/relationships" xmlns:p="http://schemas.openxmlformats.org/presentationml/2006/main">
+  <p:cSld>
+    <p:spTree>
+      <p:nvGrpSpPr>
+        <p:cNvPr id="1" name=""/>
+        <p:cNvGrpSpPr/>
+        <p:nvPr/>
+      </p:nvGrpSpPr>
+      <p:grpSpPr>
+        <a:xfrm>
+          <a:off x="0" y="0"/>
+          <a:ext cx="0" cy="0"/>
+          <a:chOff x="0" y="0"/>
+          <a:chExt cx="0" cy="0"/>
+        </a:xfrm>
+      </p:grpSpPr>
+      <p:sp>
+        <p:nvSpPr>
+          <p:cNvPr id="2" name="Заголовок 1"/>
+          <p:cNvSpPr>
+            <a:spLocks noGrp="1"/>
+          </p:cNvSpPr>
+          <p:nvPr>
+            <p:ph type="title"/>
+          </p:nvPr>
+        </p:nvSpPr>
+        <p:spPr/>
+        <p:txBody>
+          <a:bodyPr/>
+          <a:lstStyle/>
+          <a:p>
+            <a:r>
+              <a:rPr lang="ru-RU" dirty="0"/>
+              <a:t>Речь</a:t>
+            </a:r>
+            <a:endParaRPr lang="ru-RU" dirty="0"/>
+          </a:p>
+        </p:txBody>
+      </p:sp>
+      <p:sp>
+        <p:nvSpPr>
+          <p:cNvPr id="3" name="Объект 2"/>
+          <p:cNvSpPr>
+            <a:spLocks noGrp="1"/>
+          </p:cNvSpPr>
+          <p:nvPr>
+            <p:ph idx="1"/>
+          </p:nvPr>
+        </p:nvSpPr>
+        <p:spPr/>
+        <p:txBody>
+          <a:bodyPr>
+            <a:normAutofit fontScale="77500" lnSpcReduction="20000"/>
+          </a:bodyPr>
+          <a:lstStyle/>
+          <a:p>
+            <a:r>
+              <a:rPr lang="en-US" dirty="0" err="1"/>
+              <a:t>Broadwell</a:t>
+            </a:r>
+            <a:r>
+              <a:rPr lang="en-US" dirty="0"/>
+              <a:t> –</a:t>
+            </a:r>
+            <a:r>
+              <a:rPr lang="ru-RU" dirty="0"/>
+              <a:t> основной вычислительный узел, с большим количеством разноплановых задач</a:t>
+            </a:r>
+          </a:p>
+          <a:p>
+            <a:r>
+              <a:rPr lang="en-US" dirty="0" err="1"/>
+              <a:t>Cascade_lake</a:t>
+            </a:r>
+            <a:r>
+              <a:rPr lang="en-US" dirty="0"/>
+              <a:t> </a:t>
+            </a:r>
+            <a:r>
+              <a:rPr lang="ru-RU" dirty="0"/>
+              <a:t>и </a:t>
+            </a:r>
+            <a:r>
+              <a:rPr lang="en-US" dirty="0" err="1"/>
+              <a:t>skylake</a:t>
+            </a:r>
+            <a:r>
+              <a:rPr lang="en-US" dirty="0"/>
+              <a:t> –</a:t>
+            </a:r>
+            <a:r>
+              <a:rPr lang="ru-RU" dirty="0"/>
+              <a:t> более специализированные узлы с меньшим количеством запусков, но задачи </a:t>
+            </a:r>
+            <a:r>
+              <a:rPr lang="en-US" dirty="0" err="1"/>
+              <a:t>Cascade_lake</a:t>
+            </a:r>
+            <a:r>
+              <a:rPr lang="en-US" dirty="0"/>
+              <a:t> </a:t>
+            </a:r>
+            <a:r>
+              <a:rPr lang="ru-RU" dirty="0"/>
+              <a:t>имеют наименьшее среднее количество </a:t>
+            </a:r>
+            <a:r>
+              <a:rPr lang="ru-RU" dirty="0" smtClean="0"/>
+              <a:t>повторов</a:t>
+            </a:r>
+          </a:p>
+          <a:p>
+            <a:r>
+              <a:rPr lang="ru-RU" dirty="0"/>
+              <a:t>Использование аргументов командной строки улучшает точность предсказания на величину в среднем от 1 до 3%, по сравнению со стандартными методами</a:t>
+            </a:r>
+          </a:p>
+          <a:p>
+            <a:r>
+              <a:rPr lang="ru-RU" dirty="0"/>
+              <a:t>Метод прогнозирования на основе экземпляров лучше всего сочетается с алгоритмом </a:t>
+            </a:r>
+            <a:r>
+              <a:rPr lang="en-US" dirty="0"/>
+              <a:t>KNN </a:t>
+            </a:r>
+            <a:r>
+              <a:rPr lang="ru-RU" dirty="0"/>
+              <a:t>с использованием аргументов командной строки </a:t>
+            </a:r>
+          </a:p>
+          <a:p>
+            <a:r>
+              <a:rPr lang="ru-RU" dirty="0"/>
+              <a:t>Метод иерархической классификации, основанный на бинарной классификации с помощью</a:t>
+            </a:r>
+            <a:r>
+              <a:rPr lang="en-US" dirty="0"/>
+              <a:t> </a:t>
+            </a:r>
+            <a:r>
+              <a:rPr lang="en-US" dirty="0" err="1"/>
+              <a:t>DecisionTree</a:t>
+            </a:r>
+            <a:r>
+              <a:rPr lang="ru-RU" dirty="0"/>
+              <a:t> работает лучше </a:t>
+            </a:r>
+            <a:r>
+              <a:rPr lang="ru-RU" dirty="0" err="1"/>
+              <a:t>многоклассовой</a:t>
+            </a:r>
+            <a:r>
+              <a:rPr lang="ru-RU" dirty="0"/>
+              <a:t> классификации </a:t>
+            </a:r>
+            <a:r>
+              <a:rPr lang="en-US" dirty="0" err="1"/>
+              <a:t>DecisionTree</a:t>
+            </a:r>
+            <a:r>
+              <a:rPr lang="ru-RU" dirty="0"/>
+              <a:t> на таких несбалансированных задачах, как предсказание времени выполнения задач на кластерах</a:t>
+            </a:r>
+          </a:p>
+          <a:p>
+            <a:r>
+              <a:rPr lang="ru-RU" dirty="0"/>
+              <a:t>Возможность предсказания времени выполнения зависит от типа поведения пользователей вычислительного кластера</a:t>
+            </a:r>
+          </a:p>
+          <a:p>
+            <a:endParaRPr lang="ru-RU" dirty="0"/>
+          </a:p>
+          <a:p>
+            <a:endParaRPr lang="ru-RU" dirty="0"/>
+          </a:p>
+        </p:txBody>
+      </p:sp>
+      <p:sp>
+        <p:nvSpPr>
+          <p:cNvPr id="4" name="Номер слайда 3"/>
+          <p:cNvSpPr>
+            <a:spLocks noGrp="1"/>
+          </p:cNvSpPr>
+          <p:nvPr>
+            <p:ph type="sldNum" sz="quarter" idx="12"/>
+          </p:nvPr>
+        </p:nvSpPr>
+        <p:spPr/>
+        <p:txBody>
+          <a:bodyPr/>
+          <a:lstStyle/>
+          <a:p>
+            <a:fld id="{93065021-1A6F-4820-BE00-705D3CC282AC}" type="slidenum">
+              <a:rPr lang="ru-RU" smtClean="0"/>
+              <a:t>27</a:t>
+            </a:fld>
+            <a:endParaRPr lang="ru-RU"/>
+          </a:p>
+        </p:txBody>
+      </p:sp>
+    </p:spTree>
+    <p:extLst>
+      <p:ext uri="{BB962C8B-B14F-4D97-AF65-F5344CB8AC3E}">
+        <p14:creationId xmlns:p14="http://schemas.microsoft.com/office/powerpoint/2010/main" val="1692807486"/>
+      </p:ext>
+    </p:extLst>
+  </p:cSld>
+  <p:clrMapOvr>
+    <a:masterClrMapping/>
+  </p:clrMapOvr>
+  <p:timing>
+    <p:tnLst>
+      <p:par>
+        <p:cTn id="1" dur="indefinite" restart="never" nodeType="tmRoot"/>
+      </p:par>
+    </p:tnLst>
+  </p:timing>
+</p:sld>
+</file>
+
+<file path=ppt/slides/slide28.xml><?xml version="1.0" encoding="utf-8"?>
+<p:sld xmlns:a="http://schemas.openxmlformats.org/drawingml/2006/main" xmlns:r="http://schemas.openxmlformats.org/officeDocument/2006/relationships" xmlns:p="http://schemas.openxmlformats.org/presentationml/2006/main">
+  <p:cSld>
+    <p:spTree>
+      <p:nvGrpSpPr>
+        <p:cNvPr id="1" name=""/>
+        <p:cNvGrpSpPr/>
+        <p:nvPr/>
+      </p:nvGrpSpPr>
+      <p:grpSpPr>
+        <a:xfrm>
+          <a:off x="0" y="0"/>
+          <a:ext cx="0" cy="0"/>
+          <a:chOff x="0" y="0"/>
+          <a:chExt cx="0" cy="0"/>
+        </a:xfrm>
+      </p:grpSpPr>
+      <p:sp>
+        <p:nvSpPr>
+          <p:cNvPr id="2" name="Заголовок 1"/>
+          <p:cNvSpPr>
+            <a:spLocks noGrp="1"/>
+          </p:cNvSpPr>
+          <p:nvPr>
+            <p:ph type="title"/>
+          </p:nvPr>
+        </p:nvSpPr>
+        <p:spPr>
+          <a:xfrm>
+            <a:off x="3301313" y="2852952"/>
+            <a:ext cx="10515600" cy="1325563"/>
+          </a:xfrm>
+        </p:spPr>
+        <p:txBody>
+          <a:bodyPr/>
+          <a:lstStyle/>
+          <a:p>
+            <a:r>
+              <a:rPr lang="ru-RU" dirty="0" smtClean="0"/>
+              <a:t>Спасибо за внимание!</a:t>
+            </a:r>
+            <a:endParaRPr lang="ru-RU" dirty="0"/>
+          </a:p>
+        </p:txBody>
+      </p:sp>
+      <p:sp>
+        <p:nvSpPr>
+          <p:cNvPr id="3" name="Номер слайда 2"/>
+          <p:cNvSpPr>
+            <a:spLocks noGrp="1"/>
+          </p:cNvSpPr>
+          <p:nvPr>
+            <p:ph type="sldNum" sz="quarter" idx="12"/>
+          </p:nvPr>
+        </p:nvSpPr>
+        <p:spPr/>
+        <p:txBody>
+          <a:bodyPr/>
+          <a:lstStyle/>
+          <a:p>
+            <a:fld id="{93065021-1A6F-4820-BE00-705D3CC282AC}" type="slidenum">
+              <a:rPr lang="ru-RU" smtClean="0"/>
+              <a:t>28</a:t>
+            </a:fld>
+            <a:endParaRPr lang="ru-RU"/>
+          </a:p>
+        </p:txBody>
+      </p:sp>
+    </p:spTree>
+    <p:extLst>
+      <p:ext uri="{BB962C8B-B14F-4D97-AF65-F5344CB8AC3E}">
+        <p14:creationId xmlns:p14="http://schemas.microsoft.com/office/powerpoint/2010/main" val="2895909318"/>
       </p:ext>
     </p:extLst>
   </p:cSld>
@@ -3825,7 +7630,7 @@
           <a:p>
             <a:r>
               <a:rPr lang="ru-RU" dirty="0" smtClean="0"/>
-              <a:t>Решение</a:t>
+              <a:t>Речь</a:t>
             </a:r>
             <a:endParaRPr lang="ru-RU" dirty="0"/>
           </a:p>
@@ -3841,315 +7646,85 @@
             <p:ph idx="1"/>
           </p:nvPr>
         </p:nvSpPr>
-        <p:spPr>
-          <a:xfrm>
-            <a:off x="530582" y="1423879"/>
-            <a:ext cx="4831080" cy="5371071"/>
-          </a:xfrm>
-        </p:spPr>
-        <p:txBody>
-          <a:bodyPr>
-            <a:noAutofit/>
-          </a:bodyPr>
-          <a:lstStyle/>
-          <a:p>
-            <a:pPr marL="0" indent="0">
-              <a:buNone/>
-            </a:pPr>
-            <a:r>
-              <a:rPr lang="ru-RU" sz="1800" dirty="0"/>
-              <a:t>Для повышения качества планирования выполнения заданий предлагается использовать в </a:t>
-            </a:r>
-            <a:r>
-              <a:rPr lang="ru-RU" sz="1800" dirty="0" smtClean="0"/>
-              <a:t>системном планировщике </a:t>
-            </a:r>
-            <a:r>
-              <a:rPr lang="ru-RU" sz="1800" dirty="0"/>
-              <a:t>предсказания времени выполнения заданий, полученные с помощью алгоритмов машинного </a:t>
-            </a:r>
-            <a:r>
-              <a:rPr lang="ru-RU" sz="1800" dirty="0" smtClean="0"/>
-              <a:t>обучения.</a:t>
-            </a:r>
-          </a:p>
-          <a:p>
-            <a:pPr marL="0" indent="0">
-              <a:buNone/>
-            </a:pPr>
-            <a:r>
-              <a:rPr lang="ru-RU" sz="1800" dirty="0" smtClean="0"/>
-              <a:t>На изображениях приведены результаты симуляции работы планировщика заданий </a:t>
-            </a:r>
-            <a:r>
-              <a:rPr lang="en-US" sz="1800" dirty="0" smtClean="0"/>
-              <a:t>SLURM</a:t>
-            </a:r>
-            <a:r>
-              <a:rPr lang="ru-RU" sz="1800" dirty="0" smtClean="0"/>
-              <a:t> в случаях использования заявленного пользователями  времени и приближенного к реальному времени выполнения. </a:t>
-            </a:r>
-          </a:p>
-          <a:p>
-            <a:pPr marL="0" indent="0">
-              <a:buNone/>
-            </a:pPr>
-            <a:r>
-              <a:rPr lang="ru-RU" sz="1800" dirty="0"/>
-              <a:t>Графики </a:t>
-            </a:r>
-            <a:r>
-              <a:rPr lang="ru-RU" sz="1800" dirty="0" smtClean="0"/>
-              <a:t>отображают </a:t>
-            </a:r>
-            <a:r>
-              <a:rPr lang="ru-RU" sz="1800" dirty="0"/>
-              <a:t>время подачи </a:t>
-            </a:r>
-            <a:r>
-              <a:rPr lang="ru-RU" sz="1800" dirty="0" smtClean="0"/>
-              <a:t>задания </a:t>
-            </a:r>
-            <a:r>
-              <a:rPr lang="ru-RU" sz="1800" dirty="0"/>
-              <a:t>в очередь (отмечено синим) и время </a:t>
-            </a:r>
-            <a:r>
-              <a:rPr lang="ru-RU" sz="1800" dirty="0" smtClean="0"/>
-              <a:t>работы </a:t>
-            </a:r>
-            <a:r>
-              <a:rPr lang="ru-RU" sz="1800" dirty="0"/>
-              <a:t>задания (отмечено красным). Результаты показывают, что точная оценка времени выполнения задания позволяет </a:t>
-            </a:r>
-            <a:r>
-              <a:rPr lang="ru-RU" sz="1800" dirty="0" smtClean="0"/>
-              <a:t>существенно </a:t>
-            </a:r>
-            <a:r>
-              <a:rPr lang="ru-RU" sz="1800" dirty="0"/>
-              <a:t>снизить среднее время ожидания в </a:t>
-            </a:r>
-            <a:r>
-              <a:rPr lang="ru-RU" sz="1800" dirty="0" smtClean="0"/>
-              <a:t>очереди.</a:t>
-            </a:r>
-            <a:endParaRPr lang="ru-RU" sz="1800" dirty="0"/>
-          </a:p>
-        </p:txBody>
-      </p:sp>
-      <p:pic>
-        <p:nvPicPr>
-          <p:cNvPr id="9" name="Изображение2"/>
-          <p:cNvPicPr>
-            <a:picLocks/>
-          </p:cNvPicPr>
-          <p:nvPr/>
-        </p:nvPicPr>
-        <p:blipFill>
-          <a:blip r:embed="rId2"/>
-          <a:stretch>
-            <a:fillRect/>
-          </a:stretch>
-        </p:blipFill>
-        <p:spPr bwMode="auto">
-          <a:xfrm>
-            <a:off x="7225938" y="3460878"/>
-            <a:ext cx="4270461" cy="2917022"/>
-          </a:xfrm>
-          <a:prstGeom prst="rect">
-            <a:avLst/>
-          </a:prstGeom>
-        </p:spPr>
-      </p:pic>
-      <p:pic>
-        <p:nvPicPr>
-          <p:cNvPr id="10" name="Изображение1"/>
-          <p:cNvPicPr/>
-          <p:nvPr/>
-        </p:nvPicPr>
-        <p:blipFill>
-          <a:blip r:embed="rId3"/>
-          <a:stretch>
-            <a:fillRect/>
-          </a:stretch>
-        </p:blipFill>
-        <p:spPr bwMode="auto">
-          <a:xfrm>
-            <a:off x="7225938" y="21415"/>
-            <a:ext cx="4253495" cy="2902585"/>
-          </a:xfrm>
-          <a:prstGeom prst="rect">
-            <a:avLst/>
-          </a:prstGeom>
-        </p:spPr>
-      </p:pic>
-      <p:sp>
-        <p:nvSpPr>
-          <p:cNvPr id="11" name="TextBox 10"/>
-          <p:cNvSpPr txBox="1"/>
-          <p:nvPr/>
-        </p:nvSpPr>
-        <p:spPr>
-          <a:xfrm>
-            <a:off x="6074228" y="2876103"/>
-            <a:ext cx="6296297" cy="584775"/>
-          </a:xfrm>
-          <a:prstGeom prst="rect">
-            <a:avLst/>
-          </a:prstGeom>
-          <a:noFill/>
-        </p:spPr>
-        <p:txBody>
-          <a:bodyPr wrap="square" rtlCol="0">
-            <a:spAutoFit/>
-          </a:bodyPr>
-          <a:lstStyle/>
-          <a:p>
-            <a:r>
-              <a:rPr lang="ru-RU" sz="1600" dirty="0" smtClean="0"/>
-              <a:t>1)Результаты </a:t>
-            </a:r>
-            <a:r>
-              <a:rPr lang="ru-RU" sz="1600" dirty="0"/>
-              <a:t>симуляции, где качестве заказанного времени указано оригинальное заказанное время </a:t>
-            </a:r>
-          </a:p>
-        </p:txBody>
-      </p:sp>
-      <p:sp>
-        <p:nvSpPr>
-          <p:cNvPr id="12" name="TextBox 11"/>
-          <p:cNvSpPr txBox="1"/>
-          <p:nvPr/>
-        </p:nvSpPr>
-        <p:spPr>
-          <a:xfrm>
-            <a:off x="6252754" y="6273225"/>
-            <a:ext cx="5939246" cy="584775"/>
-          </a:xfrm>
-          <a:prstGeom prst="rect">
-            <a:avLst/>
-          </a:prstGeom>
-          <a:noFill/>
-        </p:spPr>
-        <p:txBody>
-          <a:bodyPr wrap="square" rtlCol="0">
-            <a:spAutoFit/>
-          </a:bodyPr>
-          <a:lstStyle/>
-          <a:p>
-            <a:r>
-              <a:rPr lang="ru-RU" sz="1600" dirty="0" smtClean="0"/>
-              <a:t>2)</a:t>
-            </a:r>
-            <a:r>
-              <a:rPr lang="ru-RU" sz="1600" dirty="0"/>
-              <a:t> </a:t>
-            </a:r>
-            <a:r>
-              <a:rPr lang="ru-RU" sz="1600" dirty="0" smtClean="0"/>
-              <a:t>Результаты </a:t>
-            </a:r>
-            <a:r>
-              <a:rPr lang="ru-RU" sz="1600" dirty="0"/>
-              <a:t>симуляции, где качестве заказанного времени указана реальная длительность задания </a:t>
-            </a:r>
-          </a:p>
-        </p:txBody>
-      </p:sp>
-      <p:sp>
-        <p:nvSpPr>
-          <p:cNvPr id="8" name="Прямоугольник 7"/>
-          <p:cNvSpPr/>
-          <p:nvPr/>
-        </p:nvSpPr>
-        <p:spPr>
-          <a:xfrm>
-            <a:off x="8716617" y="69127"/>
-            <a:ext cx="1800000" cy="1260000"/>
-          </a:xfrm>
-          <a:prstGeom prst="rect">
-            <a:avLst/>
-          </a:prstGeom>
-          <a:noFill/>
-          <a:ln w="28575" cap="flat" cmpd="sng" algn="ctr">
-            <a:solidFill>
-              <a:schemeClr val="accent6"/>
-            </a:solidFill>
-            <a:prstDash val="solid"/>
-            <a:round/>
-            <a:headEnd type="none" w="med" len="med"/>
-            <a:tailEnd type="none" w="med" len="med"/>
-          </a:ln>
-        </p:spPr>
-        <p:style>
-          <a:lnRef idx="0">
-            <a:scrgbClr r="0" g="0" b="0"/>
-          </a:lnRef>
-          <a:fillRef idx="0">
-            <a:scrgbClr r="0" g="0" b="0"/>
-          </a:fillRef>
-          <a:effectRef idx="0">
-            <a:scrgbClr r="0" g="0" b="0"/>
-          </a:effectRef>
-          <a:fontRef idx="minor">
-            <a:schemeClr val="accent6"/>
-          </a:fontRef>
-        </p:style>
-        <p:txBody>
-          <a:bodyPr rtlCol="0" anchor="ctr"/>
-          <a:lstStyle/>
-          <a:p>
-            <a:pPr algn="ctr"/>
-            <a:endParaRPr lang="ru-RU"/>
-          </a:p>
-        </p:txBody>
-      </p:sp>
-      <p:sp>
-        <p:nvSpPr>
-          <p:cNvPr id="13" name="Прямоугольник 12"/>
-          <p:cNvSpPr/>
-          <p:nvPr/>
-        </p:nvSpPr>
-        <p:spPr>
-          <a:xfrm>
-            <a:off x="8721753" y="3460878"/>
-            <a:ext cx="1800000" cy="1260000"/>
-          </a:xfrm>
-          <a:prstGeom prst="rect">
-            <a:avLst/>
-          </a:prstGeom>
-          <a:noFill/>
-          <a:ln w="28575" cap="flat" cmpd="sng" algn="ctr">
-            <a:solidFill>
-              <a:schemeClr val="accent6"/>
-            </a:solidFill>
-            <a:prstDash val="solid"/>
-            <a:round/>
-            <a:headEnd type="none" w="med" len="med"/>
-            <a:tailEnd type="none" w="med" len="med"/>
-          </a:ln>
-        </p:spPr>
-        <p:style>
-          <a:lnRef idx="0">
-            <a:scrgbClr r="0" g="0" b="0"/>
-          </a:lnRef>
-          <a:fillRef idx="0">
-            <a:scrgbClr r="0" g="0" b="0"/>
-          </a:fillRef>
-          <a:effectRef idx="0">
-            <a:scrgbClr r="0" g="0" b="0"/>
-          </a:effectRef>
-          <a:fontRef idx="minor">
-            <a:schemeClr val="accent6"/>
-          </a:fontRef>
-        </p:style>
-        <p:txBody>
-          <a:bodyPr rtlCol="0" anchor="ctr"/>
-          <a:lstStyle/>
-          <a:p>
-            <a:pPr algn="ctr"/>
+        <p:spPr/>
+        <p:txBody>
+          <a:bodyPr/>
+          <a:lstStyle/>
+          <a:p>
+            <a:r>
+              <a:rPr lang="ru-RU" dirty="0" smtClean="0"/>
+              <a:t>Статистика показывает, что для </a:t>
+            </a:r>
+            <a:r>
+              <a:rPr lang="ru-RU" dirty="0"/>
+              <a:t>большинства задач в суперкомпьютерных системах</a:t>
+            </a:r>
+            <a:r>
+              <a:rPr lang="ru-RU" dirty="0" smtClean="0"/>
+              <a:t> время выполнения существенно отличается от времени, указываемого пользователем при постановке задачи в очередь</a:t>
+            </a:r>
+          </a:p>
+          <a:p>
+            <a:r>
+              <a:rPr lang="ru-RU" dirty="0"/>
+              <a:t>Это снижает эффективность планирования </a:t>
+            </a:r>
+            <a:r>
+              <a:rPr lang="ru-RU" dirty="0" smtClean="0"/>
+              <a:t>очереди заданий</a:t>
+            </a:r>
+            <a:r>
+              <a:rPr lang="ru-RU" dirty="0"/>
+              <a:t>, поскольку </a:t>
+            </a:r>
+            <a:r>
+              <a:rPr lang="ru-RU" dirty="0" smtClean="0"/>
+              <a:t>планировщики в суперкомпьютерных системах опираются </a:t>
+            </a:r>
+            <a:r>
+              <a:rPr lang="ru-RU" dirty="0" smtClean="0"/>
+              <a:t>указанное </a:t>
+            </a:r>
+            <a:r>
+              <a:rPr lang="ru-RU" dirty="0" smtClean="0"/>
+              <a:t>пользователями время, и </a:t>
+            </a:r>
+            <a:r>
+              <a:rPr lang="ru-RU" dirty="0" smtClean="0"/>
+              <a:t>неточная </a:t>
+            </a:r>
+            <a:r>
+              <a:rPr lang="ru-RU" dirty="0"/>
+              <a:t>оценка времени выполнения приводит к неоптимальному расписанию запусков заданий. </a:t>
+            </a:r>
+          </a:p>
+          <a:p>
+            <a:endParaRPr lang="ru-RU" dirty="0" smtClean="0"/>
+          </a:p>
+          <a:p>
+            <a:endParaRPr lang="ru-RU" dirty="0"/>
+          </a:p>
+        </p:txBody>
+      </p:sp>
+      <p:sp>
+        <p:nvSpPr>
+          <p:cNvPr id="4" name="Номер слайда 3"/>
+          <p:cNvSpPr>
+            <a:spLocks noGrp="1"/>
+          </p:cNvSpPr>
+          <p:nvPr>
+            <p:ph type="sldNum" sz="quarter" idx="12"/>
+          </p:nvPr>
+        </p:nvSpPr>
+        <p:spPr/>
+        <p:txBody>
+          <a:bodyPr/>
+          <a:lstStyle/>
+          <a:p>
+            <a:fld id="{93065021-1A6F-4820-BE00-705D3CC282AC}" type="slidenum">
+              <a:rPr lang="ru-RU" smtClean="0"/>
+              <a:t>3</a:t>
+            </a:fld>
             <a:endParaRPr lang="ru-RU"/>
           </a:p>
         </p:txBody>
@@ -4157,7 +7732,7 @@
     </p:spTree>
     <p:extLst>
       <p:ext uri="{BB962C8B-B14F-4D97-AF65-F5344CB8AC3E}">
-        <p14:creationId xmlns:p14="http://schemas.microsoft.com/office/powerpoint/2010/main" val="3566045395"/>
+        <p14:creationId xmlns:p14="http://schemas.microsoft.com/office/powerpoint/2010/main" val="3172409519"/>
       </p:ext>
     </p:extLst>
   </p:cSld>
@@ -4207,69 +7782,86 @@
           <a:lstStyle/>
           <a:p>
             <a:r>
+              <a:rPr lang="ru-RU" dirty="0"/>
+              <a:t>Решение</a:t>
+            </a:r>
+          </a:p>
+        </p:txBody>
+      </p:sp>
+      <p:sp>
+        <p:nvSpPr>
+          <p:cNvPr id="3" name="Объект 2"/>
+          <p:cNvSpPr>
+            <a:spLocks noGrp="1"/>
+          </p:cNvSpPr>
+          <p:nvPr>
+            <p:ph idx="1"/>
+          </p:nvPr>
+        </p:nvSpPr>
+        <p:spPr/>
+        <p:txBody>
+          <a:bodyPr/>
+          <a:lstStyle/>
+          <a:p>
+            <a:r>
               <a:rPr lang="ru-RU" dirty="0" smtClean="0"/>
-              <a:t>Цель исследования</a:t>
+              <a:t>Предсказание времени выполнения заданий с помощью алгоритмов машинного обучения</a:t>
             </a:r>
             <a:endParaRPr lang="ru-RU" dirty="0"/>
           </a:p>
         </p:txBody>
       </p:sp>
-      <p:sp>
-        <p:nvSpPr>
-          <p:cNvPr id="3" name="Объект 2"/>
-          <p:cNvSpPr>
-            <a:spLocks noGrp="1"/>
-          </p:cNvSpPr>
-          <p:nvPr>
-            <p:ph idx="1"/>
-          </p:nvPr>
-        </p:nvSpPr>
-        <p:spPr/>
-        <p:txBody>
-          <a:bodyPr/>
-          <a:lstStyle/>
-          <a:p>
-            <a:pPr marL="0" indent="0">
-              <a:buNone/>
-            </a:pPr>
-            <a:r>
-              <a:rPr lang="ru-RU" dirty="0"/>
-              <a:t>Целью данной работы </a:t>
-            </a:r>
-            <a:r>
-              <a:rPr lang="ru-RU" dirty="0" smtClean="0"/>
-              <a:t>является </a:t>
-            </a:r>
-            <a:r>
-              <a:rPr lang="ru-RU" dirty="0"/>
-              <a:t>исследование использования аргументов командной строки запускаемой программы при предсказании времени работы программы.</a:t>
-            </a:r>
-          </a:p>
-          <a:p>
-            <a:pPr marL="0" indent="0">
-              <a:buNone/>
-            </a:pPr>
-            <a:r>
-              <a:rPr lang="ru-RU" dirty="0"/>
-              <a:t>В результате планируется получить алгоритм обучения и модель на основании машинного обучения, имеющую достаточную для применения в реальном планировщике задач </a:t>
-            </a:r>
-            <a:r>
-              <a:rPr lang="ru-RU" dirty="0" smtClean="0"/>
-              <a:t>точность.</a:t>
-            </a:r>
-          </a:p>
-          <a:p>
-            <a:pPr marL="0" indent="0">
-              <a:buNone/>
-            </a:pPr>
-            <a:endParaRPr lang="ru-RU" dirty="0"/>
+      <p:pic>
+        <p:nvPicPr>
+          <p:cNvPr id="4" name="Рисунок 3"/>
+          <p:cNvPicPr>
+            <a:picLocks noChangeAspect="1"/>
+          </p:cNvPicPr>
+          <p:nvPr/>
+        </p:nvPicPr>
+        <p:blipFill>
+          <a:blip r:embed="rId2"/>
+          <a:stretch>
+            <a:fillRect/>
+          </a:stretch>
+        </p:blipFill>
+        <p:spPr>
+          <a:xfrm>
+            <a:off x="1533525" y="3502111"/>
+            <a:ext cx="9124950" cy="2209800"/>
+          </a:xfrm>
+          <a:prstGeom prst="rect">
+            <a:avLst/>
+          </a:prstGeom>
+        </p:spPr>
+      </p:pic>
+      <p:sp>
+        <p:nvSpPr>
+          <p:cNvPr id="5" name="Номер слайда 4"/>
+          <p:cNvSpPr>
+            <a:spLocks noGrp="1"/>
+          </p:cNvSpPr>
+          <p:nvPr>
+            <p:ph type="sldNum" sz="quarter" idx="12"/>
+          </p:nvPr>
+        </p:nvSpPr>
+        <p:spPr/>
+        <p:txBody>
+          <a:bodyPr/>
+          <a:lstStyle/>
+          <a:p>
+            <a:fld id="{93065021-1A6F-4820-BE00-705D3CC282AC}" type="slidenum">
+              <a:rPr lang="ru-RU" smtClean="0"/>
+              <a:t>4</a:t>
+            </a:fld>
+            <a:endParaRPr lang="ru-RU"/>
           </a:p>
         </p:txBody>
       </p:sp>
     </p:spTree>
     <p:extLst>
       <p:ext uri="{BB962C8B-B14F-4D97-AF65-F5344CB8AC3E}">
-        <p14:creationId xmlns:p14="http://schemas.microsoft.com/office/powerpoint/2010/main" val="2733604704"/>
+        <p14:creationId xmlns:p14="http://schemas.microsoft.com/office/powerpoint/2010/main" val="4087038220"/>
       </p:ext>
     </p:extLst>
   </p:cSld>
@@ -4320,46 +7912,64 @@
           <a:p>
             <a:r>
               <a:rPr lang="ru-RU" dirty="0"/>
-              <a:t>Анализ существующих </a:t>
-            </a:r>
-            <a:r>
-              <a:rPr lang="ru-RU" dirty="0" smtClean="0"/>
-              <a:t>работ</a:t>
+              <a:t>Речь</a:t>
             </a:r>
             <a:endParaRPr lang="ru-RU" dirty="0"/>
           </a:p>
         </p:txBody>
       </p:sp>
-      <p:pic>
-        <p:nvPicPr>
-          <p:cNvPr id="4" name="Объект 3"/>
-          <p:cNvPicPr>
-            <a:picLocks noGrp="1" noChangeAspect="1"/>
-          </p:cNvPicPr>
+      <p:sp>
+        <p:nvSpPr>
+          <p:cNvPr id="3" name="Объект 2"/>
+          <p:cNvSpPr>
+            <a:spLocks noGrp="1"/>
+          </p:cNvSpPr>
           <p:nvPr>
             <p:ph idx="1"/>
           </p:nvPr>
-        </p:nvPicPr>
-        <p:blipFill>
-          <a:blip r:embed="rId2"/>
-          <a:stretch>
-            <a:fillRect/>
-          </a:stretch>
-        </p:blipFill>
-        <p:spPr>
-          <a:xfrm>
-            <a:off x="2377440" y="1439724"/>
-            <a:ext cx="6227555" cy="5033330"/>
-          </a:xfrm>
-          <a:prstGeom prst="rect">
-            <a:avLst/>
-          </a:prstGeom>
-        </p:spPr>
-      </p:pic>
+        </p:nvSpPr>
+        <p:spPr/>
+        <p:txBody>
+          <a:bodyPr/>
+          <a:lstStyle/>
+          <a:p>
+            <a:r>
+              <a:rPr lang="ru-RU" dirty="0"/>
+              <a:t>Для повышения качества планирования выполнения заданий предлагается использовать в системном планировщике предсказания времени выполнения заданий, полученные с помощью алгоритмов машинного обучения.</a:t>
+            </a:r>
+          </a:p>
+          <a:p>
+            <a:endParaRPr lang="ru-RU" dirty="0"/>
+          </a:p>
+        </p:txBody>
+      </p:sp>
+      <p:sp>
+        <p:nvSpPr>
+          <p:cNvPr id="4" name="Номер слайда 3"/>
+          <p:cNvSpPr>
+            <a:spLocks noGrp="1"/>
+          </p:cNvSpPr>
+          <p:nvPr>
+            <p:ph type="sldNum" sz="quarter" idx="12"/>
+          </p:nvPr>
+        </p:nvSpPr>
+        <p:spPr/>
+        <p:txBody>
+          <a:bodyPr/>
+          <a:lstStyle/>
+          <a:p>
+            <a:fld id="{93065021-1A6F-4820-BE00-705D3CC282AC}" type="slidenum">
+              <a:rPr lang="ru-RU" smtClean="0"/>
+              <a:t>5</a:t>
+            </a:fld>
+            <a:endParaRPr lang="ru-RU"/>
+          </a:p>
+        </p:txBody>
+      </p:sp>
     </p:spTree>
     <p:extLst>
       <p:ext uri="{BB962C8B-B14F-4D97-AF65-F5344CB8AC3E}">
-        <p14:creationId xmlns:p14="http://schemas.microsoft.com/office/powerpoint/2010/main" val="159576658"/>
+        <p14:creationId xmlns:p14="http://schemas.microsoft.com/office/powerpoint/2010/main" val="433644436"/>
       </p:ext>
     </p:extLst>
   </p:cSld>
@@ -4410,7 +8020,7 @@
           <a:p>
             <a:r>
               <a:rPr lang="ru-RU" dirty="0"/>
-              <a:t>Метод прогнозирования на основе шаблонов </a:t>
+              <a:t>Цель исследования</a:t>
             </a:r>
           </a:p>
         </p:txBody>
@@ -4425,72 +8035,64 @@
             <p:ph idx="1"/>
           </p:nvPr>
         </p:nvSpPr>
-        <p:spPr>
-          <a:xfrm>
-            <a:off x="838200" y="1690688"/>
-            <a:ext cx="4474029" cy="4351338"/>
-          </a:xfrm>
-        </p:spPr>
-        <p:txBody>
-          <a:bodyPr/>
-          <a:lstStyle/>
-          <a:p>
-            <a:pPr marL="0" indent="0">
-              <a:buNone/>
-            </a:pPr>
+        <p:spPr/>
+        <p:txBody>
+          <a:bodyPr/>
+          <a:lstStyle/>
+          <a:p>
             <a:r>
               <a:rPr lang="ru-RU" dirty="0" smtClean="0"/>
-              <a:t>Данный </a:t>
-            </a:r>
-            <a:r>
-              <a:rPr lang="ru-RU" dirty="0"/>
-              <a:t>метод определяет сходство заданий с помощью шаблона, разделенного на атрибуты задания для прогнозирования. </a:t>
-            </a:r>
-            <a:endParaRPr lang="ru-RU" dirty="0" smtClean="0"/>
-          </a:p>
-          <a:p>
-            <a:pPr marL="0" indent="0">
-              <a:buNone/>
-            </a:pPr>
+              <a:t>Сравнение </a:t>
+            </a:r>
+            <a:r>
+              <a:rPr lang="ru-RU" dirty="0"/>
+              <a:t>методов предсказания времени выполнения программ в суперкомпьютерных </a:t>
+            </a:r>
             <a:r>
               <a:rPr lang="ru-RU" dirty="0" smtClean="0"/>
-              <a:t>Время </a:t>
-            </a:r>
-            <a:r>
-              <a:rPr lang="ru-RU" dirty="0"/>
-              <a:t>выполнения оценивается как характерное для данного шаблона</a:t>
-            </a:r>
-          </a:p>
-        </p:txBody>
-      </p:sp>
-      <p:pic>
-        <p:nvPicPr>
-          <p:cNvPr id="4" name="Рисунок 3"/>
-          <p:cNvPicPr>
-            <a:picLocks noChangeAspect="1"/>
-          </p:cNvPicPr>
-          <p:nvPr/>
-        </p:nvPicPr>
-        <p:blipFill>
-          <a:blip r:embed="rId2"/>
-          <a:stretch>
-            <a:fillRect/>
-          </a:stretch>
-        </p:blipFill>
-        <p:spPr>
-          <a:xfrm>
-            <a:off x="5163466" y="1471747"/>
-            <a:ext cx="6500985" cy="4318635"/>
-          </a:xfrm>
-          <a:prstGeom prst="rect">
-            <a:avLst/>
-          </a:prstGeom>
-        </p:spPr>
-      </p:pic>
+              <a:t>системах</a:t>
+            </a:r>
+          </a:p>
+          <a:p>
+            <a:r>
+              <a:rPr lang="ru-RU" dirty="0" smtClean="0"/>
+              <a:t>Исследование </a:t>
+            </a:r>
+            <a:r>
+              <a:rPr lang="ru-RU" dirty="0"/>
+              <a:t>эффективности использования аргументов командной строки запускаемой программы при предсказании</a:t>
+            </a:r>
+          </a:p>
+        </p:txBody>
+      </p:sp>
+      <p:sp>
+        <p:nvSpPr>
+          <p:cNvPr id="4" name="Номер слайда 3"/>
+          <p:cNvSpPr>
+            <a:spLocks noGrp="1"/>
+          </p:cNvSpPr>
+          <p:nvPr>
+            <p:ph type="sldNum" sz="quarter" idx="12"/>
+          </p:nvPr>
+        </p:nvSpPr>
+        <p:spPr/>
+        <p:txBody>
+          <a:bodyPr/>
+          <a:lstStyle/>
+          <a:p>
+            <a:fld id="{93065021-1A6F-4820-BE00-705D3CC282AC}" type="slidenum">
+              <a:rPr lang="ru-RU" smtClean="0"/>
+              <a:pPr/>
+              <a:t>6</a:t>
+            </a:fld>
+            <a:endParaRPr lang="ru-RU" dirty="0"/>
+          </a:p>
+        </p:txBody>
+      </p:sp>
     </p:spTree>
     <p:extLst>
       <p:ext uri="{BB962C8B-B14F-4D97-AF65-F5344CB8AC3E}">
-        <p14:creationId xmlns:p14="http://schemas.microsoft.com/office/powerpoint/2010/main" val="4281598020"/>
+        <p14:creationId xmlns:p14="http://schemas.microsoft.com/office/powerpoint/2010/main" val="4258320017"/>
       </p:ext>
     </p:extLst>
   </p:cSld>
@@ -4540,8 +8142,8 @@
           <a:lstStyle/>
           <a:p>
             <a:r>
-              <a:rPr lang="ru-RU" dirty="0" smtClean="0"/>
-              <a:t>Метод прогнозирования на основе экземпляров</a:t>
+              <a:rPr lang="ru-RU" dirty="0"/>
+              <a:t>Речь</a:t>
             </a:r>
             <a:endParaRPr lang="ru-RU" dirty="0"/>
           </a:p>
@@ -4557,83 +8159,48 @@
             <p:ph idx="1"/>
           </p:nvPr>
         </p:nvSpPr>
-        <p:spPr>
-          <a:xfrm>
-            <a:off x="838200" y="1825624"/>
-            <a:ext cx="5188131" cy="4636135"/>
-          </a:xfrm>
-        </p:spPr>
-        <p:txBody>
-          <a:bodyPr>
-            <a:normAutofit lnSpcReduction="10000"/>
-          </a:bodyPr>
-          <a:lstStyle/>
-          <a:p>
-            <a:pPr marL="0" indent="0">
-              <a:buNone/>
-            </a:pPr>
-            <a:r>
-              <a:rPr lang="ru-RU" dirty="0" smtClean="0"/>
-              <a:t>Данный </a:t>
-            </a:r>
-            <a:r>
-              <a:rPr lang="ru-RU" dirty="0"/>
-              <a:t>метод не классифицирует данные истории. Вместо этого он ищет k фрагментов задания, похожих на новое прогнозируемое задание, а затем на их основе оценивает время </a:t>
-            </a:r>
-            <a:r>
-              <a:rPr lang="ru-RU" dirty="0" smtClean="0"/>
-              <a:t>выполнения.</a:t>
-            </a:r>
-            <a:endParaRPr lang="en-US" dirty="0" smtClean="0"/>
-          </a:p>
-          <a:p>
-            <a:pPr marL="0" indent="0">
-              <a:buNone/>
-            </a:pPr>
-            <a:r>
-              <a:rPr lang="ru-RU" dirty="0" smtClean="0"/>
-              <a:t>Часто</a:t>
-            </a:r>
-            <a:r>
-              <a:rPr lang="ru-RU" dirty="0"/>
-              <a:t>, подобные алгоритмы основаны на алгоритме k ближайших соседей, представляя экземпляры как точки в n - мерном </a:t>
-            </a:r>
-            <a:r>
-              <a:rPr lang="ru-RU" dirty="0" err="1" smtClean="0"/>
-              <a:t>простанстве</a:t>
-            </a:r>
+        <p:spPr/>
+        <p:txBody>
+          <a:bodyPr/>
+          <a:lstStyle/>
+          <a:p>
+            <a:r>
+              <a:rPr lang="ru-RU" dirty="0"/>
+              <a:t>Целью данной работы является сравнение методов предсказания времени выполнения программ в суперкомпьютерных системах и исследование эффективности использования аргументов командной строки запускаемой программы при предсказании времени работы программы.</a:t>
+            </a:r>
+          </a:p>
+          <a:p>
             <a:endParaRPr lang="ru-RU" dirty="0"/>
           </a:p>
         </p:txBody>
       </p:sp>
-      <p:pic>
-        <p:nvPicPr>
-          <p:cNvPr id="4" name="Рисунок 3"/>
-          <p:cNvPicPr>
-            <a:picLocks noChangeAspect="1"/>
-          </p:cNvPicPr>
-          <p:nvPr/>
-        </p:nvPicPr>
-        <p:blipFill>
-          <a:blip r:embed="rId2"/>
-          <a:stretch>
-            <a:fillRect/>
-          </a:stretch>
-        </p:blipFill>
-        <p:spPr>
-          <a:xfrm>
-            <a:off x="5954730" y="937124"/>
-            <a:ext cx="6237270" cy="5239839"/>
-          </a:xfrm>
-          <a:prstGeom prst="rect">
-            <a:avLst/>
-          </a:prstGeom>
-        </p:spPr>
-      </p:pic>
+      <p:sp>
+        <p:nvSpPr>
+          <p:cNvPr id="4" name="Номер слайда 3"/>
+          <p:cNvSpPr>
+            <a:spLocks noGrp="1"/>
+          </p:cNvSpPr>
+          <p:nvPr>
+            <p:ph type="sldNum" sz="quarter" idx="12"/>
+          </p:nvPr>
+        </p:nvSpPr>
+        <p:spPr/>
+        <p:txBody>
+          <a:bodyPr/>
+          <a:lstStyle/>
+          <a:p>
+            <a:fld id="{93065021-1A6F-4820-BE00-705D3CC282AC}" type="slidenum">
+              <a:rPr lang="ru-RU" smtClean="0"/>
+              <a:t>7</a:t>
+            </a:fld>
+            <a:endParaRPr lang="ru-RU"/>
+          </a:p>
+        </p:txBody>
+      </p:sp>
     </p:spTree>
     <p:extLst>
       <p:ext uri="{BB962C8B-B14F-4D97-AF65-F5344CB8AC3E}">
-        <p14:creationId xmlns:p14="http://schemas.microsoft.com/office/powerpoint/2010/main" val="549689596"/>
+        <p14:creationId xmlns:p14="http://schemas.microsoft.com/office/powerpoint/2010/main" val="928170568"/>
       </p:ext>
     </p:extLst>
   </p:cSld>
@@ -4684,60 +8251,25 @@
           <a:p>
             <a:r>
               <a:rPr lang="ru-RU" dirty="0"/>
-              <a:t>Метод прогнозирования на основе сглаживания</a:t>
-            </a:r>
-          </a:p>
-        </p:txBody>
-      </p:sp>
-      <p:sp>
-        <p:nvSpPr>
-          <p:cNvPr id="3" name="Объект 2"/>
-          <p:cNvSpPr>
-            <a:spLocks noGrp="1"/>
-          </p:cNvSpPr>
-          <p:nvPr>
-            <p:ph idx="1"/>
-          </p:nvPr>
-        </p:nvSpPr>
-        <p:spPr>
-          <a:xfrm>
-            <a:off x="838200" y="1825625"/>
-            <a:ext cx="4857206" cy="4351338"/>
-          </a:xfrm>
-        </p:spPr>
-        <p:txBody>
-          <a:bodyPr/>
-          <a:lstStyle/>
-          <a:p>
-            <a:pPr marL="0" indent="0">
-              <a:buNone/>
-            </a:pPr>
+              <a:t>Анализ существующих </a:t>
+            </a:r>
             <a:r>
               <a:rPr lang="ru-RU" dirty="0" smtClean="0"/>
-              <a:t>Данный метод </a:t>
-            </a:r>
-            <a:r>
-              <a:rPr lang="ru-RU" dirty="0"/>
-              <a:t>был </a:t>
-            </a:r>
-            <a:r>
-              <a:rPr lang="ru-RU" dirty="0" smtClean="0"/>
-              <a:t>для </a:t>
-            </a:r>
-            <a:r>
-              <a:rPr lang="ru-RU" dirty="0"/>
-              <a:t>оценки времени выполнения, используя среднее значение двух последних выполнений, представленных одним и тем же пользователем . Этот метод очень прост в реализации и обеспечивает высокую производительность</a:t>
-            </a:r>
+              <a:t>работ</a:t>
+            </a:r>
+            <a:endParaRPr lang="ru-RU" dirty="0"/>
           </a:p>
         </p:txBody>
       </p:sp>
       <p:pic>
         <p:nvPicPr>
-          <p:cNvPr id="4" name="Рисунок 3"/>
+          <p:cNvPr id="4" name="Объект 3"/>
           <p:cNvPicPr>
-            <a:picLocks noChangeAspect="1"/>
+            <a:picLocks noGrp="1" noChangeAspect="1"/>
           </p:cNvPicPr>
-          <p:nvPr/>
+          <p:nvPr>
+            <p:ph idx="1"/>
+          </p:nvPr>
         </p:nvPicPr>
         <p:blipFill>
           <a:blip r:embed="rId2"/>
@@ -4747,18 +8279,41 @@
         </p:blipFill>
         <p:spPr>
           <a:xfrm>
-            <a:off x="5695406" y="1959428"/>
-            <a:ext cx="6491855" cy="3720601"/>
+            <a:off x="2377440" y="1439724"/>
+            <a:ext cx="6227555" cy="5033330"/>
           </a:xfrm>
           <a:prstGeom prst="rect">
             <a:avLst/>
           </a:prstGeom>
         </p:spPr>
       </p:pic>
+      <p:sp>
+        <p:nvSpPr>
+          <p:cNvPr id="3" name="Номер слайда 2"/>
+          <p:cNvSpPr>
+            <a:spLocks noGrp="1"/>
+          </p:cNvSpPr>
+          <p:nvPr>
+            <p:ph type="sldNum" sz="quarter" idx="12"/>
+          </p:nvPr>
+        </p:nvSpPr>
+        <p:spPr/>
+        <p:txBody>
+          <a:bodyPr/>
+          <a:lstStyle/>
+          <a:p>
+            <a:fld id="{93065021-1A6F-4820-BE00-705D3CC282AC}" type="slidenum">
+              <a:rPr lang="ru-RU" smtClean="0"/>
+              <a:t>8</a:t>
+            </a:fld>
+            <a:endParaRPr lang="ru-RU"/>
+          </a:p>
+        </p:txBody>
+      </p:sp>
     </p:spTree>
     <p:extLst>
       <p:ext uri="{BB962C8B-B14F-4D97-AF65-F5344CB8AC3E}">
-        <p14:creationId xmlns:p14="http://schemas.microsoft.com/office/powerpoint/2010/main" val="159695151"/>
+        <p14:creationId xmlns:p14="http://schemas.microsoft.com/office/powerpoint/2010/main" val="159576658"/>
       </p:ext>
     </p:extLst>
   </p:cSld>
@@ -4809,8 +8364,9 @@
           <a:p>
             <a:r>
               <a:rPr lang="ru-RU" dirty="0"/>
-              <a:t>Постановка задачи</a:t>
-            </a:r>
+              <a:t>Речь</a:t>
+            </a:r>
+            <a:endParaRPr lang="ru-RU" dirty="0"/>
           </a:p>
         </p:txBody>
       </p:sp>
@@ -4824,142 +8380,64 @@
             <p:ph idx="1"/>
           </p:nvPr>
         </p:nvSpPr>
-        <p:spPr>
-          <a:xfrm>
-            <a:off x="838200" y="1331354"/>
-            <a:ext cx="8194040" cy="5171045"/>
-          </a:xfrm>
-        </p:spPr>
+        <p:spPr/>
         <p:txBody>
           <a:bodyPr>
-            <a:normAutofit fontScale="85000" lnSpcReduction="10000"/>
+            <a:normAutofit fontScale="92500"/>
           </a:bodyPr>
           <a:lstStyle/>
           <a:p>
             <a:r>
-              <a:rPr lang="ru-RU" dirty="0"/>
-              <a:t>Дана статистика запуска задач в суперкомпьютерной системе. </a:t>
+              <a:rPr lang="ru-RU" dirty="0" smtClean="0"/>
+              <a:t>Существующие методы предсказания можно поделить на 2 группы: предсказание с помощью анализа исходного кода программы и предсказание на основании истории запусков программы. Так как для первой группы методов необходимо иметь доступ к исходным файлам программы, чаще всего они не применимы в суперкомпьютерных системах</a:t>
+            </a:r>
+          </a:p>
+          <a:p>
+            <a:r>
+              <a:rPr lang="ru-RU" dirty="0" smtClean="0"/>
+              <a:t>Поэтому </a:t>
+            </a:r>
+            <a:r>
+              <a:rPr lang="ru-RU" dirty="0" smtClean="0"/>
+              <a:t> в подобных системах используется вторая группа методов</a:t>
+            </a:r>
+          </a:p>
+          <a:p>
+            <a:r>
+              <a:rPr lang="ru-RU" dirty="0" smtClean="0"/>
+              <a:t>Для их работы необходимо непрерывно сохранять данные о запусках задач, производимых в системе, для того чтобы по данной информации предсказывать время выполнения новых задач</a:t>
             </a:r>
             <a:endParaRPr lang="ru-RU" dirty="0" smtClean="0"/>
           </a:p>
-          <a:p>
-            <a:r>
-              <a:rPr lang="ru-RU" dirty="0" smtClean="0"/>
-              <a:t>Необходимо </a:t>
-            </a:r>
-            <a:r>
-              <a:rPr lang="ru-RU" dirty="0"/>
-              <a:t>создать модель, наиболее точно предсказывающую время выполнения новой поставленной задачи на основании исторической информации. </a:t>
-            </a:r>
-            <a:endParaRPr lang="ru-RU" dirty="0" smtClean="0"/>
-          </a:p>
-          <a:p>
-            <a:r>
-              <a:rPr lang="ru-RU" dirty="0" smtClean="0"/>
-              <a:t>Информация </a:t>
-            </a:r>
-            <a:r>
-              <a:rPr lang="ru-RU" dirty="0"/>
-              <a:t>собирается из системы планирования СУППЗ (система управления прохождением параллельных заданий</a:t>
-            </a:r>
-            <a:r>
-              <a:rPr lang="ru-RU" dirty="0" smtClean="0"/>
-              <a:t>) </a:t>
-            </a:r>
-            <a:r>
-              <a:rPr lang="ru-RU" dirty="0"/>
-              <a:t>МСЦ РАН. </a:t>
-            </a:r>
-            <a:endParaRPr lang="ru-RU" dirty="0" smtClean="0"/>
-          </a:p>
-          <a:p>
-            <a:r>
-              <a:rPr lang="ru-RU" dirty="0" smtClean="0"/>
-              <a:t>Для </a:t>
-            </a:r>
-            <a:r>
-              <a:rPr lang="ru-RU" dirty="0"/>
-              <a:t>предсказания предлагается использовать разновидность прогнозирования на основе экземпляров. </a:t>
-            </a:r>
-            <a:endParaRPr lang="ru-RU" dirty="0" smtClean="0"/>
-          </a:p>
-          <a:p>
-            <a:r>
-              <a:rPr lang="ru-RU" dirty="0" smtClean="0"/>
-              <a:t>В список исторической информации добавляется новый атрибут - аргументы </a:t>
-            </a:r>
-            <a:r>
-              <a:rPr lang="ru-RU" dirty="0"/>
-              <a:t>командной </a:t>
-            </a:r>
-            <a:r>
-              <a:rPr lang="ru-RU" dirty="0" smtClean="0"/>
-              <a:t>строки запускаемой задачи</a:t>
-            </a:r>
-            <a:r>
-              <a:rPr lang="en-US" dirty="0" smtClean="0"/>
-              <a:t>. </a:t>
-            </a:r>
-            <a:r>
-              <a:rPr lang="ru-RU" dirty="0" smtClean="0"/>
-              <a:t>На диаграммах представлено распределение количества параметров у запускаемых задач с 25.10.22 по 16.11.22 на различных узлах суперкомпьютера МСЦ РАН. </a:t>
-            </a:r>
-            <a:endParaRPr lang="ru-RU" dirty="0"/>
-          </a:p>
-        </p:txBody>
-      </p:sp>
-      <p:pic>
-        <p:nvPicPr>
-          <p:cNvPr id="10" name="Рисунок 9"/>
-          <p:cNvPicPr>
-            <a:picLocks noChangeAspect="1"/>
-          </p:cNvPicPr>
-          <p:nvPr/>
-        </p:nvPicPr>
-        <p:blipFill>
-          <a:blip r:embed="rId2"/>
-          <a:stretch>
-            <a:fillRect/>
-          </a:stretch>
-        </p:blipFill>
-        <p:spPr>
-          <a:xfrm>
-            <a:off x="12192000" y="-39506"/>
-            <a:ext cx="2993487" cy="6809687"/>
-          </a:xfrm>
-          <a:prstGeom prst="rect">
-            <a:avLst/>
-          </a:prstGeom>
-        </p:spPr>
-      </p:pic>
-      <p:pic>
-        <p:nvPicPr>
-          <p:cNvPr id="6" name="Рисунок 5"/>
-          <p:cNvPicPr>
-            <a:picLocks noChangeAspect="1"/>
-          </p:cNvPicPr>
-          <p:nvPr/>
-        </p:nvPicPr>
-        <p:blipFill>
-          <a:blip r:embed="rId3"/>
-          <a:stretch>
-            <a:fillRect/>
-          </a:stretch>
-        </p:blipFill>
-        <p:spPr>
-          <a:xfrm>
-            <a:off x="9032240" y="0"/>
-            <a:ext cx="2958754" cy="6730677"/>
-          </a:xfrm>
-          <a:prstGeom prst="rect">
-            <a:avLst/>
-          </a:prstGeom>
-        </p:spPr>
-      </p:pic>
+        </p:txBody>
+      </p:sp>
+      <p:sp>
+        <p:nvSpPr>
+          <p:cNvPr id="4" name="Номер слайда 3"/>
+          <p:cNvSpPr>
+            <a:spLocks noGrp="1"/>
+          </p:cNvSpPr>
+          <p:nvPr>
+            <p:ph type="sldNum" sz="quarter" idx="12"/>
+          </p:nvPr>
+        </p:nvSpPr>
+        <p:spPr/>
+        <p:txBody>
+          <a:bodyPr/>
+          <a:lstStyle/>
+          <a:p>
+            <a:fld id="{93065021-1A6F-4820-BE00-705D3CC282AC}" type="slidenum">
+              <a:rPr lang="ru-RU" smtClean="0"/>
+              <a:t>9</a:t>
+            </a:fld>
+            <a:endParaRPr lang="ru-RU"/>
+          </a:p>
+        </p:txBody>
+      </p:sp>
     </p:spTree>
     <p:extLst>
       <p:ext uri="{BB962C8B-B14F-4D97-AF65-F5344CB8AC3E}">
-        <p14:creationId xmlns:p14="http://schemas.microsoft.com/office/powerpoint/2010/main" val="1642170264"/>
+        <p14:creationId xmlns:p14="http://schemas.microsoft.com/office/powerpoint/2010/main" val="319414859"/>
       </p:ext>
     </p:extLst>
   </p:cSld>
@@ -5235,4 +8713,265 @@
     </a:ext>
   </a:extLst>
 </a:theme>
+</file>
+
+<file path=ppt/theme/theme2.xml><?xml version="1.0" encoding="utf-8"?>
+<a:theme xmlns:a="http://schemas.openxmlformats.org/drawingml/2006/main" name="Тема Office">
+  <a:themeElements>
+    <a:clrScheme name="Стандартная">
+      <a:dk1>
+        <a:sysClr val="windowText" lastClr="000000"/>
+      </a:dk1>
+      <a:lt1>
+        <a:sysClr val="window" lastClr="FFFFFF"/>
+      </a:lt1>
+      <a:dk2>
+        <a:srgbClr val="44546A"/>
+      </a:dk2>
+      <a:lt2>
+        <a:srgbClr val="E7E6E6"/>
+      </a:lt2>
+      <a:accent1>
+        <a:srgbClr val="5B9BD5"/>
+      </a:accent1>
+      <a:accent2>
+        <a:srgbClr val="ED7D31"/>
+      </a:accent2>
+      <a:accent3>
+        <a:srgbClr val="A5A5A5"/>
+      </a:accent3>
+      <a:accent4>
+        <a:srgbClr val="FFC000"/>
+      </a:accent4>
+      <a:accent5>
+        <a:srgbClr val="4472C4"/>
+      </a:accent5>
+      <a:accent6>
+        <a:srgbClr val="70AD47"/>
+      </a:accent6>
+      <a:hlink>
+        <a:srgbClr val="0563C1"/>
+      </a:hlink>
+      <a:folHlink>
+        <a:srgbClr val="954F72"/>
+      </a:folHlink>
+    </a:clrScheme>
+    <a:fontScheme name="Стандартная">
+      <a:majorFont>
+        <a:latin typeface="Calibri Light" panose="020F0302020204030204"/>
+        <a:ea typeface=""/>
+        <a:cs typeface=""/>
+        <a:font script="Jpan" typeface="游ゴシック Light"/>
+        <a:font script="Hang" typeface="맑은 고딕"/>
+        <a:font script="Hans" typeface="等线 Light"/>
+        <a:font script="Hant" typeface="新細明體"/>
+        <a:font script="Arab" typeface="Times New Roman"/>
+        <a:font script="Hebr" typeface="Times New Roman"/>
+        <a:font script="Thai" typeface="Angsana New"/>
+        <a:font script="Ethi" typeface="Nyala"/>
+        <a:font script="Beng" typeface="Vrinda"/>
+        <a:font script="Gujr" typeface="Shruti"/>
+        <a:font script="Khmr" typeface="MoolBoran"/>
+        <a:font script="Knda" typeface="Tunga"/>
+        <a:font script="Guru" typeface="Raavi"/>
+        <a:font script="Cans" typeface="Euphemia"/>
+        <a:font script="Cher" typeface="Plantagenet Cherokee"/>
+        <a:font script="Yiii" typeface="Microsoft Yi Baiti"/>
+        <a:font script="Tibt" typeface="Microsoft Himalaya"/>
+        <a:font script="Thaa" typeface="MV Boli"/>
+        <a:font script="Deva" typeface="Mangal"/>
+        <a:font script="Telu" typeface="Gautami"/>
+        <a:font script="Taml" typeface="Latha"/>
+        <a:font script="Syrc" typeface="Estrangelo Edessa"/>
+        <a:font script="Orya" typeface="Kalinga"/>
+        <a:font script="Mlym" typeface="Kartika"/>
+        <a:font script="Laoo" typeface="DokChampa"/>
+        <a:font script="Sinh" typeface="Iskoola Pota"/>
+        <a:font script="Mong" typeface="Mongolian Baiti"/>
+        <a:font script="Viet" typeface="Times New Roman"/>
+        <a:font script="Uigh" typeface="Microsoft Uighur"/>
+        <a:font script="Geor" typeface="Sylfaen"/>
+      </a:majorFont>
+      <a:minorFont>
+        <a:latin typeface="Calibri" panose="020F0502020204030204"/>
+        <a:ea typeface=""/>
+        <a:cs typeface=""/>
+        <a:font script="Jpan" typeface="游ゴシック"/>
+        <a:font script="Hang" typeface="맑은 고딕"/>
+        <a:font script="Hans" typeface="等线"/>
+        <a:font script="Hant" typeface="新細明體"/>
+        <a:font script="Arab" typeface="Arial"/>
+        <a:font script="Hebr" typeface="Arial"/>
+        <a:font script="Thai" typeface="Cordia New"/>
+        <a:font script="Ethi" typeface="Nyala"/>
+        <a:font script="Beng" typeface="Vrinda"/>
+        <a:font script="Gujr" typeface="Shruti"/>
+        <a:font script="Khmr" typeface="DaunPenh"/>
+        <a:font script="Knda" typeface="Tunga"/>
+        <a:font script="Guru" typeface="Raavi"/>
+        <a:font script="Cans" typeface="Euphemia"/>
+        <a:font script="Cher" typeface="Plantagenet Cherokee"/>
+        <a:font script="Yiii" typeface="Microsoft Yi Baiti"/>
+        <a:font script="Tibt" typeface="Microsoft Himalaya"/>
+        <a:font script="Thaa" typeface="MV Boli"/>
+        <a:font script="Deva" typeface="Mangal"/>
+        <a:font script="Telu" typeface="Gautami"/>
+        <a:font script="Taml" typeface="Latha"/>
+        <a:font script="Syrc" typeface="Estrangelo Edessa"/>
+        <a:font script="Orya" typeface="Kalinga"/>
+        <a:font script="Mlym" typeface="Kartika"/>
+        <a:font script="Laoo" typeface="DokChampa"/>
+        <a:font script="Sinh" typeface="Iskoola Pota"/>
+        <a:font script="Mong" typeface="Mongolian Baiti"/>
+        <a:font script="Viet" typeface="Arial"/>
+        <a:font script="Uigh" typeface="Microsoft Uighur"/>
+        <a:font script="Geor" typeface="Sylfaen"/>
+      </a:minorFont>
+    </a:fontScheme>
+    <a:fmtScheme name="Стандартная">
+      <a:fillStyleLst>
+        <a:solidFill>
+          <a:schemeClr val="phClr"/>
+        </a:solidFill>
+        <a:gradFill rotWithShape="1">
+          <a:gsLst>
+            <a:gs pos="0">
+              <a:schemeClr val="phClr">
+                <a:lumMod val="110000"/>
+                <a:satMod val="105000"/>
+                <a:tint val="67000"/>
+              </a:schemeClr>
+            </a:gs>
+            <a:gs pos="50000">
+              <a:schemeClr val="phClr">
+                <a:lumMod val="105000"/>
+                <a:satMod val="103000"/>
+                <a:tint val="73000"/>
+              </a:schemeClr>
+            </a:gs>
+            <a:gs pos="100000">
+              <a:schemeClr val="phClr">
+                <a:lumMod val="105000"/>
+                <a:satMod val="109000"/>
+                <a:tint val="81000"/>
+              </a:schemeClr>
+            </a:gs>
+          </a:gsLst>
+          <a:lin ang="5400000" scaled="0"/>
+        </a:gradFill>
+        <a:gradFill rotWithShape="1">
+          <a:gsLst>
+            <a:gs pos="0">
+              <a:schemeClr val="phClr">
+                <a:satMod val="103000"/>
+                <a:lumMod val="102000"/>
+                <a:tint val="94000"/>
+              </a:schemeClr>
+            </a:gs>
+            <a:gs pos="50000">
+              <a:schemeClr val="phClr">
+                <a:satMod val="110000"/>
+                <a:lumMod val="100000"/>
+                <a:shade val="100000"/>
+              </a:schemeClr>
+            </a:gs>
+            <a:gs pos="100000">
+              <a:schemeClr val="phClr">
+                <a:lumMod val="99000"/>
+                <a:satMod val="120000"/>
+                <a:shade val="78000"/>
+              </a:schemeClr>
+            </a:gs>
+          </a:gsLst>
+          <a:lin ang="5400000" scaled="0"/>
+        </a:gradFill>
+      </a:fillStyleLst>
+      <a:lnStyleLst>
+        <a:ln w="6350" cap="flat" cmpd="sng" algn="ctr">
+          <a:solidFill>
+            <a:schemeClr val="phClr"/>
+          </a:solidFill>
+          <a:prstDash val="solid"/>
+          <a:miter lim="800000"/>
+        </a:ln>
+        <a:ln w="12700" cap="flat" cmpd="sng" algn="ctr">
+          <a:solidFill>
+            <a:schemeClr val="phClr"/>
+          </a:solidFill>
+          <a:prstDash val="solid"/>
+          <a:miter lim="800000"/>
+        </a:ln>
+        <a:ln w="19050" cap="flat" cmpd="sng" algn="ctr">
+          <a:solidFill>
+            <a:schemeClr val="phClr"/>
+          </a:solidFill>
+          <a:prstDash val="solid"/>
+          <a:miter lim="800000"/>
+        </a:ln>
+      </a:lnStyleLst>
+      <a:effectStyleLst>
+        <a:effectStyle>
+          <a:effectLst/>
+        </a:effectStyle>
+        <a:effectStyle>
+          <a:effectLst/>
+        </a:effectStyle>
+        <a:effectStyle>
+          <a:effectLst>
+            <a:outerShdw blurRad="57150" dist="19050" dir="5400000" algn="ctr" rotWithShape="0">
+              <a:srgbClr val="000000">
+                <a:alpha val="63000"/>
+              </a:srgbClr>
+            </a:outerShdw>
+          </a:effectLst>
+        </a:effectStyle>
+      </a:effectStyleLst>
+      <a:bgFillStyleLst>
+        <a:solidFill>
+          <a:schemeClr val="phClr"/>
+        </a:solidFill>
+        <a:solidFill>
+          <a:schemeClr val="phClr">
+            <a:tint val="95000"/>
+            <a:satMod val="170000"/>
+          </a:schemeClr>
+        </a:solidFill>
+        <a:gradFill rotWithShape="1">
+          <a:gsLst>
+            <a:gs pos="0">
+              <a:schemeClr val="phClr">
+                <a:tint val="93000"/>
+                <a:satMod val="150000"/>
+                <a:shade val="98000"/>
+                <a:lumMod val="102000"/>
+              </a:schemeClr>
+            </a:gs>
+            <a:gs pos="50000">
+              <a:schemeClr val="phClr">
+                <a:tint val="98000"/>
+                <a:satMod val="130000"/>
+                <a:shade val="90000"/>
+                <a:lumMod val="103000"/>
+              </a:schemeClr>
+            </a:gs>
+            <a:gs pos="100000">
+              <a:schemeClr val="phClr">
+                <a:shade val="63000"/>
+                <a:satMod val="120000"/>
+              </a:schemeClr>
+            </a:gs>
+          </a:gsLst>
+          <a:lin ang="5400000" scaled="0"/>
+        </a:gradFill>
+      </a:bgFillStyleLst>
+    </a:fmtScheme>
+  </a:themeElements>
+  <a:objectDefaults/>
+  <a:extraClrSchemeLst/>
+  <a:extLst>
+    <a:ext uri="{05A4C25C-085E-4340-85A3-A5531E510DB2}">
+      <thm15:themeFamily xmlns:thm15="http://schemas.microsoft.com/office/thememl/2012/main" name="Office Theme" id="{62F939B6-93AF-4DB8-9C6B-D6C7DFDC589F}" vid="{4A3C46E8-61CC-4603-A589-7422A47A8E4A}"/>
+    </a:ext>
+  </a:extLst>
+</a:theme>
 </file>